--- a/_assets/Git Super Basics.pptx
+++ b/_assets/Git Super Basics.pptx
@@ -19,6 +19,12 @@
     <p:sldId id="264" r:id="rId14"/>
     <p:sldId id="265" r:id="rId15"/>
     <p:sldId id="266" r:id="rId16"/>
+    <p:sldId id="267" r:id="rId17"/>
+    <p:sldId id="268" r:id="rId18"/>
+    <p:sldId id="269" r:id="rId19"/>
+    <p:sldId id="270" r:id="rId20"/>
+    <p:sldId id="271" r:id="rId21"/>
+    <p:sldId id="272" r:id="rId22"/>
   </p:sldIdLst>
   <p:sldSz cy="6858000" cx="9144000"/>
   <p:notesSz cy="9144000" cx="6858000"/>
@@ -349,7 +355,7 @@
   <p:cSld>
     <p:spTree>
       <p:nvGrpSpPr>
-        <p:cNvPr name="Shape 42" id="42"/>
+        <p:cNvPr name="Shape 41" id="41"/>
         <p:cNvGrpSpPr/>
         <p:nvPr/>
       </p:nvGrpSpPr>
@@ -363,7 +369,7 @@
       </p:grpSpPr>
       <p:sp>
         <p:nvSpPr>
-          <p:cNvPr name="Shape 43" id="43"/>
+          <p:cNvPr name="Shape 42" id="42"/>
           <p:cNvSpPr/>
           <p:nvPr>
             <p:ph type="sldImg" idx="2"/>
@@ -397,7 +403,7 @@
       </p:sp>
       <p:sp>
         <p:nvSpPr>
-          <p:cNvPr name="Shape 44" id="44"/>
+          <p:cNvPr name="Shape 43" id="43"/>
           <p:cNvSpPr txBox="1"/>
           <p:nvPr>
             <p:ph type="body" idx="1"/>
@@ -495,442 +501,6 @@
 </file>
 
 <file path=ppt/notesSlides/notesSlide10.xml><?xml version="1.0" encoding="utf-8"?>
-<p:notes xmlns:a="http://schemas.openxmlformats.org/drawingml/2006/main" xmlns:r="http://schemas.openxmlformats.org/officeDocument/2006/relationships" xmlns:mc="http://schemas.openxmlformats.org/markup-compatibility/2006" xmlns:mv="urn:schemas-microsoft-com:mac:vml" xmlns:p="http://schemas.openxmlformats.org/presentationml/2006/main" xmlns:c="http://schemas.openxmlformats.org/drawingml/2006/chart" xmlns:dgm="http://schemas.openxmlformats.org/drawingml/2006/diagram" xmlns:o="urn:schemas-microsoft-com:office:office" xmlns:v="urn:schemas-microsoft-com:vml" xmlns:pvml="urn:schemas-microsoft-com:office:powerpoint" xmlns:com="http://schemas.openxmlformats.org/drawingml/2006/compatibility" xmlns:p14="http://schemas.microsoft.com/office/powerpoint/2010/main" showMasterSp="0" showMasterPhAnim="0">
-  <p:cSld>
-    <p:spTree>
-      <p:nvGrpSpPr>
-        <p:cNvPr name="Shape 105" id="105"/>
-        <p:cNvGrpSpPr/>
-        <p:nvPr/>
-      </p:nvGrpSpPr>
-      <p:grpSpPr>
-        <a:xfrm>
-          <a:off y="0" x="0"/>
-          <a:ext cy="0" cx="0"/>
-          <a:chOff y="0" x="0"/>
-          <a:chExt cy="0" cx="0"/>
-        </a:xfrm>
-      </p:grpSpPr>
-      <p:sp>
-        <p:nvSpPr>
-          <p:cNvPr name="Shape 106" id="106"/>
-          <p:cNvSpPr/>
-          <p:nvPr>
-            <p:ph type="sldImg" idx="2"/>
-          </p:nvPr>
-        </p:nvSpPr>
-        <p:spPr>
-          <a:xfrm>
-            <a:off y="685800" x="1143225"/>
-            <a:ext cy="3429000" cx="4572299"/>
-          </a:xfrm>
-          <a:custGeom>
-            <a:pathLst>
-              <a:path extrusionOk="0" h="120000" w="120000">
-                <a:moveTo>
-                  <a:pt y="0" x="0"/>
-                </a:moveTo>
-                <a:lnTo>
-                  <a:pt y="0" x="120000"/>
-                </a:lnTo>
-                <a:lnTo>
-                  <a:pt y="120000" x="120000"/>
-                </a:lnTo>
-                <a:lnTo>
-                  <a:pt y="120000" x="0"/>
-                </a:lnTo>
-                <a:close/>
-              </a:path>
-            </a:pathLst>
-          </a:custGeom>
-        </p:spPr>
-      </p:sp>
-      <p:sp>
-        <p:nvSpPr>
-          <p:cNvPr name="Shape 107" id="107"/>
-          <p:cNvSpPr txBox="1"/>
-          <p:nvPr>
-            <p:ph type="body" idx="1"/>
-          </p:nvPr>
-        </p:nvSpPr>
-        <p:spPr>
-          <a:xfrm>
-            <a:off y="4343400" x="685800"/>
-            <a:ext cy="4114800" cx="5486399"/>
-          </a:xfrm>
-          <a:prstGeom prst="rect">
-            <a:avLst/>
-          </a:prstGeom>
-        </p:spPr>
-        <p:txBody>
-          <a:bodyPr bIns="91425" tIns="91425" lIns="91425" anchor="t" anchorCtr="0" rIns="91425">
-            <a:spAutoFit/>
-          </a:bodyPr>
-          <a:lstStyle/>
-          <a:p>
-            <a:pPr rtl="0" lvl="0">
-              <a:buNone/>
-            </a:pPr>
-            <a:r>
-              <a:rPr lang="en" b="1"/>
-              <a:t>Max: </a:t>
-            </a:r>
-            <a:r>
-              <a:rPr lang="en"/>
-              <a:t>The great thing about git is that you can work with others and share code from a central resource. This is what github, bitbucket, and firewalled solutions like gitolite and stash are all about. To do this effectively we need to talk with those resources and push and pull code from it.</a:t>
-            </a:r>
-          </a:p>
-          <a:p>
-            <a:r>
-              <a:t/>
-            </a:r>
-          </a:p>
-          <a:p>
-            <a:pPr rtl="0" lvl="0">
-              <a:buNone/>
-            </a:pPr>
-            <a:r>
-              <a:rPr lang="en"/>
-              <a:t>SSH Keys are needed with many systems, though some HTTPS authentication systems are gaining popularity. For this session we will use SSH keys. Generating a key is pretty straightforward and in doing so you create a private key which you keep on your system and a public key that you can share with others. If you have keys already, make sure you know the passphrase and give us a few moments to generate them for others. </a:t>
-            </a:r>
-          </a:p>
-          <a:p>
-            <a:r>
-              <a:t/>
-            </a:r>
-          </a:p>
-          <a:p>
-            <a:pPr rtl="0" lvl="0">
-              <a:buNone/>
-            </a:pPr>
-            <a:r>
-              <a:rPr lang="en"/>
-              <a:t>From your prompt quickly check that no key exists. </a:t>
-            </a:r>
-          </a:p>
-          <a:p>
-            <a:r>
-              <a:t/>
-            </a:r>
-          </a:p>
-          <a:p>
-            <a:pPr rtl="0" lvl="0">
-              <a:buNone/>
-            </a:pPr>
-            <a:r>
-              <a:rPr lang="en"/>
-              <a:t>$ cd ~/.ssh</a:t>
-            </a:r>
-          </a:p>
-          <a:p>
-            <a:pPr rtl="0" lvl="0">
-              <a:buNone/>
-            </a:pPr>
-            <a:r>
-              <a:rPr lang="en"/>
-              <a:t>$ ls</a:t>
-            </a:r>
-          </a:p>
-          <a:p>
-            <a:r>
-              <a:t/>
-            </a:r>
-          </a:p>
-          <a:p>
-            <a:pPr rtl="0" lvl="0">
-              <a:buNone/>
-            </a:pPr>
-            <a:r>
-              <a:rPr lang="en"/>
-              <a:t>If something appears it means you have keys. If you were not aware of that, make a backup quickly in case they are important. (These steps are from gitHub's great write-up)</a:t>
-            </a:r>
-          </a:p>
-          <a:p>
-            <a:pPr rtl="0" lvl="0">
-              <a:buNone/>
-            </a:pPr>
-            <a:r>
-              <a:rPr lang="en"/>
-              <a:t>mkdir key_backup</a:t>
-            </a:r>
-            <a:br>
-              <a:rPr lang="en"/>
-            </a:br>
-            <a:r>
-              <a:rPr lang="en"/>
-              <a:t>cp id_rsa* key_backup</a:t>
-            </a:r>
-            <a:br>
-              <a:rPr lang="en"/>
-            </a:br>
-            <a:r>
-              <a:rPr lang="en"/>
-              <a:t>rm id_rsa*</a:t>
-            </a:r>
-          </a:p>
-          <a:p>
-            <a:r>
-              <a:t/>
-            </a:r>
-          </a:p>
-          <a:p>
-            <a:pPr rtl="0" lvl="0">
-              <a:buNone/>
-            </a:pPr>
-            <a:r>
-              <a:rPr lang="en"/>
-              <a:t>Now we are going to generate a key.</a:t>
-            </a:r>
-          </a:p>
-          <a:p>
-            <a:pPr rtl="0" lvl="0">
-              <a:buNone/>
-            </a:pPr>
-            <a:r>
-              <a:rPr lang="en"/>
-              <a:t>$ ssh-keygen -t rsa -C "</a:t>
-            </a:r>
-            <a:r>
-              <a:rPr lang="en" i="1"/>
-              <a:t>your_email@youremail.com</a:t>
-            </a:r>
-            <a:r>
-              <a:rPr lang="en"/>
-              <a:t>"</a:t>
-            </a:r>
-          </a:p>
-          <a:p>
-            <a:r>
-              <a:t/>
-            </a:r>
-          </a:p>
-          <a:p>
-            <a:pPr rtl="0" lvl="0">
-              <a:buNone/>
-            </a:pPr>
-            <a:r>
-              <a:rPr lang="en"/>
-              <a:t>Enter file in which to save the key (/</a:t>
-            </a:r>
-            <a:r>
-              <a:rPr lang="en" i="1"/>
-              <a:t>your_home_path</a:t>
-            </a:r>
-            <a:r>
-              <a:rPr lang="en"/>
-              <a:t>/.ssh/id_rsa):</a:t>
-            </a:r>
-          </a:p>
-          <a:p>
-            <a:r>
-              <a:t/>
-            </a:r>
-          </a:p>
-          <a:p>
-            <a:pPr rtl="0" lvl="0">
-              <a:buNone/>
-            </a:pPr>
-            <a:r>
-              <a:rPr lang="en"/>
-              <a:t>Enter a passphrase twice and you now have keys to use with most git resources. </a:t>
-            </a:r>
-          </a:p>
-          <a:p>
-            <a:r>
-              <a:t/>
-            </a:r>
-          </a:p>
-          <a:p>
-            <a:pPr rtl="0" lvl="0">
-              <a:buNone/>
-            </a:pPr>
-            <a:r>
-              <a:rPr lang="en" b="1"/>
-              <a:t>Vid: </a:t>
-            </a:r>
-            <a:r>
-              <a:rPr lang="en"/>
-              <a:t>Now that we have keys what in the world would you do with them? Get some code. </a:t>
-            </a:r>
-          </a:p>
-          <a:p>
-            <a:r>
-              <a:t/>
-            </a:r>
-          </a:p>
-          <a:p>
-            <a:pPr rtl="0" lvl="0">
-              <a:buNone/>
-            </a:pPr>
-            <a:r>
-              <a:rPr lang="en"/>
-              <a:t>Everything you have been learning applies when working with a remote git repository because with git you have your local repo that you update from central but you can work without being connected. So,</a:t>
-            </a:r>
-          </a:p>
-          <a:p>
-            <a:pPr rtl="0" lvl="0">
-              <a:buNone/>
-            </a:pPr>
-            <a:r>
-              <a:rPr lang="en"/>
-              <a:t>there are two concepts we want to go over, pushing and pulling.</a:t>
-            </a:r>
-          </a:p>
-          <a:p>
-            <a:r>
-              <a:t/>
-            </a:r>
-          </a:p>
-          <a:p>
-            <a:pPr rtl="0" lvl="0">
-              <a:buNone/>
-            </a:pPr>
-            <a:r>
-              <a:rPr lang="en"/>
-              <a:t>You pull from a repository whenever you want to get the latest code. In Drupal you can pull in the latest changes to the dev branch of core or a module. </a:t>
-            </a:r>
-          </a:p>
-          <a:p>
-            <a:r>
-              <a:t/>
-            </a:r>
-          </a:p>
-          <a:p>
-            <a:pPr rtl="0" lvl="0">
-              <a:buNone/>
-            </a:pPr>
-            <a:r>
-              <a:rPr lang="en"/>
-              <a:t>You push to a repository when you have code to contribute back. If you do not own the project you need permission to push but the idea is that you have made some changes to the code, merged them into the master branch and are now sharing that with others who can now pull your code down. </a:t>
-            </a:r>
-          </a:p>
-          <a:p>
-            <a:r>
-              <a:t/>
-            </a:r>
-          </a:p>
-          <a:p>
-            <a:pPr rtl="0" lvl="0">
-              <a:buNone/>
-            </a:pPr>
-            <a:r>
-              <a:rPr lang="en"/>
-              <a:t>Max and I have a project on github called riddlegames. Make a new directory on your computer wherever you save projects and we will clone that project. Cloning is a special type of pull that grabs all of the code and automatically sets up a link between your copy and the project.</a:t>
-            </a:r>
-          </a:p>
-          <a:p>
-            <a:r>
-              <a:t/>
-            </a:r>
-          </a:p>
-          <a:p>
-            <a:pPr rtl="0" lvl="0">
-              <a:buNone/>
-            </a:pPr>
-            <a:r>
-              <a:rPr lang="en"/>
-              <a:t>$ git clone git://github.com/theMusician/riddlegames.git</a:t>
-            </a:r>
-          </a:p>
-          <a:p>
-            <a:r>
-              <a:t/>
-            </a:r>
-          </a:p>
-          <a:p>
-            <a:pPr rtl="0" lvl="0">
-              <a:buNone/>
-            </a:pPr>
-            <a:r>
-              <a:rPr lang="en"/>
-              <a:t>Now if I make a change, say we push the merge we made earlier we can see that the changes are updated on the remote server.</a:t>
-            </a:r>
-          </a:p>
-          <a:p>
-            <a:r>
-              <a:t/>
-            </a:r>
-          </a:p>
-          <a:p>
-            <a:pPr rtl="0" lvl="0">
-              <a:buNone/>
-            </a:pPr>
-            <a:r>
-              <a:rPr lang="en"/>
-              <a:t>$ git push origin master</a:t>
-            </a:r>
-          </a:p>
-          <a:p>
-            <a:r>
-              <a:t/>
-            </a:r>
-          </a:p>
-          <a:p>
-            <a:pPr rtl="0" lvl="0">
-              <a:buNone/>
-            </a:pPr>
-            <a:r>
-              <a:rPr lang="en"/>
-              <a:t>To see those changes, you just need to pull in the changes.</a:t>
-            </a:r>
-          </a:p>
-          <a:p>
-            <a:r>
-              <a:t/>
-            </a:r>
-          </a:p>
-          <a:p>
-            <a:pPr rtl="0" lvl="0">
-              <a:buNone/>
-            </a:pPr>
-            <a:r>
-              <a:rPr lang="en"/>
-              <a:t>$ git pull  origin master</a:t>
-            </a:r>
-          </a:p>
-          <a:p>
-            <a:r>
-              <a:t/>
-            </a:r>
-          </a:p>
-          <a:p>
-            <a:pPr rtl="0" lvl="0">
-              <a:buNone/>
-            </a:pPr>
-            <a:r>
-              <a:rPr lang="en"/>
-              <a:t>To clone D8 you want the following</a:t>
-            </a:r>
-          </a:p>
-          <a:p>
-            <a:pPr rtl="0" lvl="0">
-              <a:buNone/>
-            </a:pPr>
-            <a:r>
-              <a:rPr lang="en"/>
-              <a:t>$ git clone --recursive --branch 8.x http://git.drupal.org/project/drupal.git</a:t>
-            </a:r>
-          </a:p>
-          <a:p>
-            <a:pPr>
-              <a:buNone/>
-            </a:pPr>
-            <a:r>
-              <a:rPr lang="en"/>
-              <a:t>cd drupal</a:t>
-            </a:r>
-          </a:p>
-        </p:txBody>
-      </p:sp>
-    </p:spTree>
-  </p:cSld>
-  <p:clrMapOvr>
-    <a:masterClrMapping/>
-  </p:clrMapOvr>
-</p:notes>
-</file>
-
-<file path=ppt/notesSlides/notesSlide11.xml><?xml version="1.0" encoding="utf-8"?>
 <p:notes xmlns:a="http://schemas.openxmlformats.org/drawingml/2006/main" xmlns:r="http://schemas.openxmlformats.org/officeDocument/2006/relationships" xmlns:mc="http://schemas.openxmlformats.org/markup-compatibility/2006" xmlns:mv="urn:schemas-microsoft-com:mac:vml" xmlns:p="http://schemas.openxmlformats.org/presentationml/2006/main" xmlns:c="http://schemas.openxmlformats.org/drawingml/2006/chart" xmlns:dgm="http://schemas.openxmlformats.org/drawingml/2006/diagram" xmlns:o="urn:schemas-microsoft-com:office:office" xmlns:v="urn:schemas-microsoft-com:vml" xmlns:pvml="urn:schemas-microsoft-com:office:powerpoint" xmlns:com="http://schemas.openxmlformats.org/drawingml/2006/compatibility" xmlns:p14="http://schemas.microsoft.com/office/powerpoint/2010/main" showMasterSp="0" showMasterPhAnim="0">
   <p:cSld>
     <p:spTree>
@@ -1003,7 +573,227 @@
             <a:spAutoFit/>
           </a:bodyPr>
           <a:lstStyle/>
-          <a:p/>
+          <a:p>
+            <a:pPr rtl="0" lvl="0">
+              <a:buNone/>
+            </a:pPr>
+            <a:r>
+              <a:rPr lang="en" b="1"/>
+              <a:t>Max: </a:t>
+            </a:r>
+            <a:r>
+              <a:rPr lang="en"/>
+              <a:t>The git log allows you to look into what has been happening in the repository. Here you will be able to see the list of commits in the project and the commit message. The command is straightforward.</a:t>
+            </a:r>
+          </a:p>
+          <a:p>
+            <a:r>
+              <a:t/>
+            </a:r>
+          </a:p>
+          <a:p>
+            <a:pPr rtl="0" lvl="0">
+              <a:buNone/>
+            </a:pPr>
+            <a:r>
+              <a:rPr lang="en"/>
+              <a:t>$git log</a:t>
+            </a:r>
+          </a:p>
+          <a:p>
+            <a:r>
+              <a:t/>
+            </a:r>
+          </a:p>
+          <a:p>
+            <a:pPr rtl="0" lvl="0">
+              <a:buNone/>
+            </a:pPr>
+            <a:r>
+              <a:rPr lang="en"/>
+              <a:t>Now, what does all of this stuff mean. The first part of what you see is the Commit Hash. This is a unique identifier for the filesystem at the time the commit was made. You can move your file system to any commit if you know the hash. </a:t>
+            </a:r>
+          </a:p>
+          <a:p>
+            <a:r>
+              <a:t/>
+            </a:r>
+          </a:p>
+          <a:p>
+            <a:pPr rtl="0" lvl="0">
+              <a:buNone/>
+            </a:pPr>
+            <a:r>
+              <a:rPr lang="en"/>
+              <a:t>The second part is the author tag that is set by each user and their email address. </a:t>
+            </a:r>
+          </a:p>
+          <a:p>
+            <a:r>
+              <a:t/>
+            </a:r>
+          </a:p>
+          <a:p>
+            <a:pPr rtl="0" lvl="0">
+              <a:buNone/>
+            </a:pPr>
+            <a:r>
+              <a:rPr lang="en"/>
+              <a:t>Third is the date down to the second for the commit. </a:t>
+            </a:r>
+            <a:r>
+              <a:rPr lang="en">
+                <a:solidFill>
+                  <a:srgbClr val="FF0000"/>
+                </a:solidFill>
+              </a:rPr>
+              <a:t>(Research more about the default date format)</a:t>
+            </a:r>
+          </a:p>
+          <a:p>
+            <a:r>
+              <a:t/>
+            </a:r>
+          </a:p>
+          <a:p>
+            <a:pPr rtl="0" lvl="0">
+              <a:buNone/>
+            </a:pPr>
+            <a:r>
+              <a:rPr lang="en"/>
+              <a:t>The 4th part is the commit message itself. </a:t>
+            </a:r>
+          </a:p>
+          <a:p>
+            <a:r>
+              <a:t/>
+            </a:r>
+          </a:p>
+          <a:p>
+            <a:pPr rtl="0" lvl="0">
+              <a:buNone/>
+            </a:pPr>
+            <a:r>
+              <a:rPr lang="en" b="1">
+                <a:solidFill>
+                  <a:srgbClr val="980000"/>
+                </a:solidFill>
+              </a:rPr>
+              <a:t>Vid: </a:t>
+            </a:r>
+            <a:r>
+              <a:rPr lang="en">
+                <a:solidFill>
+                  <a:srgbClr val="980000"/>
+                </a:solidFill>
+              </a:rPr>
+              <a:t>We can use the git log information in the following ways.</a:t>
+            </a:r>
+          </a:p>
+          <a:p>
+            <a:pPr indent="-317500" marL="457200" rtl="0" lvl="0">
+              <a:buClr>
+                <a:srgbClr val="980000"/>
+              </a:buClr>
+              <a:buSzPct val="127272"/>
+              <a:buFont typeface="Arial"/>
+              <a:buAutoNum type="arabicPeriod"/>
+            </a:pPr>
+            <a:r>
+              <a:rPr lang="en">
+                <a:solidFill>
+                  <a:srgbClr val="980000"/>
+                </a:solidFill>
+              </a:rPr>
+              <a:t>Knowing the commit hash lets us revert back to that particular point in time.</a:t>
+            </a:r>
+          </a:p>
+          <a:p>
+            <a:pPr indent="-317500" marL="457200" rtl="0" lvl="0">
+              <a:buClr>
+                <a:srgbClr val="980000"/>
+              </a:buClr>
+              <a:buSzPct val="127272"/>
+              <a:buFont typeface="Arial"/>
+              <a:buAutoNum type="arabicPeriod"/>
+            </a:pPr>
+            <a:r>
+              <a:rPr lang="en">
+                <a:solidFill>
+                  <a:srgbClr val="980000"/>
+                </a:solidFill>
+              </a:rPr>
+              <a:t>We can see who made the commit if we are working jointly on a project.</a:t>
+            </a:r>
+          </a:p>
+          <a:p>
+            <a:pPr indent="-317500" marL="457200" rtl="0" lvl="0">
+              <a:buClr>
+                <a:srgbClr val="980000"/>
+              </a:buClr>
+              <a:buSzPct val="127272"/>
+              <a:buFont typeface="Arial"/>
+              <a:buAutoNum type="arabicPeriod"/>
+            </a:pPr>
+            <a:r>
+              <a:rPr lang="en">
+                <a:solidFill>
+                  <a:srgbClr val="980000"/>
+                </a:solidFill>
+              </a:rPr>
+              <a:t>We can see a diff of what changed with each commit. $ git log -p -3   (the -3 just limits the commits shown to 3)</a:t>
+            </a:r>
+          </a:p>
+          <a:p>
+            <a:pPr indent="-317500" marL="457200" rtl="0" lvl="0">
+              <a:buClr>
+                <a:srgbClr val="980000"/>
+              </a:buClr>
+              <a:buSzPct val="127272"/>
+              <a:buFont typeface="Arial"/>
+              <a:buAutoNum type="arabicPeriod"/>
+            </a:pPr>
+            <a:r>
+              <a:rPr lang="en">
+                <a:solidFill>
+                  <a:srgbClr val="980000"/>
+                </a:solidFill>
+              </a:rPr>
+              <a:t>Using -stat we can see stats, the number of insertions and deletes on each commit $ git log --stat</a:t>
+            </a:r>
+          </a:p>
+          <a:p>
+            <a:r>
+              <a:t/>
+            </a:r>
+          </a:p>
+          <a:p>
+            <a:pPr rtl="0" lvl="0">
+              <a:buNone/>
+            </a:pPr>
+            <a:r>
+              <a:rPr lang="en" b="1"/>
+              <a:t>Max: </a:t>
+            </a:r>
+            <a:r>
+              <a:rPr lang="en"/>
+              <a:t>The git log becomes more useful as the projects become complex and are great when you create branches.</a:t>
+            </a:r>
+          </a:p>
+          <a:p>
+            <a:r>
+              <a:t/>
+            </a:r>
+          </a:p>
+          <a:p>
+            <a:pPr rtl="0" lvl="0">
+              <a:buNone/>
+            </a:pPr>
+            <a:r>
+              <a:rPr lang="en" b="1"/>
+              <a:t>Next Slide</a:t>
+            </a:r>
+          </a:p>
         </p:txBody>
       </p:sp>
     </p:spTree>
@@ -1014,12 +804,12 @@
 </p:notes>
 </file>
 
-<file path=ppt/notesSlides/notesSlide2.xml><?xml version="1.0" encoding="utf-8"?>
+<file path=ppt/notesSlides/notesSlide11.xml><?xml version="1.0" encoding="utf-8"?>
 <p:notes xmlns:a="http://schemas.openxmlformats.org/drawingml/2006/main" xmlns:r="http://schemas.openxmlformats.org/officeDocument/2006/relationships" xmlns:mc="http://schemas.openxmlformats.org/markup-compatibility/2006" xmlns:mv="urn:schemas-microsoft-com:mac:vml" xmlns:p="http://schemas.openxmlformats.org/presentationml/2006/main" xmlns:c="http://schemas.openxmlformats.org/drawingml/2006/chart" xmlns:dgm="http://schemas.openxmlformats.org/drawingml/2006/diagram" xmlns:o="urn:schemas-microsoft-com:office:office" xmlns:v="urn:schemas-microsoft-com:vml" xmlns:pvml="urn:schemas-microsoft-com:office:powerpoint" xmlns:com="http://schemas.openxmlformats.org/drawingml/2006/compatibility" xmlns:p14="http://schemas.microsoft.com/office/powerpoint/2010/main" showMasterSp="0" showMasterPhAnim="0">
   <p:cSld>
     <p:spTree>
       <p:nvGrpSpPr>
-        <p:cNvPr name="Shape 49" id="49"/>
+        <p:cNvPr name="Shape 122" id="122"/>
         <p:cNvGrpSpPr/>
         <p:nvPr/>
       </p:nvGrpSpPr>
@@ -1033,7 +823,7 @@
       </p:grpSpPr>
       <p:sp>
         <p:nvSpPr>
-          <p:cNvPr name="Shape 50" id="50"/>
+          <p:cNvPr name="Shape 123" id="123"/>
           <p:cNvSpPr/>
           <p:nvPr>
             <p:ph type="sldImg" idx="2"/>
@@ -1067,7 +857,7 @@
       </p:sp>
       <p:sp>
         <p:nvSpPr>
-          <p:cNvPr name="Shape 51" id="51"/>
+          <p:cNvPr name="Shape 124" id="124"/>
           <p:cNvSpPr txBox="1"/>
           <p:nvPr>
             <p:ph type="body" idx="1"/>
@@ -1089,6 +879,53 @@
           <a:lstStyle/>
           <a:p>
             <a:pPr rtl="0" lvl="0">
+              <a:buClr>
+                <a:srgbClr val="000000"/>
+              </a:buClr>
+              <a:buSzPct val="100000"/>
+              <a:buFont typeface="Arial"/>
+              <a:buNone/>
+            </a:pPr>
+            <a:r>
+              <a:rPr lang="en"/>
+              <a:t>Note: When creating a local branch you'll want to set the upstream branch to track: 'git branch --set-upstream screenshots origin/screenshots'</a:t>
+            </a:r>
+          </a:p>
+          <a:p>
+            <a:r>
+              <a:t/>
+            </a:r>
+          </a:p>
+          <a:p>
+            <a:pPr rtl="0" lvl="0">
+              <a:buClr>
+                <a:srgbClr val="000000"/>
+              </a:buClr>
+              <a:buSzPct val="100000"/>
+              <a:buFont typeface="Arial"/>
+              <a:buNone/>
+            </a:pPr>
+            <a:r>
+              <a:rPr lang="en" b="1"/>
+              <a:t>Vid: </a:t>
+            </a:r>
+            <a:r>
+              <a:rPr lang="en"/>
+              <a:t>A git branch takes a snapshot of your present code and then allows you to make changes without the code at the time you create the branch. When you are done working in a branch you can switch to another branch and if necessary, merge the changes together. In Drupal branches are often used when you are trying to create a patch for a module or core issue. </a:t>
+            </a:r>
+          </a:p>
+          <a:p>
+            <a:r>
+              <a:t/>
+            </a:r>
+          </a:p>
+          <a:p>
+            <a:pPr rtl="0" lvl="0">
+              <a:buClr>
+                <a:srgbClr val="000000"/>
+              </a:buClr>
+              <a:buSzPct val="100000"/>
+              <a:buFont typeface="Arial"/>
               <a:buNone/>
             </a:pPr>
             <a:r>
@@ -1097,49 +934,207 @@
             </a:r>
             <a:r>
               <a:rPr lang="en"/>
-              <a:t>Git is a version control system created by Linus Torvalds, the creator of Linux. Apparently the word is British slang for a stupid or unpleasant person. So, we are going to use a stupid content tracker today. It has rapidly increased in popularity and is used by many projects and individuals today. It replaced subversion as the version control system for the Drupal project and is now how we apply patches, pull the latest code, and generally manage projects.</a:t>
-            </a:r>
-          </a:p>
-          <a:p>
-            <a:r>
-              <a:t/>
-            </a:r>
-          </a:p>
-          <a:p>
-            <a:pPr rtl="0" lvl="0">
-              <a:buNone/>
-            </a:pPr>
-            <a:r>
-              <a:rPr lang="en"/>
-              <a:t>Version control systems such as git simply allow us to track changes to files at any point in time. Think of saving a file name with a new file name every time you update a file. Git kind of does that but you get to keep the same file name and can see the history of all the changes made. </a:t>
-            </a:r>
-          </a:p>
-          <a:p>
-            <a:r>
-              <a:t/>
-            </a:r>
-          </a:p>
-          <a:p>
-            <a:pPr rtl="0" lvl="0">
-              <a:buNone/>
-            </a:pPr>
-            <a:r>
-              <a:rPr lang="en"/>
-              <a:t>With software development and our Drupal websites git is a tool we can use to streamline workflows and allow us a safety in case we really screw up. It also allows us to collaborate with the Drupal community. </a:t>
-            </a:r>
-          </a:p>
-          <a:p>
-            <a:r>
-              <a:t/>
-            </a:r>
-          </a:p>
-          <a:p>
-            <a:pPr rtl="0" lvl="0">
+              <a:t>To create a new branch, first make sure the branch you are currently on has no outstanding commits, or staged files. </a:t>
+            </a:r>
+          </a:p>
+          <a:p>
+            <a:r>
+              <a:t/>
+            </a:r>
+          </a:p>
+          <a:p>
+            <a:pPr rtl="0" lvl="0">
+              <a:buClr>
+                <a:srgbClr val="000000"/>
+              </a:buClr>
+              <a:buSzPct val="100000"/>
+              <a:buFont typeface="Arial"/>
+              <a:buNone/>
+            </a:pPr>
+            <a:r>
+              <a:rPr lang="en"/>
+              <a:t>	$ git status</a:t>
+            </a:r>
+          </a:p>
+          <a:p>
+            <a:r>
+              <a:t/>
+            </a:r>
+          </a:p>
+          <a:p>
+            <a:pPr rtl="0" lvl="0">
+              <a:buClr>
+                <a:srgbClr val="000000"/>
+              </a:buClr>
+              <a:buSzPct val="100000"/>
+              <a:buFont typeface="Arial"/>
+              <a:buNone/>
+            </a:pPr>
+            <a:r>
+              <a:rPr lang="en"/>
+              <a:t>If there are changes, make sure to commit the changes before proceeding. </a:t>
+            </a:r>
+          </a:p>
+          <a:p>
+            <a:r>
+              <a:t/>
+            </a:r>
+          </a:p>
+          <a:p>
+            <a:pPr rtl="0" lvl="0">
+              <a:buClr>
+                <a:srgbClr val="000000"/>
+              </a:buClr>
+              <a:buSzPct val="100000"/>
+              <a:buFont typeface="Arial"/>
+              <a:buNone/>
+            </a:pPr>
+            <a:r>
+              <a:rPr lang="en"/>
+              <a:t>$ git commit . -am "Change description."</a:t>
+            </a:r>
+          </a:p>
+          <a:p>
+            <a:r>
+              <a:t/>
+            </a:r>
+          </a:p>
+          <a:p>
+            <a:pPr rtl="0" lvl="0">
+              <a:buClr>
+                <a:srgbClr val="000000"/>
+              </a:buClr>
+              <a:buSzPct val="100000"/>
+              <a:buFont typeface="Arial"/>
+              <a:buNone/>
+            </a:pPr>
+            <a:r>
+              <a:rPr lang="en"/>
+              <a:t>The shorthand for creating a branch and automatically switching to it is </a:t>
+            </a:r>
+          </a:p>
+          <a:p>
+            <a:r>
+              <a:t/>
+            </a:r>
+          </a:p>
+          <a:p>
+            <a:pPr rtl="0" lvl="0">
+              <a:buClr>
+                <a:srgbClr val="000000"/>
+              </a:buClr>
+              <a:buSzPct val="100000"/>
+              <a:buFont typeface="Arial"/>
+              <a:buNone/>
+            </a:pPr>
+            <a:r>
+              <a:rPr lang="en"/>
+              <a:t>$ git checkout -b branchName</a:t>
+            </a:r>
+          </a:p>
+          <a:p>
+            <a:r>
+              <a:t/>
+            </a:r>
+          </a:p>
+          <a:p>
+            <a:pPr rtl="0" lvl="0">
+              <a:buClr>
+                <a:srgbClr val="000000"/>
+              </a:buClr>
+              <a:buSzPct val="100000"/>
+              <a:buFont typeface="Arial"/>
+              <a:buNone/>
+            </a:pPr>
+            <a:r>
+              <a:rPr lang="en"/>
+              <a:t>Once you do this the filesystem is now aware of the newly checked out branch and not your previous branch. As you make changes in this code you are diverging from the master branch. </a:t>
+            </a:r>
+          </a:p>
+          <a:p>
+            <a:r>
+              <a:t/>
+            </a:r>
+          </a:p>
+          <a:p>
+            <a:pPr rtl="0" lvl="0">
+              <a:buClr>
+                <a:srgbClr val="000000"/>
+              </a:buClr>
+              <a:buSzPct val="100000"/>
+              <a:buFont typeface="Arial"/>
+              <a:buNone/>
+            </a:pPr>
+            <a:r>
+              <a:rPr lang="en"/>
+              <a:t>You can switch back to the master or another branch at any time. To see the differences between branches you will want to use a diff tool if the changes are more than a few lines of code. </a:t>
+            </a:r>
+          </a:p>
+          <a:p>
+            <a:r>
+              <a:t/>
+            </a:r>
+          </a:p>
+          <a:p>
+            <a:pPr rtl="0" lvl="0">
+              <a:buClr>
+                <a:srgbClr val="000000"/>
+              </a:buClr>
+              <a:buSzPct val="100000"/>
+              <a:buFont typeface="Arial"/>
+              <a:buNone/>
+            </a:pPr>
+            <a:r>
+              <a:rPr lang="en"/>
+              <a:t>To delete a branch simply use -d to remove the branch. -D will force remove it.</a:t>
+            </a:r>
+          </a:p>
+          <a:p>
+            <a:r>
+              <a:t/>
+            </a:r>
+          </a:p>
+          <a:p>
+            <a:pPr rtl="0" lvl="0">
+              <a:buClr>
+                <a:srgbClr val="000000"/>
+              </a:buClr>
+              <a:buSzPct val="100000"/>
+              <a:buFont typeface="Arial"/>
+              <a:buNone/>
+            </a:pPr>
+            <a:r>
+              <a:rPr lang="en"/>
+              <a:t>$git checkout -d branchName</a:t>
+            </a:r>
+          </a:p>
+          <a:p>
+            <a:r>
+              <a:t/>
+            </a:r>
+          </a:p>
+          <a:p>
+            <a:pPr rtl="0" lvl="0">
+              <a:buClr>
+                <a:srgbClr val="000000"/>
+              </a:buClr>
+              <a:buSzPct val="100000"/>
+              <a:buFont typeface="Arial"/>
               <a:buNone/>
             </a:pPr>
             <a:r>
               <a:rPr lang="en" b="1"/>
               <a:t>Next Slide</a:t>
+            </a:r>
+          </a:p>
+          <a:p>
+            <a:r>
+              <a:t/>
+            </a:r>
+          </a:p>
+          <a:p>
+            <a:r>
+              <a:t/>
             </a:r>
           </a:p>
         </p:txBody>
@@ -1152,12 +1147,12 @@
 </p:notes>
 </file>
 
-<file path=ppt/notesSlides/notesSlide3.xml><?xml version="1.0" encoding="utf-8"?>
+<file path=ppt/notesSlides/notesSlide12.xml><?xml version="1.0" encoding="utf-8"?>
 <p:notes xmlns:a="http://schemas.openxmlformats.org/drawingml/2006/main" xmlns:r="http://schemas.openxmlformats.org/officeDocument/2006/relationships" xmlns:mc="http://schemas.openxmlformats.org/markup-compatibility/2006" xmlns:mv="urn:schemas-microsoft-com:mac:vml" xmlns:p="http://schemas.openxmlformats.org/presentationml/2006/main" xmlns:c="http://schemas.openxmlformats.org/drawingml/2006/chart" xmlns:dgm="http://schemas.openxmlformats.org/drawingml/2006/diagram" xmlns:o="urn:schemas-microsoft-com:office:office" xmlns:v="urn:schemas-microsoft-com:vml" xmlns:pvml="urn:schemas-microsoft-com:office:powerpoint" xmlns:com="http://schemas.openxmlformats.org/drawingml/2006/compatibility" xmlns:p14="http://schemas.microsoft.com/office/powerpoint/2010/main" showMasterSp="0" showMasterPhAnim="0">
   <p:cSld>
     <p:spTree>
       <p:nvGrpSpPr>
-        <p:cNvPr name="Shape 56" id="56"/>
+        <p:cNvPr name="Shape 131" id="131"/>
         <p:cNvGrpSpPr/>
         <p:nvPr/>
       </p:nvGrpSpPr>
@@ -1171,7 +1166,7 @@
       </p:grpSpPr>
       <p:sp>
         <p:nvSpPr>
-          <p:cNvPr name="Shape 57" id="57"/>
+          <p:cNvPr name="Shape 132" id="132"/>
           <p:cNvSpPr/>
           <p:nvPr>
             <p:ph type="sldImg" idx="2"/>
@@ -1205,7 +1200,7 @@
       </p:sp>
       <p:sp>
         <p:nvSpPr>
-          <p:cNvPr name="Shape 58" id="58"/>
+          <p:cNvPr name="Shape 133" id="133"/>
           <p:cNvSpPr txBox="1"/>
           <p:nvPr>
             <p:ph type="body" idx="1"/>
@@ -1226,12 +1221,174 @@
           </a:bodyPr>
           <a:lstStyle/>
           <a:p>
+            <a:pPr rtl="0" lvl="0">
+              <a:buNone/>
+            </a:pPr>
+            <a:r>
+              <a:rPr lang="en" b="1"/>
+              <a:t>Vid: </a:t>
+            </a:r>
+            <a:r>
+              <a:rPr lang="en"/>
+              <a:t>A diff is a comparison between two files which shows the differences. Using git you can merge the changes between a file on different branches. You sometimes need to do this when moving your changes into a branch that has been updated.</a:t>
+            </a:r>
+          </a:p>
+          <a:p>
+            <a:r>
+              <a:t/>
+            </a:r>
+          </a:p>
+          <a:p>
+            <a:pPr rtl="0" lvl="0">
+              <a:buNone/>
+            </a:pPr>
+            <a:r>
+              <a:rPr lang="en"/>
+              <a:t>$ git diff </a:t>
+            </a:r>
+          </a:p>
+          <a:p>
+            <a:r>
+              <a:t/>
+            </a:r>
+          </a:p>
+          <a:p>
+            <a:pPr rtl="0" lvl="0">
+              <a:buNone/>
+            </a:pPr>
+            <a:r>
+              <a:rPr lang="en"/>
+              <a:t>with no options will show the differences between the files that are not yet staged.</a:t>
+            </a:r>
+          </a:p>
+          <a:p>
+            <a:r>
+              <a:t/>
+            </a:r>
+          </a:p>
+          <a:p>
+            <a:pPr rtl="0" lvl="0">
+              <a:buNone/>
+            </a:pPr>
+            <a:r>
+              <a:rPr lang="en"/>
+              <a:t>$ git dff --staged </a:t>
+            </a:r>
+          </a:p>
+          <a:p>
+            <a:r>
+              <a:t/>
+            </a:r>
+          </a:p>
+          <a:p>
+            <a:pPr rtl="0" lvl="0">
+              <a:buNone/>
+            </a:pPr>
+            <a:r>
+              <a:rPr lang="en"/>
+              <a:t>shows the diff of files that have been staged.</a:t>
+            </a:r>
+          </a:p>
+          <a:p>
+            <a:r>
+              <a:t/>
+            </a:r>
+          </a:p>
+          <a:p>
+            <a:pPr rtl="0" lvl="0">
+              <a:buNone/>
+            </a:pPr>
+            <a:r>
+              <a:rPr lang="en"/>
+              <a:t>$git diff hash1 hash2 </a:t>
+            </a:r>
+          </a:p>
+          <a:p>
+            <a:r>
+              <a:t/>
+            </a:r>
+          </a:p>
+          <a:p>
+            <a:pPr rtl="0" lvl="0">
+              <a:buNone/>
+            </a:pPr>
+            <a:r>
+              <a:rPr lang="en"/>
+              <a:t>will show the difference between the two commits specified by the hash. --stat will give you the stats and not the diff.</a:t>
+            </a:r>
+          </a:p>
+          <a:p>
+            <a:r>
+              <a:t/>
+            </a:r>
+          </a:p>
+          <a:p>
+            <a:pPr rtl="0" lvl="0">
+              <a:buNone/>
+            </a:pPr>
+            <a:r>
+              <a:rPr lang="en"/>
+              <a:t>The default diff tool can be a bit clunky. I prefer to use diffmerge. e.g. $ git difftool -t diffmerge file|hash|branch</a:t>
+            </a:r>
+          </a:p>
+          <a:p>
+            <a:r>
+              <a:t/>
+            </a:r>
+          </a:p>
+          <a:p>
+            <a:pPr rtl="0" lvl="0">
+              <a:buNone/>
+            </a:pPr>
+            <a:r>
+              <a:rPr lang="en"/>
+              <a:t>To go back one commit after another, use this nice line created by Vid"</a:t>
+            </a:r>
+          </a:p>
+          <a:p>
+            <a:r>
+              <a:t/>
+            </a:r>
+          </a:p>
+          <a:p>
+            <a:pPr rtl="0" lvl="0">
+              <a:buNone/>
+            </a:pPr>
+            <a:r>
+              <a:rPr lang="en"/>
+              <a:t>$ git checkout HEAD~1;git diff HEAD^ --stat</a:t>
+            </a:r>
+          </a:p>
+          <a:p>
+            <a:r>
+              <a:t/>
+            </a:r>
+          </a:p>
+          <a:p>
+            <a:pPr rtl="0" lvl="0">
+              <a:buNone/>
+            </a:pPr>
+            <a:r>
+              <a:rPr lang="en"/>
+              <a:t>$ git checkout master;</a:t>
+            </a:r>
+          </a:p>
+          <a:p>
+            <a:pPr rtl="0" lvl="0">
+              <a:buNone/>
+            </a:pPr>
+            <a:r>
+              <a:rPr lang="en"/>
+              <a:t>$ git difftool -t diffmerge styles riddles.html</a:t>
+            </a:r>
+          </a:p>
+          <a:p>
             <a:pPr>
               <a:buNone/>
             </a:pPr>
             <a:r>
-              <a:rPr lang="en"/>
-              <a:t>Here we just need to discuss the common use cases. Not much detail is needed though. </a:t>
+              <a:rPr lang="en" b="1"/>
+              <a:t>Next slide.</a:t>
             </a:r>
           </a:p>
         </p:txBody>
@@ -1244,12 +1401,12 @@
 </p:notes>
 </file>
 
-<file path=ppt/notesSlides/notesSlide4.xml><?xml version="1.0" encoding="utf-8"?>
+<file path=ppt/notesSlides/notesSlide13.xml><?xml version="1.0" encoding="utf-8"?>
 <p:notes xmlns:a="http://schemas.openxmlformats.org/drawingml/2006/main" xmlns:r="http://schemas.openxmlformats.org/officeDocument/2006/relationships" xmlns:mc="http://schemas.openxmlformats.org/markup-compatibility/2006" xmlns:mv="urn:schemas-microsoft-com:mac:vml" xmlns:p="http://schemas.openxmlformats.org/presentationml/2006/main" xmlns:c="http://schemas.openxmlformats.org/drawingml/2006/chart" xmlns:dgm="http://schemas.openxmlformats.org/drawingml/2006/diagram" xmlns:o="urn:schemas-microsoft-com:office:office" xmlns:v="urn:schemas-microsoft-com:vml" xmlns:pvml="urn:schemas-microsoft-com:office:powerpoint" xmlns:com="http://schemas.openxmlformats.org/drawingml/2006/compatibility" xmlns:p14="http://schemas.microsoft.com/office/powerpoint/2010/main" showMasterSp="0" showMasterPhAnim="0">
   <p:cSld>
     <p:spTree>
       <p:nvGrpSpPr>
-        <p:cNvPr name="Shape 63" id="63"/>
+        <p:cNvPr name="Shape 139" id="139"/>
         <p:cNvGrpSpPr/>
         <p:nvPr/>
       </p:nvGrpSpPr>
@@ -1263,7 +1420,7 @@
       </p:grpSpPr>
       <p:sp>
         <p:nvSpPr>
-          <p:cNvPr name="Shape 64" id="64"/>
+          <p:cNvPr name="Shape 140" id="140"/>
           <p:cNvSpPr/>
           <p:nvPr>
             <p:ph type="sldImg" idx="2"/>
@@ -1297,7 +1454,7 @@
       </p:sp>
       <p:sp>
         <p:nvSpPr>
-          <p:cNvPr name="Shape 65" id="65"/>
+          <p:cNvPr name="Shape 141" id="141"/>
           <p:cNvSpPr txBox="1"/>
           <p:nvPr>
             <p:ph type="body" idx="1"/>
@@ -1323,6 +1480,1859 @@
             </a:pPr>
             <a:r>
               <a:rPr lang="en" b="1"/>
+              <a:t>Max: </a:t>
+            </a:r>
+            <a:r>
+              <a:rPr lang="en"/>
+              <a:t>Now that you can create branches and generate diffs patches can make some sense. Patches in git simply identify files and then make changes to them. Patches are convenient because you can be working in a branch and then diff your branch against the production branch to create a patch. Now anyone else with the same production branch can apply the patch over a myriad of files. No need to make changes by hand. </a:t>
+            </a:r>
+          </a:p>
+          <a:p>
+            <a:r>
+              <a:t/>
+            </a:r>
+          </a:p>
+          <a:p>
+            <a:pPr rtl="0" lvl="0">
+              <a:buNone/>
+            </a:pPr>
+            <a:r>
+              <a:rPr lang="en"/>
+              <a:t>To create a patch (The Drupal Way http://drupal.org/node/707484):</a:t>
+            </a:r>
+          </a:p>
+          <a:p>
+            <a:r>
+              <a:t/>
+            </a:r>
+          </a:p>
+          <a:p>
+            <a:pPr rtl="0" lvl="0">
+              <a:buNone/>
+            </a:pPr>
+            <a:r>
+              <a:rPr lang="en"/>
+              <a:t>(Make a patch from alternatestyle to styles)</a:t>
+            </a:r>
+          </a:p>
+          <a:p>
+            <a:r>
+              <a:t/>
+            </a:r>
+          </a:p>
+          <a:p>
+            <a:pPr indent="-317500" marL="457200" rtl="0" lvl="0">
+              <a:buClr>
+                <a:srgbClr val="000000"/>
+              </a:buClr>
+              <a:buSzPct val="127272"/>
+              <a:buFont typeface="Arial"/>
+              <a:buAutoNum type="arabicPeriod"/>
+            </a:pPr>
+            <a:r>
+              <a:rPr lang="en"/>
+              <a:t>Ensure you have the latest version of the code you wish to create a patch for.</a:t>
+            </a:r>
+          </a:p>
+          <a:p>
+            <a:pPr indent="-317500" marL="457200" rtl="0" lvl="0">
+              <a:buClr>
+                <a:srgbClr val="000000"/>
+              </a:buClr>
+              <a:buSzPct val="127272"/>
+              <a:buFont typeface="Arial"/>
+              <a:buAutoNum type="arabicPeriod"/>
+            </a:pPr>
+            <a:r>
+              <a:rPr lang="en"/>
+              <a:t>Create a new branch with the following format. $ git branch [IssueNumber]-[IssueDescription]</a:t>
+            </a:r>
+          </a:p>
+          <a:p>
+            <a:pPr indent="-317500" marL="914400" rtl="0" lvl="1">
+              <a:buClr>
+                <a:srgbClr val="000000"/>
+              </a:buClr>
+              <a:buSzPct val="127272"/>
+              <a:buFont typeface="Arial"/>
+              <a:buAutoNum type="alphaLcPeriod"/>
+            </a:pPr>
+            <a:r>
+              <a:rPr lang="en"/>
+              <a:t>The issue number is the node number on drupal.org</a:t>
+            </a:r>
+          </a:p>
+          <a:p>
+            <a:pPr indent="-317500" marL="457200" rtl="0" lvl="0">
+              <a:buClr>
+                <a:srgbClr val="000000"/>
+              </a:buClr>
+              <a:buSzPct val="127272"/>
+              <a:buFont typeface="Arial"/>
+              <a:buAutoNum type="arabicPeriod"/>
+            </a:pPr>
+            <a:r>
+              <a:rPr lang="en"/>
+              <a:t>Make your changes. When you are done making the changes use diff to see the changes that will go into the main code. $ git diff branchToDiffAgainst</a:t>
+            </a:r>
+          </a:p>
+          <a:p>
+            <a:pPr indent="-317500" marL="457200" rtl="0" lvl="0">
+              <a:buClr>
+                <a:srgbClr val="000000"/>
+              </a:buClr>
+              <a:buSzPct val="127272"/>
+              <a:buFont typeface="Arial"/>
+              <a:buAutoNum type="arabicPeriod"/>
+            </a:pPr>
+            <a:r>
+              <a:rPr lang="en"/>
+              <a:t>If everything looks good. Stage and commit your changes. $ git -am "Patch to fix issue # 123456789."</a:t>
+            </a:r>
+          </a:p>
+          <a:p>
+            <a:pPr indent="-317500" marL="457200" rtl="0" lvl="0">
+              <a:buClr>
+                <a:srgbClr val="000000"/>
+              </a:buClr>
+              <a:buSzPct val="127272"/>
+              <a:buFont typeface="Arial"/>
+              <a:buAutoNum type="arabicPeriod"/>
+            </a:pPr>
+            <a:r>
+              <a:rPr lang="en"/>
+              <a:t>git diff branchToDiffAgainst &gt; [project_name]-[short_description]-[issue-number]-[comment-number].patch </a:t>
+            </a:r>
+          </a:p>
+          <a:p>
+            <a:pPr rtl="0" lvl="0">
+              <a:lnSpc>
+                <a:spcPct val="115000"/>
+              </a:lnSpc>
+              <a:spcBef>
+                <a:spcPts val="1400"/>
+              </a:spcBef>
+              <a:spcAft>
+                <a:spcPts val="400"/>
+              </a:spcAft>
+              <a:buNone/>
+            </a:pPr>
+            <a:r>
+              <a:rPr lang="en"/>
+              <a:t>Applying a patch:</a:t>
+            </a:r>
+          </a:p>
+          <a:p>
+            <a:r>
+              <a:t/>
+            </a:r>
+          </a:p>
+          <a:p>
+            <a:pPr indent="-298450" marL="457200" rtl="0" lvl="0">
+              <a:lnSpc>
+                <a:spcPct val="115000"/>
+              </a:lnSpc>
+              <a:buClr>
+                <a:srgbClr val="000000"/>
+              </a:buClr>
+              <a:buSzPct val="100000"/>
+              <a:buFont typeface="Arial"/>
+              <a:buAutoNum type="arabicPeriod"/>
+            </a:pPr>
+            <a:r>
+              <a:rPr lang="en"/>
+              <a:t>Make sure you have committed any current changes, git status should be clean.</a:t>
+            </a:r>
+          </a:p>
+          <a:p>
+            <a:pPr indent="-298450" marL="457200" rtl="0" lvl="0">
+              <a:lnSpc>
+                <a:spcPct val="115000"/>
+              </a:lnSpc>
+              <a:buClr>
+                <a:srgbClr val="000000"/>
+              </a:buClr>
+              <a:buSzPct val="100000"/>
+              <a:buFont typeface="Arial"/>
+              <a:buAutoNum type="arabicPeriod"/>
+            </a:pPr>
+            <a:r>
+              <a:rPr lang="en"/>
+              <a:t>Download and save the file as a .patch file</a:t>
+            </a:r>
+          </a:p>
+          <a:p>
+            <a:pPr indent="-298450" marL="457200" rtl="0" lvl="0">
+              <a:lnSpc>
+                <a:spcPct val="115000"/>
+              </a:lnSpc>
+              <a:buClr>
+                <a:srgbClr val="000000"/>
+              </a:buClr>
+              <a:buSzPct val="100000"/>
+              <a:buFont typeface="Arial"/>
+              <a:buAutoNum type="arabicPeriod"/>
+            </a:pPr>
+            <a:r>
+              <a:rPr lang="en"/>
+              <a:t>Navigate to the module or core system you wish to apply the patch for</a:t>
+            </a:r>
+          </a:p>
+          <a:p>
+            <a:pPr indent="-298450" marL="457200" rtl="0" lvl="0">
+              <a:lnSpc>
+                <a:spcPct val="115000"/>
+              </a:lnSpc>
+              <a:buClr>
+                <a:srgbClr val="000000"/>
+              </a:buClr>
+              <a:buSzPct val="100000"/>
+              <a:buFont typeface="Arial"/>
+              <a:buAutoNum type="arabicPeriod"/>
+            </a:pPr>
+            <a:r>
+              <a:rPr lang="en"/>
+              <a:t>Test the patch and then apply it.</a:t>
+            </a:r>
+          </a:p>
+          <a:p>
+            <a:pPr indent="-298450" marL="914400" rtl="0" lvl="1">
+              <a:lnSpc>
+                <a:spcPct val="115000"/>
+              </a:lnSpc>
+              <a:buClr>
+                <a:srgbClr val="000000"/>
+              </a:buClr>
+              <a:buSzPct val="100000"/>
+              <a:buFont typeface="Arial"/>
+              <a:buAutoNum type="alphaLcPeriod"/>
+            </a:pPr>
+            <a:r>
+              <a:rPr lang="en"/>
+              <a:t>$ git apply --check /path/to/patch</a:t>
+            </a:r>
+          </a:p>
+          <a:p>
+            <a:pPr indent="-298450" marL="914400" rtl="0" lvl="1">
+              <a:lnSpc>
+                <a:spcPct val="115000"/>
+              </a:lnSpc>
+              <a:buClr>
+                <a:srgbClr val="000000"/>
+              </a:buClr>
+              <a:buSzPct val="100000"/>
+              <a:buFont typeface="Arial"/>
+              <a:buAutoNum type="alphaLcPeriod"/>
+            </a:pPr>
+            <a:r>
+              <a:rPr lang="en"/>
+              <a:t>$ git apply -v /path/to/patch</a:t>
+            </a:r>
+          </a:p>
+          <a:p>
+            <a:pPr indent="-298450" marL="457200" rtl="0" lvl="0">
+              <a:lnSpc>
+                <a:spcPct val="115000"/>
+              </a:lnSpc>
+              <a:buClr>
+                <a:srgbClr val="000000"/>
+              </a:buClr>
+              <a:buSzPct val="100000"/>
+              <a:buFont typeface="Arial"/>
+              <a:buAutoNum type="arabicPeriod"/>
+            </a:pPr>
+            <a:r>
+              <a:rPr lang="en"/>
+              <a:t>Test the changes and if you are happy, commit the changes. If you are unhappy, discard the changes.</a:t>
+            </a:r>
+          </a:p>
+          <a:p>
+            <a:pPr indent="-298450" marL="914400" rtl="0" lvl="1">
+              <a:lnSpc>
+                <a:spcPct val="115000"/>
+              </a:lnSpc>
+              <a:buClr>
+                <a:srgbClr val="000000"/>
+              </a:buClr>
+              <a:buSzPct val="100000"/>
+              <a:buFont typeface="Arial"/>
+              <a:buAutoNum type="alphaLcPeriod"/>
+            </a:pPr>
+            <a:r>
+              <a:rPr lang="en"/>
+              <a:t>To commit the patch</a:t>
+            </a:r>
+          </a:p>
+          <a:p>
+            <a:pPr indent="-298450" marL="1371600" rtl="0" lvl="2">
+              <a:lnSpc>
+                <a:spcPct val="115000"/>
+              </a:lnSpc>
+              <a:buClr>
+                <a:srgbClr val="000000"/>
+              </a:buClr>
+              <a:buSzPct val="100000"/>
+              <a:buFont typeface="Arial"/>
+              <a:buAutoNum type="romanLcPeriod"/>
+            </a:pPr>
+            <a:r>
+              <a:rPr lang="en"/>
+              <a:t>$ git commit -m “Applied patch</a:t>
+            </a:r>
+            <a:r>
+              <a:rPr lang="en">
+                <a:hlinkClick r:id="rId2"/>
+              </a:rPr>
+              <a:t> </a:t>
+            </a:r>
+            <a:r>
+              <a:rPr lang="en" u="sng">
+                <a:solidFill>
+                  <a:srgbClr val="1155CC"/>
+                </a:solidFill>
+                <a:hlinkClick r:id="rId3"/>
+              </a:rPr>
+              <a:t>http://drupal.org/node/id</a:t>
+            </a:r>
+          </a:p>
+          <a:p>
+            <a:pPr indent="-298450" marL="914400" rtl="0" lvl="1">
+              <a:lnSpc>
+                <a:spcPct val="115000"/>
+              </a:lnSpc>
+              <a:buClr>
+                <a:srgbClr val="000000"/>
+              </a:buClr>
+              <a:buSzPct val="100000"/>
+              <a:buFont typeface="Arial"/>
+              <a:buAutoNum type="alphaLcPeriod"/>
+            </a:pPr>
+            <a:r>
+              <a:rPr lang="en"/>
+              <a:t>To discard the patch</a:t>
+            </a:r>
+          </a:p>
+          <a:p>
+            <a:pPr indent="-298450" marL="1371600" rtl="0" lvl="2">
+              <a:lnSpc>
+                <a:spcPct val="115000"/>
+              </a:lnSpc>
+              <a:buClr>
+                <a:srgbClr val="000000"/>
+              </a:buClr>
+              <a:buSzPct val="100000"/>
+              <a:buFont typeface="Arial"/>
+              <a:buAutoNum type="romanLcPeriod"/>
+            </a:pPr>
+            <a:r>
+              <a:rPr lang="en"/>
+              <a:t>$ git checkout *</a:t>
+            </a:r>
+          </a:p>
+          <a:p>
+            <a:r>
+              <a:t/>
+            </a:r>
+          </a:p>
+          <a:p>
+            <a:pPr>
+              <a:buNone/>
+            </a:pPr>
+            <a:r>
+              <a:rPr lang="en"/>
+              <a:t> </a:t>
+            </a:r>
+          </a:p>
+        </p:txBody>
+      </p:sp>
+    </p:spTree>
+  </p:cSld>
+  <p:clrMapOvr>
+    <a:masterClrMapping/>
+  </p:clrMapOvr>
+</p:notes>
+</file>
+
+<file path=ppt/notesSlides/notesSlide14.xml><?xml version="1.0" encoding="utf-8"?>
+<p:notes xmlns:a="http://schemas.openxmlformats.org/drawingml/2006/main" xmlns:r="http://schemas.openxmlformats.org/officeDocument/2006/relationships" xmlns:mc="http://schemas.openxmlformats.org/markup-compatibility/2006" xmlns:mv="urn:schemas-microsoft-com:mac:vml" xmlns:p="http://schemas.openxmlformats.org/presentationml/2006/main" xmlns:c="http://schemas.openxmlformats.org/drawingml/2006/chart" xmlns:dgm="http://schemas.openxmlformats.org/drawingml/2006/diagram" xmlns:o="urn:schemas-microsoft-com:office:office" xmlns:v="urn:schemas-microsoft-com:vml" xmlns:pvml="urn:schemas-microsoft-com:office:powerpoint" xmlns:com="http://schemas.openxmlformats.org/drawingml/2006/compatibility" xmlns:p14="http://schemas.microsoft.com/office/powerpoint/2010/main" showMasterSp="0" showMasterPhAnim="0">
+  <p:cSld>
+    <p:spTree>
+      <p:nvGrpSpPr>
+        <p:cNvPr name="Shape 147" id="147"/>
+        <p:cNvGrpSpPr/>
+        <p:nvPr/>
+      </p:nvGrpSpPr>
+      <p:grpSpPr>
+        <a:xfrm>
+          <a:off y="0" x="0"/>
+          <a:ext cy="0" cx="0"/>
+          <a:chOff y="0" x="0"/>
+          <a:chExt cy="0" cx="0"/>
+        </a:xfrm>
+      </p:grpSpPr>
+      <p:sp>
+        <p:nvSpPr>
+          <p:cNvPr name="Shape 148" id="148"/>
+          <p:cNvSpPr/>
+          <p:nvPr>
+            <p:ph type="sldImg" idx="2"/>
+          </p:nvPr>
+        </p:nvSpPr>
+        <p:spPr>
+          <a:xfrm>
+            <a:off y="685800" x="1143225"/>
+            <a:ext cy="3429000" cx="4572299"/>
+          </a:xfrm>
+          <a:custGeom>
+            <a:pathLst>
+              <a:path extrusionOk="0" h="120000" w="120000">
+                <a:moveTo>
+                  <a:pt y="0" x="0"/>
+                </a:moveTo>
+                <a:lnTo>
+                  <a:pt y="0" x="120000"/>
+                </a:lnTo>
+                <a:lnTo>
+                  <a:pt y="120000" x="120000"/>
+                </a:lnTo>
+                <a:lnTo>
+                  <a:pt y="120000" x="0"/>
+                </a:lnTo>
+                <a:close/>
+              </a:path>
+            </a:pathLst>
+          </a:custGeom>
+        </p:spPr>
+      </p:sp>
+      <p:sp>
+        <p:nvSpPr>
+          <p:cNvPr name="Shape 149" id="149"/>
+          <p:cNvSpPr txBox="1"/>
+          <p:nvPr>
+            <p:ph type="body" idx="1"/>
+          </p:nvPr>
+        </p:nvSpPr>
+        <p:spPr>
+          <a:xfrm>
+            <a:off y="4343400" x="685800"/>
+            <a:ext cy="4114800" cx="5486399"/>
+          </a:xfrm>
+          <a:prstGeom prst="rect">
+            <a:avLst/>
+          </a:prstGeom>
+        </p:spPr>
+        <p:txBody>
+          <a:bodyPr bIns="91425" tIns="91425" lIns="91425" anchor="t" anchorCtr="0" rIns="91425">
+            <a:spAutoFit/>
+          </a:bodyPr>
+          <a:lstStyle/>
+          <a:p>
+            <a:pPr rtl="0" lvl="0">
+              <a:buNone/>
+            </a:pPr>
+            <a:r>
+              <a:rPr lang="en" b="1"/>
+              <a:t>Max: </a:t>
+            </a:r>
+            <a:r>
+              <a:rPr lang="en"/>
+              <a:t>Now that you can create branches and generate diffs patches can make some sense. Patches in git simply identify files and then make changes to them. Patches are convenient because you can be working in a branch and then diff your branch against the production branch to create a patch. Now anyone else with the same production branch can apply the patch over a myriad of files. No need to make changes by hand. </a:t>
+            </a:r>
+          </a:p>
+          <a:p>
+            <a:r>
+              <a:t/>
+            </a:r>
+          </a:p>
+          <a:p>
+            <a:pPr rtl="0" lvl="0">
+              <a:buNone/>
+            </a:pPr>
+            <a:r>
+              <a:rPr lang="en"/>
+              <a:t>To create a patch (The Drupal Way http://drupal.org/node/707484):</a:t>
+            </a:r>
+          </a:p>
+          <a:p>
+            <a:r>
+              <a:t/>
+            </a:r>
+          </a:p>
+          <a:p>
+            <a:pPr rtl="0" lvl="0">
+              <a:buNone/>
+            </a:pPr>
+            <a:r>
+              <a:rPr lang="en"/>
+              <a:t>(Make a patch from alternatestyle to styles)</a:t>
+            </a:r>
+          </a:p>
+          <a:p>
+            <a:r>
+              <a:t/>
+            </a:r>
+          </a:p>
+          <a:p>
+            <a:pPr indent="-317500" marL="457200" rtl="0" lvl="0">
+              <a:buClr>
+                <a:srgbClr val="000000"/>
+              </a:buClr>
+              <a:buSzPct val="127272"/>
+              <a:buFont typeface="Arial"/>
+              <a:buAutoNum type="arabicPeriod"/>
+            </a:pPr>
+            <a:r>
+              <a:rPr lang="en"/>
+              <a:t>Ensure you have the latest version of the code you wish to create a patch for.</a:t>
+            </a:r>
+          </a:p>
+          <a:p>
+            <a:pPr indent="-317500" marL="457200" rtl="0" lvl="0">
+              <a:buClr>
+                <a:srgbClr val="000000"/>
+              </a:buClr>
+              <a:buSzPct val="127272"/>
+              <a:buFont typeface="Arial"/>
+              <a:buAutoNum type="arabicPeriod"/>
+            </a:pPr>
+            <a:r>
+              <a:rPr lang="en"/>
+              <a:t>Create a new branch with the following format. $ git branch [IssueNumber]-[IssueDescription]</a:t>
+            </a:r>
+          </a:p>
+          <a:p>
+            <a:pPr indent="-317500" marL="914400" rtl="0" lvl="1">
+              <a:buClr>
+                <a:srgbClr val="000000"/>
+              </a:buClr>
+              <a:buSzPct val="127272"/>
+              <a:buFont typeface="Arial"/>
+              <a:buAutoNum type="alphaLcPeriod"/>
+            </a:pPr>
+            <a:r>
+              <a:rPr lang="en"/>
+              <a:t>The issue number is the node number on drupal.org</a:t>
+            </a:r>
+          </a:p>
+          <a:p>
+            <a:pPr indent="-317500" marL="457200" rtl="0" lvl="0">
+              <a:buClr>
+                <a:srgbClr val="000000"/>
+              </a:buClr>
+              <a:buSzPct val="127272"/>
+              <a:buFont typeface="Arial"/>
+              <a:buAutoNum type="arabicPeriod"/>
+            </a:pPr>
+            <a:r>
+              <a:rPr lang="en"/>
+              <a:t>Make your changes. When you are done making the changes use diff to see the changes that will go into the main code. $ git diff branchToDiffAgainst</a:t>
+            </a:r>
+          </a:p>
+          <a:p>
+            <a:pPr indent="-317500" marL="457200" rtl="0" lvl="0">
+              <a:buClr>
+                <a:srgbClr val="000000"/>
+              </a:buClr>
+              <a:buSzPct val="127272"/>
+              <a:buFont typeface="Arial"/>
+              <a:buAutoNum type="arabicPeriod"/>
+            </a:pPr>
+            <a:r>
+              <a:rPr lang="en"/>
+              <a:t>If everything looks good. Stage and commit your changes. $ git -am "Patch to fix issue # 123456789."</a:t>
+            </a:r>
+          </a:p>
+          <a:p>
+            <a:pPr indent="-317500" marL="457200" rtl="0" lvl="0">
+              <a:buClr>
+                <a:srgbClr val="000000"/>
+              </a:buClr>
+              <a:buSzPct val="127272"/>
+              <a:buFont typeface="Arial"/>
+              <a:buAutoNum type="arabicPeriod"/>
+            </a:pPr>
+            <a:r>
+              <a:rPr lang="en"/>
+              <a:t>git diff branchToDiffAgainst &gt; [project_name]-[short_description]-[issue-number]-[comment-number].patch </a:t>
+            </a:r>
+          </a:p>
+          <a:p>
+            <a:pPr rtl="0" lvl="0">
+              <a:lnSpc>
+                <a:spcPct val="115000"/>
+              </a:lnSpc>
+              <a:spcBef>
+                <a:spcPts val="1400"/>
+              </a:spcBef>
+              <a:spcAft>
+                <a:spcPts val="400"/>
+              </a:spcAft>
+              <a:buNone/>
+            </a:pPr>
+            <a:r>
+              <a:rPr lang="en"/>
+              <a:t>Applying a patch:</a:t>
+            </a:r>
+          </a:p>
+          <a:p>
+            <a:r>
+              <a:t/>
+            </a:r>
+          </a:p>
+          <a:p>
+            <a:pPr indent="-298450" marL="457200" rtl="0" lvl="0">
+              <a:lnSpc>
+                <a:spcPct val="115000"/>
+              </a:lnSpc>
+              <a:buClr>
+                <a:srgbClr val="000000"/>
+              </a:buClr>
+              <a:buSzPct val="100000"/>
+              <a:buFont typeface="Arial"/>
+              <a:buAutoNum type="arabicPeriod"/>
+            </a:pPr>
+            <a:r>
+              <a:rPr lang="en"/>
+              <a:t>Make sure you have committed any current changes, git status should be clean.</a:t>
+            </a:r>
+          </a:p>
+          <a:p>
+            <a:pPr indent="-298450" marL="457200" rtl="0" lvl="0">
+              <a:lnSpc>
+                <a:spcPct val="115000"/>
+              </a:lnSpc>
+              <a:buClr>
+                <a:srgbClr val="000000"/>
+              </a:buClr>
+              <a:buSzPct val="100000"/>
+              <a:buFont typeface="Arial"/>
+              <a:buAutoNum type="arabicPeriod"/>
+            </a:pPr>
+            <a:r>
+              <a:rPr lang="en"/>
+              <a:t>Download and save the file as a .patch file</a:t>
+            </a:r>
+          </a:p>
+          <a:p>
+            <a:pPr indent="-298450" marL="457200" rtl="0" lvl="0">
+              <a:lnSpc>
+                <a:spcPct val="115000"/>
+              </a:lnSpc>
+              <a:buClr>
+                <a:srgbClr val="000000"/>
+              </a:buClr>
+              <a:buSzPct val="100000"/>
+              <a:buFont typeface="Arial"/>
+              <a:buAutoNum type="arabicPeriod"/>
+            </a:pPr>
+            <a:r>
+              <a:rPr lang="en"/>
+              <a:t>Navigate to the module or core system you wish to apply the patch for</a:t>
+            </a:r>
+          </a:p>
+          <a:p>
+            <a:pPr indent="-298450" marL="457200" rtl="0" lvl="0">
+              <a:lnSpc>
+                <a:spcPct val="115000"/>
+              </a:lnSpc>
+              <a:buClr>
+                <a:srgbClr val="000000"/>
+              </a:buClr>
+              <a:buSzPct val="100000"/>
+              <a:buFont typeface="Arial"/>
+              <a:buAutoNum type="arabicPeriod"/>
+            </a:pPr>
+            <a:r>
+              <a:rPr lang="en"/>
+              <a:t>Test the patch and then apply it.</a:t>
+            </a:r>
+          </a:p>
+          <a:p>
+            <a:pPr indent="-298450" marL="914400" rtl="0" lvl="1">
+              <a:lnSpc>
+                <a:spcPct val="115000"/>
+              </a:lnSpc>
+              <a:buClr>
+                <a:srgbClr val="000000"/>
+              </a:buClr>
+              <a:buSzPct val="100000"/>
+              <a:buFont typeface="Arial"/>
+              <a:buAutoNum type="alphaLcPeriod"/>
+            </a:pPr>
+            <a:r>
+              <a:rPr lang="en"/>
+              <a:t>$ git apply --check /path/to/patch</a:t>
+            </a:r>
+          </a:p>
+          <a:p>
+            <a:pPr indent="-298450" marL="914400" rtl="0" lvl="1">
+              <a:lnSpc>
+                <a:spcPct val="115000"/>
+              </a:lnSpc>
+              <a:buClr>
+                <a:srgbClr val="000000"/>
+              </a:buClr>
+              <a:buSzPct val="100000"/>
+              <a:buFont typeface="Arial"/>
+              <a:buAutoNum type="alphaLcPeriod"/>
+            </a:pPr>
+            <a:r>
+              <a:rPr lang="en"/>
+              <a:t>$ git apply -v /path/to/patch</a:t>
+            </a:r>
+          </a:p>
+          <a:p>
+            <a:pPr indent="-298450" marL="457200" rtl="0" lvl="0">
+              <a:lnSpc>
+                <a:spcPct val="115000"/>
+              </a:lnSpc>
+              <a:buClr>
+                <a:srgbClr val="000000"/>
+              </a:buClr>
+              <a:buSzPct val="100000"/>
+              <a:buFont typeface="Arial"/>
+              <a:buAutoNum type="arabicPeriod"/>
+            </a:pPr>
+            <a:r>
+              <a:rPr lang="en"/>
+              <a:t>Test the changes and if you are happy, commit the changes. If you are unhappy, discard the changes.</a:t>
+            </a:r>
+          </a:p>
+          <a:p>
+            <a:pPr indent="-298450" marL="914400" rtl="0" lvl="1">
+              <a:lnSpc>
+                <a:spcPct val="115000"/>
+              </a:lnSpc>
+              <a:buClr>
+                <a:srgbClr val="000000"/>
+              </a:buClr>
+              <a:buSzPct val="100000"/>
+              <a:buFont typeface="Arial"/>
+              <a:buAutoNum type="alphaLcPeriod"/>
+            </a:pPr>
+            <a:r>
+              <a:rPr lang="en"/>
+              <a:t>To commit the patch</a:t>
+            </a:r>
+          </a:p>
+          <a:p>
+            <a:pPr indent="-298450" marL="1371600" rtl="0" lvl="2">
+              <a:lnSpc>
+                <a:spcPct val="115000"/>
+              </a:lnSpc>
+              <a:buClr>
+                <a:srgbClr val="000000"/>
+              </a:buClr>
+              <a:buSzPct val="100000"/>
+              <a:buFont typeface="Arial"/>
+              <a:buAutoNum type="romanLcPeriod"/>
+            </a:pPr>
+            <a:r>
+              <a:rPr lang="en"/>
+              <a:t>$ git commit -m “Applied patch</a:t>
+            </a:r>
+            <a:r>
+              <a:rPr lang="en">
+                <a:hlinkClick r:id="rId2"/>
+              </a:rPr>
+              <a:t> </a:t>
+            </a:r>
+            <a:r>
+              <a:rPr lang="en" u="sng">
+                <a:solidFill>
+                  <a:srgbClr val="1155CC"/>
+                </a:solidFill>
+                <a:hlinkClick r:id="rId3"/>
+              </a:rPr>
+              <a:t>http://drupal.org/node/id</a:t>
+            </a:r>
+          </a:p>
+          <a:p>
+            <a:pPr indent="-298450" marL="914400" rtl="0" lvl="1">
+              <a:lnSpc>
+                <a:spcPct val="115000"/>
+              </a:lnSpc>
+              <a:buClr>
+                <a:srgbClr val="000000"/>
+              </a:buClr>
+              <a:buSzPct val="100000"/>
+              <a:buFont typeface="Arial"/>
+              <a:buAutoNum type="alphaLcPeriod"/>
+            </a:pPr>
+            <a:r>
+              <a:rPr lang="en"/>
+              <a:t>To discard the patch</a:t>
+            </a:r>
+          </a:p>
+          <a:p>
+            <a:pPr indent="-298450" marL="1371600" rtl="0" lvl="2">
+              <a:lnSpc>
+                <a:spcPct val="115000"/>
+              </a:lnSpc>
+              <a:buClr>
+                <a:srgbClr val="000000"/>
+              </a:buClr>
+              <a:buSzPct val="100000"/>
+              <a:buFont typeface="Arial"/>
+              <a:buAutoNum type="romanLcPeriod"/>
+            </a:pPr>
+            <a:r>
+              <a:rPr lang="en"/>
+              <a:t>$ git checkout *</a:t>
+            </a:r>
+          </a:p>
+          <a:p>
+            <a:r>
+              <a:t/>
+            </a:r>
+          </a:p>
+          <a:p>
+            <a:pPr rtl="0" lvl="0">
+              <a:buNone/>
+            </a:pPr>
+            <a:r>
+              <a:rPr lang="en"/>
+              <a:t> </a:t>
+            </a:r>
+          </a:p>
+        </p:txBody>
+      </p:sp>
+    </p:spTree>
+  </p:cSld>
+  <p:clrMapOvr>
+    <a:masterClrMapping/>
+  </p:clrMapOvr>
+</p:notes>
+</file>
+
+<file path=ppt/notesSlides/notesSlide15.xml><?xml version="1.0" encoding="utf-8"?>
+<p:notes xmlns:a="http://schemas.openxmlformats.org/drawingml/2006/main" xmlns:r="http://schemas.openxmlformats.org/officeDocument/2006/relationships" xmlns:mc="http://schemas.openxmlformats.org/markup-compatibility/2006" xmlns:mv="urn:schemas-microsoft-com:mac:vml" xmlns:p="http://schemas.openxmlformats.org/presentationml/2006/main" xmlns:c="http://schemas.openxmlformats.org/drawingml/2006/chart" xmlns:dgm="http://schemas.openxmlformats.org/drawingml/2006/diagram" xmlns:o="urn:schemas-microsoft-com:office:office" xmlns:v="urn:schemas-microsoft-com:vml" xmlns:pvml="urn:schemas-microsoft-com:office:powerpoint" xmlns:com="http://schemas.openxmlformats.org/drawingml/2006/compatibility" xmlns:p14="http://schemas.microsoft.com/office/powerpoint/2010/main" showMasterSp="0" showMasterPhAnim="0">
+  <p:cSld>
+    <p:spTree>
+      <p:nvGrpSpPr>
+        <p:cNvPr name="Shape 156" id="156"/>
+        <p:cNvGrpSpPr/>
+        <p:nvPr/>
+      </p:nvGrpSpPr>
+      <p:grpSpPr>
+        <a:xfrm>
+          <a:off y="0" x="0"/>
+          <a:ext cy="0" cx="0"/>
+          <a:chOff y="0" x="0"/>
+          <a:chExt cy="0" cx="0"/>
+        </a:xfrm>
+      </p:grpSpPr>
+      <p:sp>
+        <p:nvSpPr>
+          <p:cNvPr name="Shape 157" id="157"/>
+          <p:cNvSpPr/>
+          <p:nvPr>
+            <p:ph type="sldImg" idx="2"/>
+          </p:nvPr>
+        </p:nvSpPr>
+        <p:spPr>
+          <a:xfrm>
+            <a:off y="685800" x="1143225"/>
+            <a:ext cy="3429000" cx="4572299"/>
+          </a:xfrm>
+          <a:custGeom>
+            <a:pathLst>
+              <a:path extrusionOk="0" h="120000" w="120000">
+                <a:moveTo>
+                  <a:pt y="0" x="0"/>
+                </a:moveTo>
+                <a:lnTo>
+                  <a:pt y="0" x="120000"/>
+                </a:lnTo>
+                <a:lnTo>
+                  <a:pt y="120000" x="120000"/>
+                </a:lnTo>
+                <a:lnTo>
+                  <a:pt y="120000" x="0"/>
+                </a:lnTo>
+                <a:close/>
+              </a:path>
+            </a:pathLst>
+          </a:custGeom>
+        </p:spPr>
+      </p:sp>
+      <p:sp>
+        <p:nvSpPr>
+          <p:cNvPr name="Shape 158" id="158"/>
+          <p:cNvSpPr txBox="1"/>
+          <p:nvPr>
+            <p:ph type="body" idx="1"/>
+          </p:nvPr>
+        </p:nvSpPr>
+        <p:spPr>
+          <a:xfrm>
+            <a:off y="4343400" x="685800"/>
+            <a:ext cy="4114800" cx="5486399"/>
+          </a:xfrm>
+          <a:prstGeom prst="rect">
+            <a:avLst/>
+          </a:prstGeom>
+        </p:spPr>
+        <p:txBody>
+          <a:bodyPr bIns="91425" tIns="91425" lIns="91425" anchor="t" anchorCtr="0" rIns="91425">
+            <a:spAutoFit/>
+          </a:bodyPr>
+          <a:lstStyle/>
+          <a:p>
+            <a:pPr rtl="0" lvl="0">
+              <a:buNone/>
+            </a:pPr>
+            <a:r>
+              <a:rPr lang="en" b="1"/>
+              <a:t>Vid:</a:t>
+            </a:r>
+            <a:r>
+              <a:rPr lang="en"/>
+              <a:t> Merging two branches means simply taking the changes from one branch and joining them with the other branch. Often a merge will be necessary after you created a  branch to fix an issue and you want to share that fix with the production branch. </a:t>
+            </a:r>
+          </a:p>
+          <a:p>
+            <a:r>
+              <a:t/>
+            </a:r>
+          </a:p>
+          <a:p>
+            <a:pPr rtl="0" lvl="0">
+              <a:buNone/>
+            </a:pPr>
+            <a:r>
+              <a:rPr lang="en"/>
+              <a:t>Let's say that the styles branch is deemed to be the one we want to launch with. To merge those changes we use the merge command on the branch we want to merge with. For this example lets checkout the master branch.</a:t>
+            </a:r>
+          </a:p>
+          <a:p>
+            <a:r>
+              <a:t/>
+            </a:r>
+          </a:p>
+          <a:p>
+            <a:pPr rtl="0" lvl="0">
+              <a:buNone/>
+            </a:pPr>
+            <a:r>
+              <a:rPr lang="en"/>
+              <a:t>$ git checkout master</a:t>
+            </a:r>
+          </a:p>
+          <a:p>
+            <a:r>
+              <a:t/>
+            </a:r>
+          </a:p>
+          <a:p>
+            <a:pPr rtl="0" lvl="0">
+              <a:buNone/>
+            </a:pPr>
+            <a:r>
+              <a:rPr lang="en"/>
+              <a:t>Then we identify the branch we want to merge and use the merge command. </a:t>
+            </a:r>
+          </a:p>
+          <a:p>
+            <a:r>
+              <a:t/>
+            </a:r>
+          </a:p>
+          <a:p>
+            <a:pPr rtl="0" lvl="0">
+              <a:buNone/>
+            </a:pPr>
+            <a:r>
+              <a:rPr lang="en"/>
+              <a:t>$ git merge styles</a:t>
+            </a:r>
+          </a:p>
+          <a:p>
+            <a:r>
+              <a:t/>
+            </a:r>
+          </a:p>
+          <a:p>
+            <a:pPr rtl="0" lvl="0">
+              <a:buNone/>
+            </a:pPr>
+            <a:r>
+              <a:rPr lang="en"/>
+              <a:t>You will then often see the words Fast Forward or "Merge made by recursive" and the stat of what files changed. In this case riddles.html and styles.css</a:t>
+            </a:r>
+          </a:p>
+          <a:p>
+            <a:r>
+              <a:t/>
+            </a:r>
+          </a:p>
+          <a:p>
+            <a:pPr rtl="0" lvl="0">
+              <a:buNone/>
+            </a:pPr>
+            <a:r>
+              <a:rPr lang="en" b="1"/>
+              <a:t>Basic Git Merge Conflicts:</a:t>
+            </a:r>
+          </a:p>
+          <a:p>
+            <a:r>
+              <a:t/>
+            </a:r>
+          </a:p>
+          <a:p>
+            <a:r>
+              <a:t/>
+            </a:r>
+          </a:p>
+          <a:p>
+            <a:pPr>
+              <a:buNone/>
+            </a:pPr>
+            <a:r>
+              <a:rPr lang="en" b="1"/>
+              <a:t>Next Slide</a:t>
+            </a:r>
+          </a:p>
+        </p:txBody>
+      </p:sp>
+    </p:spTree>
+  </p:cSld>
+  <p:clrMapOvr>
+    <a:masterClrMapping/>
+  </p:clrMapOvr>
+</p:notes>
+</file>
+
+<file path=ppt/notesSlides/notesSlide16.xml><?xml version="1.0" encoding="utf-8"?>
+<p:notes xmlns:a="http://schemas.openxmlformats.org/drawingml/2006/main" xmlns:r="http://schemas.openxmlformats.org/officeDocument/2006/relationships" xmlns:mc="http://schemas.openxmlformats.org/markup-compatibility/2006" xmlns:mv="urn:schemas-microsoft-com:mac:vml" xmlns:p="http://schemas.openxmlformats.org/presentationml/2006/main" xmlns:c="http://schemas.openxmlformats.org/drawingml/2006/chart" xmlns:dgm="http://schemas.openxmlformats.org/drawingml/2006/diagram" xmlns:o="urn:schemas-microsoft-com:office:office" xmlns:v="urn:schemas-microsoft-com:vml" xmlns:pvml="urn:schemas-microsoft-com:office:powerpoint" xmlns:com="http://schemas.openxmlformats.org/drawingml/2006/compatibility" xmlns:p14="http://schemas.microsoft.com/office/powerpoint/2010/main" showMasterSp="0" showMasterPhAnim="0">
+  <p:cSld>
+    <p:spTree>
+      <p:nvGrpSpPr>
+        <p:cNvPr name="Shape 170" id="170"/>
+        <p:cNvGrpSpPr/>
+        <p:nvPr/>
+      </p:nvGrpSpPr>
+      <p:grpSpPr>
+        <a:xfrm>
+          <a:off y="0" x="0"/>
+          <a:ext cy="0" cx="0"/>
+          <a:chOff y="0" x="0"/>
+          <a:chExt cy="0" cx="0"/>
+        </a:xfrm>
+      </p:grpSpPr>
+      <p:sp>
+        <p:nvSpPr>
+          <p:cNvPr name="Shape 171" id="171"/>
+          <p:cNvSpPr/>
+          <p:nvPr>
+            <p:ph type="sldImg" idx="2"/>
+          </p:nvPr>
+        </p:nvSpPr>
+        <p:spPr>
+          <a:xfrm>
+            <a:off y="685800" x="1143225"/>
+            <a:ext cy="3429000" cx="4572299"/>
+          </a:xfrm>
+          <a:custGeom>
+            <a:pathLst>
+              <a:path extrusionOk="0" h="120000" w="120000">
+                <a:moveTo>
+                  <a:pt y="0" x="0"/>
+                </a:moveTo>
+                <a:lnTo>
+                  <a:pt y="0" x="120000"/>
+                </a:lnTo>
+                <a:lnTo>
+                  <a:pt y="120000" x="120000"/>
+                </a:lnTo>
+                <a:lnTo>
+                  <a:pt y="120000" x="0"/>
+                </a:lnTo>
+                <a:close/>
+              </a:path>
+            </a:pathLst>
+          </a:custGeom>
+        </p:spPr>
+      </p:sp>
+      <p:sp>
+        <p:nvSpPr>
+          <p:cNvPr name="Shape 172" id="172"/>
+          <p:cNvSpPr txBox="1"/>
+          <p:nvPr>
+            <p:ph type="body" idx="1"/>
+          </p:nvPr>
+        </p:nvSpPr>
+        <p:spPr>
+          <a:xfrm>
+            <a:off y="4343400" x="685800"/>
+            <a:ext cy="4114800" cx="5486399"/>
+          </a:xfrm>
+          <a:prstGeom prst="rect">
+            <a:avLst/>
+          </a:prstGeom>
+        </p:spPr>
+        <p:txBody>
+          <a:bodyPr bIns="91425" tIns="91425" lIns="91425" anchor="t" anchorCtr="0" rIns="91425">
+            <a:spAutoFit/>
+          </a:bodyPr>
+          <a:lstStyle/>
+          <a:p>
+            <a:pPr rtl="0" lvl="0">
+              <a:buNone/>
+            </a:pPr>
+            <a:r>
+              <a:rPr lang="en" b="1"/>
+              <a:t>Max: </a:t>
+            </a:r>
+            <a:r>
+              <a:rPr lang="en"/>
+              <a:t>The great thing about git is that you can work with others and share code from a central resource. This is what github, bitbucket, and firewalled solutions like gitolite and stash are all about. To do this effectively we need to talk with those resources and push and pull code from it.</a:t>
+            </a:r>
+          </a:p>
+          <a:p>
+            <a:r>
+              <a:t/>
+            </a:r>
+          </a:p>
+          <a:p>
+            <a:pPr rtl="0" lvl="0">
+              <a:buNone/>
+            </a:pPr>
+            <a:r>
+              <a:rPr lang="en"/>
+              <a:t>SSH Keys are needed with many systems, though some HTTPS authentication systems are gaining popularity. For this session we will use SSH keys. Generating a key is pretty straightforward and in doing so you create a private key which you keep on your system and a public key that you can share with others. If you have keys already, make sure you know the passphrase and give us a few moments to generate them for others. </a:t>
+            </a:r>
+          </a:p>
+          <a:p>
+            <a:r>
+              <a:t/>
+            </a:r>
+          </a:p>
+          <a:p>
+            <a:pPr rtl="0" lvl="0">
+              <a:buNone/>
+            </a:pPr>
+            <a:r>
+              <a:rPr lang="en"/>
+              <a:t>From your prompt quickly check that no key exists. </a:t>
+            </a:r>
+          </a:p>
+          <a:p>
+            <a:r>
+              <a:t/>
+            </a:r>
+          </a:p>
+          <a:p>
+            <a:pPr rtl="0" lvl="0">
+              <a:buNone/>
+            </a:pPr>
+            <a:r>
+              <a:rPr lang="en"/>
+              <a:t>$ cd ~/.ssh</a:t>
+            </a:r>
+          </a:p>
+          <a:p>
+            <a:pPr rtl="0" lvl="0">
+              <a:buNone/>
+            </a:pPr>
+            <a:r>
+              <a:rPr lang="en"/>
+              <a:t>$ ls</a:t>
+            </a:r>
+          </a:p>
+          <a:p>
+            <a:r>
+              <a:t/>
+            </a:r>
+          </a:p>
+          <a:p>
+            <a:pPr rtl="0" lvl="0">
+              <a:buNone/>
+            </a:pPr>
+            <a:r>
+              <a:rPr lang="en"/>
+              <a:t>If something appears it means you have keys. If you were not aware of that, make a backup quickly in case they are important. (These steps are from gitHub's great write-up)</a:t>
+            </a:r>
+          </a:p>
+          <a:p>
+            <a:pPr rtl="0" lvl="0">
+              <a:buNone/>
+            </a:pPr>
+            <a:r>
+              <a:rPr lang="en"/>
+              <a:t>mkdir key_backup</a:t>
+            </a:r>
+            <a:br>
+              <a:rPr lang="en"/>
+            </a:br>
+            <a:r>
+              <a:rPr lang="en"/>
+              <a:t>cp id_rsa* key_backup</a:t>
+            </a:r>
+            <a:br>
+              <a:rPr lang="en"/>
+            </a:br>
+            <a:r>
+              <a:rPr lang="en"/>
+              <a:t>rm id_rsa*</a:t>
+            </a:r>
+          </a:p>
+          <a:p>
+            <a:r>
+              <a:t/>
+            </a:r>
+          </a:p>
+          <a:p>
+            <a:pPr rtl="0" lvl="0">
+              <a:buNone/>
+            </a:pPr>
+            <a:r>
+              <a:rPr lang="en"/>
+              <a:t>Now we are going to generate a key.</a:t>
+            </a:r>
+          </a:p>
+          <a:p>
+            <a:pPr rtl="0" lvl="0">
+              <a:buNone/>
+            </a:pPr>
+            <a:r>
+              <a:rPr lang="en"/>
+              <a:t>$ ssh-keygen -t rsa -C "</a:t>
+            </a:r>
+            <a:r>
+              <a:rPr lang="en" i="1"/>
+              <a:t>your_email@youremail.com</a:t>
+            </a:r>
+            <a:r>
+              <a:rPr lang="en"/>
+              <a:t>"</a:t>
+            </a:r>
+          </a:p>
+          <a:p>
+            <a:r>
+              <a:t/>
+            </a:r>
+          </a:p>
+          <a:p>
+            <a:pPr rtl="0" lvl="0">
+              <a:buNone/>
+            </a:pPr>
+            <a:r>
+              <a:rPr lang="en"/>
+              <a:t>Enter file in which to save the key (/</a:t>
+            </a:r>
+            <a:r>
+              <a:rPr lang="en" i="1"/>
+              <a:t>your_home_path</a:t>
+            </a:r>
+            <a:r>
+              <a:rPr lang="en"/>
+              <a:t>/.ssh/id_rsa):</a:t>
+            </a:r>
+          </a:p>
+          <a:p>
+            <a:r>
+              <a:t/>
+            </a:r>
+          </a:p>
+          <a:p>
+            <a:pPr rtl="0" lvl="0">
+              <a:buNone/>
+            </a:pPr>
+            <a:r>
+              <a:rPr lang="en"/>
+              <a:t>Enter a passphrase twice and you now have keys to use with most git resources. </a:t>
+            </a:r>
+          </a:p>
+          <a:p>
+            <a:r>
+              <a:t/>
+            </a:r>
+          </a:p>
+          <a:p>
+            <a:pPr rtl="0" lvl="0">
+              <a:buNone/>
+            </a:pPr>
+            <a:r>
+              <a:rPr lang="en" b="1"/>
+              <a:t>Vid: </a:t>
+            </a:r>
+            <a:r>
+              <a:rPr lang="en"/>
+              <a:t>Now that we have keys what in the world would you do with them? Get some code. </a:t>
+            </a:r>
+          </a:p>
+          <a:p>
+            <a:r>
+              <a:t/>
+            </a:r>
+          </a:p>
+          <a:p>
+            <a:pPr rtl="0" lvl="0">
+              <a:buNone/>
+            </a:pPr>
+            <a:r>
+              <a:rPr lang="en"/>
+              <a:t>Everything you have been learning applies when working with a remote git repository because with git you have your local repo that you update from central but you can work without being connected. So,</a:t>
+            </a:r>
+          </a:p>
+          <a:p>
+            <a:pPr rtl="0" lvl="0">
+              <a:buNone/>
+            </a:pPr>
+            <a:r>
+              <a:rPr lang="en"/>
+              <a:t>there are two concepts we want to go over, pushing and pulling.</a:t>
+            </a:r>
+          </a:p>
+          <a:p>
+            <a:r>
+              <a:t/>
+            </a:r>
+          </a:p>
+          <a:p>
+            <a:pPr rtl="0" lvl="0">
+              <a:buNone/>
+            </a:pPr>
+            <a:r>
+              <a:rPr lang="en"/>
+              <a:t>You pull from a repository whenever you want to get the latest code. In Drupal you can pull in the latest changes to the dev branch of core or a module. </a:t>
+            </a:r>
+          </a:p>
+          <a:p>
+            <a:r>
+              <a:t/>
+            </a:r>
+          </a:p>
+          <a:p>
+            <a:pPr rtl="0" lvl="0">
+              <a:buNone/>
+            </a:pPr>
+            <a:r>
+              <a:rPr lang="en"/>
+              <a:t>You push to a repository when you have code to contribute back. If you do not own the project you need permission to push but the idea is that you have made some changes to the code, merged them into the master branch and are now sharing that with others who can now pull your code down. </a:t>
+            </a:r>
+          </a:p>
+          <a:p>
+            <a:r>
+              <a:t/>
+            </a:r>
+          </a:p>
+          <a:p>
+            <a:pPr rtl="0" lvl="0">
+              <a:buNone/>
+            </a:pPr>
+            <a:r>
+              <a:rPr lang="en"/>
+              <a:t>Max and I have a project on github called riddlegames. Make a new directory on your computer wherever you save projects and we will clone that project. Cloning is a special type of pull that grabs all of the code and automatically sets up a link between your copy and the project.</a:t>
+            </a:r>
+          </a:p>
+          <a:p>
+            <a:r>
+              <a:t/>
+            </a:r>
+          </a:p>
+          <a:p>
+            <a:pPr rtl="0" lvl="0">
+              <a:buNone/>
+            </a:pPr>
+            <a:r>
+              <a:rPr lang="en"/>
+              <a:t>$ git clone git://github.com/theMusician/riddlegames.git</a:t>
+            </a:r>
+          </a:p>
+          <a:p>
+            <a:r>
+              <a:t/>
+            </a:r>
+          </a:p>
+          <a:p>
+            <a:pPr rtl="0" lvl="0">
+              <a:buNone/>
+            </a:pPr>
+            <a:r>
+              <a:rPr lang="en"/>
+              <a:t>Now if I make a change, say we push the merge we made earlier we can see that the changes are updated on the remote server.</a:t>
+            </a:r>
+          </a:p>
+          <a:p>
+            <a:r>
+              <a:t/>
+            </a:r>
+          </a:p>
+          <a:p>
+            <a:pPr rtl="0" lvl="0">
+              <a:buNone/>
+            </a:pPr>
+            <a:r>
+              <a:rPr lang="en"/>
+              <a:t>$ git push origin master</a:t>
+            </a:r>
+          </a:p>
+          <a:p>
+            <a:r>
+              <a:t/>
+            </a:r>
+          </a:p>
+          <a:p>
+            <a:pPr rtl="0" lvl="0">
+              <a:buNone/>
+            </a:pPr>
+            <a:r>
+              <a:rPr lang="en"/>
+              <a:t>To see those changes, you just need to pull in the changes.</a:t>
+            </a:r>
+          </a:p>
+          <a:p>
+            <a:r>
+              <a:t/>
+            </a:r>
+          </a:p>
+          <a:p>
+            <a:pPr rtl="0" lvl="0">
+              <a:buNone/>
+            </a:pPr>
+            <a:r>
+              <a:rPr lang="en"/>
+              <a:t>$ git pull origin master</a:t>
+            </a:r>
+          </a:p>
+          <a:p>
+            <a:r>
+              <a:t/>
+            </a:r>
+          </a:p>
+          <a:p>
+            <a:pPr rtl="0" lvl="0">
+              <a:buNone/>
+            </a:pPr>
+            <a:r>
+              <a:rPr lang="en"/>
+              <a:t>To clone D8 you want the following</a:t>
+            </a:r>
+          </a:p>
+          <a:p>
+            <a:pPr rtl="0" lvl="0">
+              <a:buNone/>
+            </a:pPr>
+            <a:r>
+              <a:rPr lang="en"/>
+              <a:t>$ git clone --recursive --branch 8.x http://git.drupal.org/project/drupal.git</a:t>
+            </a:r>
+          </a:p>
+          <a:p>
+            <a:pPr>
+              <a:buNone/>
+            </a:pPr>
+            <a:r>
+              <a:rPr lang="en"/>
+              <a:t>cd drupal</a:t>
+            </a:r>
+          </a:p>
+        </p:txBody>
+      </p:sp>
+    </p:spTree>
+  </p:cSld>
+  <p:clrMapOvr>
+    <a:masterClrMapping/>
+  </p:clrMapOvr>
+</p:notes>
+</file>
+
+<file path=ppt/notesSlides/notesSlide17.xml><?xml version="1.0" encoding="utf-8"?>
+<p:notes xmlns:a="http://schemas.openxmlformats.org/drawingml/2006/main" xmlns:r="http://schemas.openxmlformats.org/officeDocument/2006/relationships" xmlns:mc="http://schemas.openxmlformats.org/markup-compatibility/2006" xmlns:mv="urn:schemas-microsoft-com:mac:vml" xmlns:p="http://schemas.openxmlformats.org/presentationml/2006/main" xmlns:c="http://schemas.openxmlformats.org/drawingml/2006/chart" xmlns:dgm="http://schemas.openxmlformats.org/drawingml/2006/diagram" xmlns:o="urn:schemas-microsoft-com:office:office" xmlns:v="urn:schemas-microsoft-com:vml" xmlns:pvml="urn:schemas-microsoft-com:office:powerpoint" xmlns:com="http://schemas.openxmlformats.org/drawingml/2006/compatibility" xmlns:p14="http://schemas.microsoft.com/office/powerpoint/2010/main" showMasterSp="0" showMasterPhAnim="0">
+  <p:cSld>
+    <p:spTree>
+      <p:nvGrpSpPr>
+        <p:cNvPr name="Shape 177" id="177"/>
+        <p:cNvGrpSpPr/>
+        <p:nvPr/>
+      </p:nvGrpSpPr>
+      <p:grpSpPr>
+        <a:xfrm>
+          <a:off y="0" x="0"/>
+          <a:ext cy="0" cx="0"/>
+          <a:chOff y="0" x="0"/>
+          <a:chExt cy="0" cx="0"/>
+        </a:xfrm>
+      </p:grpSpPr>
+      <p:sp>
+        <p:nvSpPr>
+          <p:cNvPr name="Shape 178" id="178"/>
+          <p:cNvSpPr/>
+          <p:nvPr>
+            <p:ph type="sldImg" idx="2"/>
+          </p:nvPr>
+        </p:nvSpPr>
+        <p:spPr>
+          <a:xfrm>
+            <a:off y="685800" x="1143225"/>
+            <a:ext cy="3429000" cx="4572299"/>
+          </a:xfrm>
+          <a:custGeom>
+            <a:pathLst>
+              <a:path extrusionOk="0" h="120000" w="120000">
+                <a:moveTo>
+                  <a:pt y="0" x="0"/>
+                </a:moveTo>
+                <a:lnTo>
+                  <a:pt y="0" x="120000"/>
+                </a:lnTo>
+                <a:lnTo>
+                  <a:pt y="120000" x="120000"/>
+                </a:lnTo>
+                <a:lnTo>
+                  <a:pt y="120000" x="0"/>
+                </a:lnTo>
+                <a:close/>
+              </a:path>
+            </a:pathLst>
+          </a:custGeom>
+        </p:spPr>
+      </p:sp>
+      <p:sp>
+        <p:nvSpPr>
+          <p:cNvPr name="Shape 179" id="179"/>
+          <p:cNvSpPr txBox="1"/>
+          <p:nvPr>
+            <p:ph type="body" idx="1"/>
+          </p:nvPr>
+        </p:nvSpPr>
+        <p:spPr>
+          <a:xfrm>
+            <a:off y="4343400" x="685800"/>
+            <a:ext cy="4114800" cx="5486399"/>
+          </a:xfrm>
+          <a:prstGeom prst="rect">
+            <a:avLst/>
+          </a:prstGeom>
+        </p:spPr>
+        <p:txBody>
+          <a:bodyPr bIns="91425" tIns="91425" lIns="91425" anchor="t" anchorCtr="0" rIns="91425">
+            <a:spAutoFit/>
+          </a:bodyPr>
+          <a:lstStyle/>
+          <a:p/>
+        </p:txBody>
+      </p:sp>
+    </p:spTree>
+  </p:cSld>
+  <p:clrMapOvr>
+    <a:masterClrMapping/>
+  </p:clrMapOvr>
+</p:notes>
+</file>
+
+<file path=ppt/notesSlides/notesSlide2.xml><?xml version="1.0" encoding="utf-8"?>
+<p:notes xmlns:a="http://schemas.openxmlformats.org/drawingml/2006/main" xmlns:r="http://schemas.openxmlformats.org/officeDocument/2006/relationships" xmlns:mc="http://schemas.openxmlformats.org/markup-compatibility/2006" xmlns:mv="urn:schemas-microsoft-com:mac:vml" xmlns:p="http://schemas.openxmlformats.org/presentationml/2006/main" xmlns:c="http://schemas.openxmlformats.org/drawingml/2006/chart" xmlns:dgm="http://schemas.openxmlformats.org/drawingml/2006/diagram" xmlns:o="urn:schemas-microsoft-com:office:office" xmlns:v="urn:schemas-microsoft-com:vml" xmlns:pvml="urn:schemas-microsoft-com:office:powerpoint" xmlns:com="http://schemas.openxmlformats.org/drawingml/2006/compatibility" xmlns:p14="http://schemas.microsoft.com/office/powerpoint/2010/main" showMasterSp="0" showMasterPhAnim="0">
+  <p:cSld>
+    <p:spTree>
+      <p:nvGrpSpPr>
+        <p:cNvPr name="Shape 48" id="48"/>
+        <p:cNvGrpSpPr/>
+        <p:nvPr/>
+      </p:nvGrpSpPr>
+      <p:grpSpPr>
+        <a:xfrm>
+          <a:off y="0" x="0"/>
+          <a:ext cy="0" cx="0"/>
+          <a:chOff y="0" x="0"/>
+          <a:chExt cy="0" cx="0"/>
+        </a:xfrm>
+      </p:grpSpPr>
+      <p:sp>
+        <p:nvSpPr>
+          <p:cNvPr name="Shape 49" id="49"/>
+          <p:cNvSpPr/>
+          <p:nvPr>
+            <p:ph type="sldImg" idx="2"/>
+          </p:nvPr>
+        </p:nvSpPr>
+        <p:spPr>
+          <a:xfrm>
+            <a:off y="685800" x="1143225"/>
+            <a:ext cy="3429000" cx="4572299"/>
+          </a:xfrm>
+          <a:custGeom>
+            <a:pathLst>
+              <a:path extrusionOk="0" h="120000" w="120000">
+                <a:moveTo>
+                  <a:pt y="0" x="0"/>
+                </a:moveTo>
+                <a:lnTo>
+                  <a:pt y="0" x="120000"/>
+                </a:lnTo>
+                <a:lnTo>
+                  <a:pt y="120000" x="120000"/>
+                </a:lnTo>
+                <a:lnTo>
+                  <a:pt y="120000" x="0"/>
+                </a:lnTo>
+                <a:close/>
+              </a:path>
+            </a:pathLst>
+          </a:custGeom>
+        </p:spPr>
+      </p:sp>
+      <p:sp>
+        <p:nvSpPr>
+          <p:cNvPr name="Shape 50" id="50"/>
+          <p:cNvSpPr txBox="1"/>
+          <p:nvPr>
+            <p:ph type="body" idx="1"/>
+          </p:nvPr>
+        </p:nvSpPr>
+        <p:spPr>
+          <a:xfrm>
+            <a:off y="4343400" x="685800"/>
+            <a:ext cy="4114800" cx="5486399"/>
+          </a:xfrm>
+          <a:prstGeom prst="rect">
+            <a:avLst/>
+          </a:prstGeom>
+        </p:spPr>
+        <p:txBody>
+          <a:bodyPr bIns="91425" tIns="91425" lIns="91425" anchor="t" anchorCtr="0" rIns="91425">
+            <a:spAutoFit/>
+          </a:bodyPr>
+          <a:lstStyle/>
+          <a:p>
+            <a:pPr rtl="0" lvl="0">
+              <a:buNone/>
+            </a:pPr>
+            <a:r>
+              <a:rPr lang="en" b="1"/>
+              <a:t>Max: </a:t>
+            </a:r>
+            <a:r>
+              <a:rPr lang="en"/>
+              <a:t>Git is a version control system created by Linus Torvalds, the creator of Linux. Apparently the word is British slang for a stupid or unpleasant person. So, we are going to use a stupid content tracker today. It has rapidly increased in popularity and is used by many projects and individuals today. It replaced subversion as the version control system for the Drupal project and is now how we apply patches, pull the latest code, and generally manage projects.</a:t>
+            </a:r>
+          </a:p>
+          <a:p>
+            <a:r>
+              <a:t/>
+            </a:r>
+          </a:p>
+          <a:p>
+            <a:pPr rtl="0" lvl="0">
+              <a:buNone/>
+            </a:pPr>
+            <a:r>
+              <a:rPr lang="en"/>
+              <a:t>Version control systems such as git simply allow us to track changes to files at any point in time. Think of saving a file name with a new file name every time you update a file. Git kind of does that but you get to keep the same file name and can see the history of all the changes made. </a:t>
+            </a:r>
+          </a:p>
+          <a:p>
+            <a:r>
+              <a:t/>
+            </a:r>
+          </a:p>
+          <a:p>
+            <a:pPr rtl="0" lvl="0">
+              <a:buNone/>
+            </a:pPr>
+            <a:r>
+              <a:rPr lang="en"/>
+              <a:t>With software development and our Drupal websites git is a tool we can use to streamline workflows and allow us a safety in case we really screw up. It also allows us to collaborate with the Drupal community. </a:t>
+            </a:r>
+          </a:p>
+          <a:p>
+            <a:r>
+              <a:t/>
+            </a:r>
+          </a:p>
+          <a:p>
+            <a:pPr rtl="0" lvl="0">
+              <a:buNone/>
+            </a:pPr>
+            <a:r>
+              <a:rPr lang="en" b="1"/>
+              <a:t>Next Slide</a:t>
+            </a:r>
+          </a:p>
+        </p:txBody>
+      </p:sp>
+    </p:spTree>
+  </p:cSld>
+  <p:clrMapOvr>
+    <a:masterClrMapping/>
+  </p:clrMapOvr>
+</p:notes>
+</file>
+
+<file path=ppt/notesSlides/notesSlide3.xml><?xml version="1.0" encoding="utf-8"?>
+<p:notes xmlns:a="http://schemas.openxmlformats.org/drawingml/2006/main" xmlns:r="http://schemas.openxmlformats.org/officeDocument/2006/relationships" xmlns:mc="http://schemas.openxmlformats.org/markup-compatibility/2006" xmlns:mv="urn:schemas-microsoft-com:mac:vml" xmlns:p="http://schemas.openxmlformats.org/presentationml/2006/main" xmlns:c="http://schemas.openxmlformats.org/drawingml/2006/chart" xmlns:dgm="http://schemas.openxmlformats.org/drawingml/2006/diagram" xmlns:o="urn:schemas-microsoft-com:office:office" xmlns:v="urn:schemas-microsoft-com:vml" xmlns:pvml="urn:schemas-microsoft-com:office:powerpoint" xmlns:com="http://schemas.openxmlformats.org/drawingml/2006/compatibility" xmlns:p14="http://schemas.microsoft.com/office/powerpoint/2010/main" showMasterSp="0" showMasterPhAnim="0">
+  <p:cSld>
+    <p:spTree>
+      <p:nvGrpSpPr>
+        <p:cNvPr name="Shape 55" id="55"/>
+        <p:cNvGrpSpPr/>
+        <p:nvPr/>
+      </p:nvGrpSpPr>
+      <p:grpSpPr>
+        <a:xfrm>
+          <a:off y="0" x="0"/>
+          <a:ext cy="0" cx="0"/>
+          <a:chOff y="0" x="0"/>
+          <a:chExt cy="0" cx="0"/>
+        </a:xfrm>
+      </p:grpSpPr>
+      <p:sp>
+        <p:nvSpPr>
+          <p:cNvPr name="Shape 56" id="56"/>
+          <p:cNvSpPr/>
+          <p:nvPr>
+            <p:ph type="sldImg" idx="2"/>
+          </p:nvPr>
+        </p:nvSpPr>
+        <p:spPr>
+          <a:xfrm>
+            <a:off y="685800" x="1143225"/>
+            <a:ext cy="3429000" cx="4572299"/>
+          </a:xfrm>
+          <a:custGeom>
+            <a:pathLst>
+              <a:path extrusionOk="0" h="120000" w="120000">
+                <a:moveTo>
+                  <a:pt y="0" x="0"/>
+                </a:moveTo>
+                <a:lnTo>
+                  <a:pt y="0" x="120000"/>
+                </a:lnTo>
+                <a:lnTo>
+                  <a:pt y="120000" x="120000"/>
+                </a:lnTo>
+                <a:lnTo>
+                  <a:pt y="120000" x="0"/>
+                </a:lnTo>
+                <a:close/>
+              </a:path>
+            </a:pathLst>
+          </a:custGeom>
+        </p:spPr>
+      </p:sp>
+      <p:sp>
+        <p:nvSpPr>
+          <p:cNvPr name="Shape 57" id="57"/>
+          <p:cNvSpPr txBox="1"/>
+          <p:nvPr>
+            <p:ph type="body" idx="1"/>
+          </p:nvPr>
+        </p:nvSpPr>
+        <p:spPr>
+          <a:xfrm>
+            <a:off y="4343400" x="685800"/>
+            <a:ext cy="4114800" cx="5486399"/>
+          </a:xfrm>
+          <a:prstGeom prst="rect">
+            <a:avLst/>
+          </a:prstGeom>
+        </p:spPr>
+        <p:txBody>
+          <a:bodyPr bIns="91425" tIns="91425" lIns="91425" anchor="t" anchorCtr="0" rIns="91425">
+            <a:spAutoFit/>
+          </a:bodyPr>
+          <a:lstStyle/>
+          <a:p>
+            <a:pPr>
+              <a:buNone/>
+            </a:pPr>
+            <a:r>
+              <a:rPr lang="en"/>
+              <a:t>Here we just need to discuss the common use cases. Not much detail is needed though. </a:t>
+            </a:r>
+          </a:p>
+        </p:txBody>
+      </p:sp>
+    </p:spTree>
+  </p:cSld>
+  <p:clrMapOvr>
+    <a:masterClrMapping/>
+  </p:clrMapOvr>
+</p:notes>
+</file>
+
+<file path=ppt/notesSlides/notesSlide4.xml><?xml version="1.0" encoding="utf-8"?>
+<p:notes xmlns:a="http://schemas.openxmlformats.org/drawingml/2006/main" xmlns:r="http://schemas.openxmlformats.org/officeDocument/2006/relationships" xmlns:mc="http://schemas.openxmlformats.org/markup-compatibility/2006" xmlns:mv="urn:schemas-microsoft-com:mac:vml" xmlns:p="http://schemas.openxmlformats.org/presentationml/2006/main" xmlns:c="http://schemas.openxmlformats.org/drawingml/2006/chart" xmlns:dgm="http://schemas.openxmlformats.org/drawingml/2006/diagram" xmlns:o="urn:schemas-microsoft-com:office:office" xmlns:v="urn:schemas-microsoft-com:vml" xmlns:pvml="urn:schemas-microsoft-com:office:powerpoint" xmlns:com="http://schemas.openxmlformats.org/drawingml/2006/compatibility" xmlns:p14="http://schemas.microsoft.com/office/powerpoint/2010/main" showMasterSp="0" showMasterPhAnim="0">
+  <p:cSld>
+    <p:spTree>
+      <p:nvGrpSpPr>
+        <p:cNvPr name="Shape 62" id="62"/>
+        <p:cNvGrpSpPr/>
+        <p:nvPr/>
+      </p:nvGrpSpPr>
+      <p:grpSpPr>
+        <a:xfrm>
+          <a:off y="0" x="0"/>
+          <a:ext cy="0" cx="0"/>
+          <a:chOff y="0" x="0"/>
+          <a:chExt cy="0" cx="0"/>
+        </a:xfrm>
+      </p:grpSpPr>
+      <p:sp>
+        <p:nvSpPr>
+          <p:cNvPr name="Shape 63" id="63"/>
+          <p:cNvSpPr/>
+          <p:nvPr>
+            <p:ph type="sldImg" idx="2"/>
+          </p:nvPr>
+        </p:nvSpPr>
+        <p:spPr>
+          <a:xfrm>
+            <a:off y="685800" x="1143225"/>
+            <a:ext cy="3429000" cx="4572299"/>
+          </a:xfrm>
+          <a:custGeom>
+            <a:pathLst>
+              <a:path extrusionOk="0" h="120000" w="120000">
+                <a:moveTo>
+                  <a:pt y="0" x="0"/>
+                </a:moveTo>
+                <a:lnTo>
+                  <a:pt y="0" x="120000"/>
+                </a:lnTo>
+                <a:lnTo>
+                  <a:pt y="120000" x="120000"/>
+                </a:lnTo>
+                <a:lnTo>
+                  <a:pt y="120000" x="0"/>
+                </a:lnTo>
+                <a:close/>
+              </a:path>
+            </a:pathLst>
+          </a:custGeom>
+        </p:spPr>
+      </p:sp>
+      <p:sp>
+        <p:nvSpPr>
+          <p:cNvPr name="Shape 64" id="64"/>
+          <p:cNvSpPr txBox="1"/>
+          <p:nvPr>
+            <p:ph type="body" idx="1"/>
+          </p:nvPr>
+        </p:nvSpPr>
+        <p:spPr>
+          <a:xfrm>
+            <a:off y="4343400" x="685800"/>
+            <a:ext cy="4114800" cx="5486399"/>
+          </a:xfrm>
+          <a:prstGeom prst="rect">
+            <a:avLst/>
+          </a:prstGeom>
+        </p:spPr>
+        <p:txBody>
+          <a:bodyPr bIns="91425" tIns="91425" lIns="91425" anchor="t" anchorCtr="0" rIns="91425">
+            <a:spAutoFit/>
+          </a:bodyPr>
+          <a:lstStyle/>
+          <a:p>
+            <a:pPr rtl="0" lvl="0">
+              <a:buNone/>
+            </a:pPr>
+            <a:r>
+              <a:rPr lang="en" b="1"/>
               <a:t>Vid: </a:t>
             </a:r>
             <a:r>
@@ -1556,7 +3566,7 @@
             </a:pPr>
             <a:r>
               <a:rPr lang="en"/>
-              <a:t>$git rm </a:t>
+              <a:t>$git rm --cache filename will untrack the file</a:t>
             </a:r>
           </a:p>
         </p:txBody>
@@ -1648,89 +3658,11 @@
             </a:pPr>
             <a:r>
               <a:rPr lang="en" b="1"/>
-              <a:t>Max: </a:t>
-            </a:r>
-            <a:r>
-              <a:rPr lang="en"/>
-              <a:t>The git log allows you to look into what has been happening in the repository. Here you will be able to see the list of commits in the project and the commit message. The command is straight forward.</a:t>
-            </a:r>
-          </a:p>
-          <a:p>
-            <a:r>
-              <a:t/>
-            </a:r>
-          </a:p>
-          <a:p>
-            <a:pPr rtl="0" lvl="0">
-              <a:buNone/>
-            </a:pPr>
-            <a:r>
-              <a:rPr lang="en"/>
-              <a:t>$git log</a:t>
-            </a:r>
-          </a:p>
-          <a:p>
-            <a:r>
-              <a:t/>
-            </a:r>
-          </a:p>
-          <a:p>
-            <a:pPr rtl="0" lvl="0">
-              <a:buNone/>
-            </a:pPr>
-            <a:r>
-              <a:rPr lang="en"/>
-              <a:t>Now, what does all of this stuff mean. The first part of what you see is the Commit Hash. This is a unique identifier for the filesystem at the time the commit was made. You can move your file system to any commit if you know the hash. </a:t>
-            </a:r>
-          </a:p>
-          <a:p>
-            <a:r>
-              <a:t/>
-            </a:r>
-          </a:p>
-          <a:p>
-            <a:pPr rtl="0" lvl="0">
-              <a:buNone/>
-            </a:pPr>
-            <a:r>
-              <a:rPr lang="en"/>
-              <a:t>The second part is the author tag that is set by each user and their email address. </a:t>
-            </a:r>
-          </a:p>
-          <a:p>
-            <a:r>
-              <a:t/>
-            </a:r>
-          </a:p>
-          <a:p>
-            <a:pPr rtl="0" lvl="0">
-              <a:buNone/>
-            </a:pPr>
-            <a:r>
-              <a:rPr lang="en"/>
-              <a:t>Third is the date down to the second for the commit. </a:t>
-            </a:r>
-            <a:r>
-              <a:rPr lang="en">
-                <a:solidFill>
-                  <a:srgbClr val="FF0000"/>
-                </a:solidFill>
-              </a:rPr>
-              <a:t>(Research more about the default date format)</a:t>
-            </a:r>
-          </a:p>
-          <a:p>
-            <a:r>
-              <a:t/>
-            </a:r>
-          </a:p>
-          <a:p>
-            <a:pPr rtl="0" lvl="0">
-              <a:buNone/>
-            </a:pPr>
-            <a:r>
-              <a:rPr lang="en"/>
-              <a:t>The 4th part is the commit message itself. </a:t>
+              <a:t>Vid: </a:t>
+            </a:r>
+            <a:r>
+              <a:rPr lang="en"/>
+              <a:t>To get started with git we need to learn about the following tasks. We are going to take you through a simple project that we have setup on GitHub. </a:t>
             </a:r>
           </a:p>
           <a:p>
@@ -1744,11 +3676,12 @@
             </a:pPr>
             <a:r>
               <a:rPr lang="en" b="1"/>
-              <a:t>Vid: </a:t>
-            </a:r>
-            <a:r>
-              <a:rPr lang="en"/>
-              <a:t>We can use the git log information in the following ways.</a:t>
+              <a:t>Switch to Terminal</a:t>
+            </a:r>
+          </a:p>
+          <a:p>
+            <a:r>
+              <a:t/>
             </a:r>
           </a:p>
           <a:p>
@@ -1762,7 +3695,7 @@
             </a:pPr>
             <a:r>
               <a:rPr lang="en"/>
-              <a:t>Knowing the commit hash lets us revert back to that particular point in time.</a:t>
+              <a:t>Make a new folder for the project and go into it.</a:t>
             </a:r>
           </a:p>
           <a:p>
@@ -1776,7 +3709,7 @@
             </a:pPr>
             <a:r>
               <a:rPr lang="en"/>
-              <a:t>We can see who made the commit if we are working jointly on a project.</a:t>
+              <a:t>Create a new repository 	 $ git init</a:t>
             </a:r>
           </a:p>
           <a:p>
@@ -1790,7 +3723,7 @@
             </a:pPr>
             <a:r>
               <a:rPr lang="en"/>
-              <a:t>We can see a diff of what changed with each commit. $ git log -p -3   (the -3 just limits the commits shown to 3)</a:t>
+              <a:t>Add the HTML5 starter template file into the project folder. </a:t>
             </a:r>
           </a:p>
           <a:p>
@@ -1804,39 +3737,161 @@
             </a:pPr>
             <a:r>
               <a:rPr lang="en"/>
-              <a:t>Using -stat we can see stats, the number of insertions and deletes on each commit $ git log --stat</a:t>
-            </a:r>
-          </a:p>
-          <a:p>
-            <a:r>
-              <a:t/>
-            </a:r>
-          </a:p>
-          <a:p>
-            <a:pPr rtl="0" lvl="0">
-              <a:buNone/>
-            </a:pPr>
-            <a:r>
-              <a:rPr lang="en" b="1"/>
-              <a:t>Max: </a:t>
-            </a:r>
-            <a:r>
-              <a:rPr lang="en"/>
-              <a:t>The git log becomes more useful as the projects become complex and are great when you create branches.</a:t>
-            </a:r>
-          </a:p>
-          <a:p>
-            <a:r>
-              <a:t/>
-            </a:r>
-          </a:p>
-          <a:p>
-            <a:pPr lvl="0">
-              <a:buNone/>
-            </a:pPr>
-            <a:r>
-              <a:rPr lang="en" b="1"/>
-              <a:t>Next Slide</a:t>
+              <a:t>Add a stylesheet file to the project folder.</a:t>
+            </a:r>
+          </a:p>
+          <a:p>
+            <a:pPr indent="-317500" marL="457200" rtl="0" lvl="0">
+              <a:buClr>
+                <a:srgbClr val="000000"/>
+              </a:buClr>
+              <a:buSzPct val="127272"/>
+              <a:buFont typeface="Arial"/>
+              <a:buAutoNum type="arabicPeriod"/>
+            </a:pPr>
+            <a:r>
+              <a:rPr lang="en"/>
+              <a:t>$git status</a:t>
+            </a:r>
+          </a:p>
+          <a:p>
+            <a:pPr indent="-317500" marL="914400" rtl="0" lvl="1">
+              <a:buClr>
+                <a:srgbClr val="000000"/>
+              </a:buClr>
+              <a:buSzPct val="127272"/>
+              <a:buFont typeface="Arial"/>
+              <a:buAutoNum type="alphaLcPeriod"/>
+            </a:pPr>
+            <a:r>
+              <a:rPr lang="en"/>
+              <a:t>Discuss what the status screen is saying</a:t>
+            </a:r>
+          </a:p>
+          <a:p>
+            <a:pPr indent="-317500" marL="457200" rtl="0" lvl="0">
+              <a:buClr>
+                <a:srgbClr val="000000"/>
+              </a:buClr>
+              <a:buSzPct val="127272"/>
+              <a:buFont typeface="Arial"/>
+              <a:buAutoNum type="arabicPeriod"/>
+            </a:pPr>
+            <a:r>
+              <a:rPr lang="en"/>
+              <a:t>$git add filename</a:t>
+            </a:r>
+          </a:p>
+          <a:p>
+            <a:pPr indent="-317500" marL="457200" rtl="0" lvl="0">
+              <a:buClr>
+                <a:srgbClr val="000000"/>
+              </a:buClr>
+              <a:buSzPct val="127272"/>
+              <a:buFont typeface="Arial"/>
+              <a:buAutoNum type="arabicPeriod"/>
+            </a:pPr>
+            <a:r>
+              <a:rPr lang="en"/>
+              <a:t>$git status</a:t>
+            </a:r>
+          </a:p>
+          <a:p>
+            <a:pPr indent="-317500" marL="914400" rtl="0" lvl="1">
+              <a:buClr>
+                <a:srgbClr val="000000"/>
+              </a:buClr>
+              <a:buSzPct val="127272"/>
+              <a:buFont typeface="Arial"/>
+              <a:buAutoNum type="alphaLcPeriod"/>
+            </a:pPr>
+            <a:r>
+              <a:rPr lang="en"/>
+              <a:t>Show one file is added and another is in the directory but not added</a:t>
+            </a:r>
+          </a:p>
+          <a:p>
+            <a:pPr indent="-317500" marL="457200" rtl="0" lvl="0">
+              <a:buClr>
+                <a:srgbClr val="000000"/>
+              </a:buClr>
+              <a:buSzPct val="127272"/>
+              <a:buFont typeface="Arial"/>
+              <a:buAutoNum type="arabicPeriod"/>
+            </a:pPr>
+            <a:r>
+              <a:rPr lang="en"/>
+              <a:t>$git add . </a:t>
+            </a:r>
+          </a:p>
+          <a:p>
+            <a:pPr indent="-317500" marL="457200" rtl="0" lvl="0">
+              <a:buClr>
+                <a:srgbClr val="000000"/>
+              </a:buClr>
+              <a:buSzPct val="127272"/>
+              <a:buFont typeface="Arial"/>
+              <a:buAutoNum type="arabicPeriod"/>
+            </a:pPr>
+            <a:r>
+              <a:rPr lang="en"/>
+              <a:t>$git commit -m "Initial Commit"</a:t>
+            </a:r>
+          </a:p>
+          <a:p>
+            <a:pPr indent="-317500" marL="914400" rtl="0" lvl="1">
+              <a:buClr>
+                <a:srgbClr val="000000"/>
+              </a:buClr>
+              <a:buSzPct val="127272"/>
+              <a:buFont typeface="Arial"/>
+              <a:buAutoNum type="alphaLcPeriod"/>
+            </a:pPr>
+            <a:r>
+              <a:rPr lang="en"/>
+              <a:t>Explain that commit messages should be fairly short and descriptive</a:t>
+            </a:r>
+          </a:p>
+          <a:p>
+            <a:pPr indent="-317500" marL="457200" rtl="0" lvl="0">
+              <a:buClr>
+                <a:srgbClr val="000000"/>
+              </a:buClr>
+              <a:buSzPct val="127272"/>
+              <a:buFont typeface="Arial"/>
+              <a:buAutoNum type="arabicPeriod"/>
+            </a:pPr>
+            <a:r>
+              <a:rPr lang="en"/>
+              <a:t>Add an extra file that we don't want to track like a .project file</a:t>
+            </a:r>
+          </a:p>
+          <a:p>
+            <a:pPr indent="-317500" marL="914400" rtl="0" lvl="1">
+              <a:buClr>
+                <a:srgbClr val="000000"/>
+              </a:buClr>
+              <a:buSzPct val="127272"/>
+              <a:buFont typeface="Arial"/>
+              <a:buAutoNum type="alphaLcPeriod"/>
+            </a:pPr>
+            <a:r>
+              <a:rPr lang="en"/>
+              <a:t>Show how to untrack the file</a:t>
+            </a:r>
+          </a:p>
+          <a:p>
+            <a:pPr indent="-317500" marL="457200" rtl="0" lvl="0">
+              <a:buClr>
+                <a:srgbClr val="000000"/>
+              </a:buClr>
+              <a:buSzPct val="127272"/>
+              <a:buFont typeface="Arial"/>
+              <a:buAutoNum type="arabicPeriod"/>
+            </a:pPr>
+            <a:r>
+              <a:rPr lang="en"/>
+              <a:t>$git rm </a:t>
             </a:r>
           </a:p>
         </p:txBody>
@@ -1854,7 +3909,7 @@
   <p:cSld>
     <p:spTree>
       <p:nvGrpSpPr>
-        <p:cNvPr name="Shape 77" id="77"/>
+        <p:cNvPr name="Shape 78" id="78"/>
         <p:cNvGrpSpPr/>
         <p:nvPr/>
       </p:nvGrpSpPr>
@@ -1868,7 +3923,7 @@
       </p:grpSpPr>
       <p:sp>
         <p:nvSpPr>
-          <p:cNvPr name="Shape 78" id="78"/>
+          <p:cNvPr name="Shape 79" id="79"/>
           <p:cNvSpPr/>
           <p:nvPr>
             <p:ph type="sldImg" idx="2"/>
@@ -1902,7 +3957,7 @@
       </p:sp>
       <p:sp>
         <p:nvSpPr>
-          <p:cNvPr name="Shape 79" id="79"/>
+          <p:cNvPr name="Shape 80" id="80"/>
           <p:cNvSpPr txBox="1"/>
           <p:nvPr>
             <p:ph type="body" idx="1"/>
@@ -1924,30 +3979,6 @@
           <a:lstStyle/>
           <a:p>
             <a:pPr rtl="0" lvl="0">
-              <a:buClr>
-                <a:srgbClr val="000000"/>
-              </a:buClr>
-              <a:buSzPct val="100000"/>
-              <a:buFont typeface="Arial"/>
-              <a:buNone/>
-            </a:pPr>
-            <a:r>
-              <a:rPr lang="en"/>
-              <a:t>Note: When creating a local branch you'll want to set the upstream branch to track: 'git branch --set-upstream screenshots origin/screenshots'</a:t>
-            </a:r>
-          </a:p>
-          <a:p>
-            <a:r>
-              <a:t/>
-            </a:r>
-          </a:p>
-          <a:p>
-            <a:pPr rtl="0" lvl="0">
-              <a:buClr>
-                <a:srgbClr val="000000"/>
-              </a:buClr>
-              <a:buSzPct val="100000"/>
-              <a:buFont typeface="Arial"/>
               <a:buNone/>
             </a:pPr>
             <a:r>
@@ -1956,230 +3987,236 @@
             </a:r>
             <a:r>
               <a:rPr lang="en"/>
-              <a:t>A git branch takes a snapshot of your present code and then allows you to make changes without the code at the time you create the branch. When you are done working in a branch you can switch to another branch and if necessary, merge the changes together. In Drupal branches are often used when you are trying to create a patch for a module or core issue. </a:t>
-            </a:r>
-          </a:p>
-          <a:p>
-            <a:r>
-              <a:t/>
-            </a:r>
-          </a:p>
-          <a:p>
-            <a:pPr rtl="0" lvl="0">
+              <a:t>To get started with git we need to learn about the following tasks. We are going to take you through a simple project that we have setup on GitHub. </a:t>
+            </a:r>
+          </a:p>
+          <a:p>
+            <a:r>
+              <a:t/>
+            </a:r>
+          </a:p>
+          <a:p>
+            <a:pPr rtl="0" lvl="0">
+              <a:buNone/>
+            </a:pPr>
+            <a:r>
+              <a:rPr lang="en" b="1"/>
+              <a:t>Switch to Terminal</a:t>
+            </a:r>
+          </a:p>
+          <a:p>
+            <a:r>
+              <a:t/>
+            </a:r>
+          </a:p>
+          <a:p>
+            <a:pPr indent="-317500" marL="457200" rtl="0" lvl="0">
               <a:buClr>
                 <a:srgbClr val="000000"/>
               </a:buClr>
-              <a:buSzPct val="100000"/>
-              <a:buFont typeface="Arial"/>
-              <a:buNone/>
-            </a:pPr>
-            <a:r>
-              <a:rPr lang="en" b="1"/>
-              <a:t>Max: </a:t>
-            </a:r>
-            <a:r>
-              <a:rPr lang="en"/>
-              <a:t>To create a new branch, first make sure the branch you are currently on has no outstanding commits, or staged files. </a:t>
-            </a:r>
-          </a:p>
-          <a:p>
-            <a:r>
-              <a:t/>
-            </a:r>
-          </a:p>
-          <a:p>
-            <a:pPr rtl="0" lvl="0">
+              <a:buSzPct val="127272"/>
+              <a:buFont typeface="Arial"/>
+              <a:buAutoNum type="arabicPeriod"/>
+            </a:pPr>
+            <a:r>
+              <a:rPr lang="en"/>
+              <a:t>Make a new folder for the project and go into it.</a:t>
+            </a:r>
+          </a:p>
+          <a:p>
+            <a:pPr indent="-317500" marL="457200" rtl="0" lvl="0">
               <a:buClr>
                 <a:srgbClr val="000000"/>
               </a:buClr>
-              <a:buSzPct val="100000"/>
-              <a:buFont typeface="Arial"/>
-              <a:buNone/>
-            </a:pPr>
-            <a:r>
-              <a:rPr lang="en"/>
-              <a:t>	$ git status</a:t>
-            </a:r>
-          </a:p>
-          <a:p>
-            <a:r>
-              <a:t/>
-            </a:r>
-          </a:p>
-          <a:p>
-            <a:pPr rtl="0" lvl="0">
+              <a:buSzPct val="127272"/>
+              <a:buFont typeface="Arial"/>
+              <a:buAutoNum type="arabicPeriod"/>
+            </a:pPr>
+            <a:r>
+              <a:rPr lang="en"/>
+              <a:t>Create a new repository 	 $ git init</a:t>
+            </a:r>
+          </a:p>
+          <a:p>
+            <a:pPr indent="-317500" marL="457200" rtl="0" lvl="0">
               <a:buClr>
                 <a:srgbClr val="000000"/>
               </a:buClr>
-              <a:buSzPct val="100000"/>
-              <a:buFont typeface="Arial"/>
-              <a:buNone/>
-            </a:pPr>
-            <a:r>
-              <a:rPr lang="en"/>
-              <a:t>If there are changes, make sure to commit the changes before proceeding. </a:t>
-            </a:r>
-          </a:p>
-          <a:p>
-            <a:r>
-              <a:t/>
-            </a:r>
-          </a:p>
-          <a:p>
-            <a:pPr rtl="0" lvl="0">
+              <a:buSzPct val="127272"/>
+              <a:buFont typeface="Arial"/>
+              <a:buAutoNum type="arabicPeriod"/>
+            </a:pPr>
+            <a:r>
+              <a:rPr lang="en"/>
+              <a:t>Add the HTML5 starter template file into the project folder. </a:t>
+            </a:r>
+          </a:p>
+          <a:p>
+            <a:pPr indent="-317500" marL="457200" rtl="0" lvl="0">
               <a:buClr>
                 <a:srgbClr val="000000"/>
               </a:buClr>
-              <a:buSzPct val="100000"/>
-              <a:buFont typeface="Arial"/>
-              <a:buNone/>
-            </a:pPr>
-            <a:r>
-              <a:rPr lang="en"/>
-              <a:t>$ git commit . -am "Change description."</a:t>
-            </a:r>
-          </a:p>
-          <a:p>
-            <a:r>
-              <a:t/>
-            </a:r>
-          </a:p>
-          <a:p>
-            <a:pPr rtl="0" lvl="0">
+              <a:buSzPct val="127272"/>
+              <a:buFont typeface="Arial"/>
+              <a:buAutoNum type="arabicPeriod"/>
+            </a:pPr>
+            <a:r>
+              <a:rPr lang="en"/>
+              <a:t>Add a stylesheet file to the project folder.</a:t>
+            </a:r>
+          </a:p>
+          <a:p>
+            <a:pPr indent="-317500" marL="457200" rtl="0" lvl="0">
               <a:buClr>
                 <a:srgbClr val="000000"/>
               </a:buClr>
-              <a:buSzPct val="100000"/>
-              <a:buFont typeface="Arial"/>
-              <a:buNone/>
-            </a:pPr>
-            <a:r>
-              <a:rPr lang="en"/>
-              <a:t>The shorthand for creating a branch and automatically switching to it is </a:t>
-            </a:r>
-          </a:p>
-          <a:p>
-            <a:r>
-              <a:t/>
-            </a:r>
-          </a:p>
-          <a:p>
-            <a:pPr rtl="0" lvl="0">
+              <a:buSzPct val="127272"/>
+              <a:buFont typeface="Arial"/>
+              <a:buAutoNum type="arabicPeriod"/>
+            </a:pPr>
+            <a:r>
+              <a:rPr lang="en"/>
+              <a:t>$git status</a:t>
+            </a:r>
+          </a:p>
+          <a:p>
+            <a:pPr indent="-317500" marL="914400" rtl="0" lvl="1">
               <a:buClr>
                 <a:srgbClr val="000000"/>
               </a:buClr>
-              <a:buSzPct val="100000"/>
-              <a:buFont typeface="Arial"/>
-              <a:buNone/>
-            </a:pPr>
-            <a:r>
-              <a:rPr lang="en"/>
-              <a:t>$ git checkout -b branchName</a:t>
-            </a:r>
-          </a:p>
-          <a:p>
-            <a:r>
-              <a:t/>
-            </a:r>
-          </a:p>
-          <a:p>
-            <a:pPr rtl="0" lvl="0">
+              <a:buSzPct val="127272"/>
+              <a:buFont typeface="Arial"/>
+              <a:buAutoNum type="alphaLcPeriod"/>
+            </a:pPr>
+            <a:r>
+              <a:rPr lang="en"/>
+              <a:t>Discuss what the status screen is saying</a:t>
+            </a:r>
+          </a:p>
+          <a:p>
+            <a:pPr indent="-317500" marL="457200" rtl="0" lvl="0">
               <a:buClr>
                 <a:srgbClr val="000000"/>
               </a:buClr>
-              <a:buSzPct val="100000"/>
-              <a:buFont typeface="Arial"/>
-              <a:buNone/>
-            </a:pPr>
-            <a:r>
-              <a:rPr lang="en"/>
-              <a:t>Once you do this the filesystem is now aware of the newly checked out branch and not your previous branch. As you make changes in this code you are diverging from the master branch. </a:t>
-            </a:r>
-          </a:p>
-          <a:p>
-            <a:r>
-              <a:t/>
-            </a:r>
-          </a:p>
-          <a:p>
-            <a:pPr rtl="0" lvl="0">
+              <a:buSzPct val="127272"/>
+              <a:buFont typeface="Arial"/>
+              <a:buAutoNum type="arabicPeriod"/>
+            </a:pPr>
+            <a:r>
+              <a:rPr lang="en"/>
+              <a:t>$git add filename</a:t>
+            </a:r>
+          </a:p>
+          <a:p>
+            <a:pPr indent="-317500" marL="457200" rtl="0" lvl="0">
               <a:buClr>
                 <a:srgbClr val="000000"/>
               </a:buClr>
-              <a:buSzPct val="100000"/>
-              <a:buFont typeface="Arial"/>
-              <a:buNone/>
-            </a:pPr>
-            <a:r>
-              <a:rPr lang="en"/>
-              <a:t>You can switch back to the master or another branch at any time. To see the differences between branches you will want to use a diff tool if the changes are more than a few lines of code. </a:t>
-            </a:r>
-          </a:p>
-          <a:p>
-            <a:r>
-              <a:t/>
-            </a:r>
-          </a:p>
-          <a:p>
-            <a:pPr rtl="0" lvl="0">
+              <a:buSzPct val="127272"/>
+              <a:buFont typeface="Arial"/>
+              <a:buAutoNum type="arabicPeriod"/>
+            </a:pPr>
+            <a:r>
+              <a:rPr lang="en"/>
+              <a:t>$git status</a:t>
+            </a:r>
+          </a:p>
+          <a:p>
+            <a:pPr indent="-317500" marL="914400" rtl="0" lvl="1">
               <a:buClr>
                 <a:srgbClr val="000000"/>
               </a:buClr>
-              <a:buSzPct val="100000"/>
-              <a:buFont typeface="Arial"/>
-              <a:buNone/>
-            </a:pPr>
-            <a:r>
-              <a:rPr lang="en"/>
-              <a:t>To delete a branch simply use -d to remove the branch. -D will force remove it.</a:t>
-            </a:r>
-          </a:p>
-          <a:p>
-            <a:r>
-              <a:t/>
-            </a:r>
-          </a:p>
-          <a:p>
-            <a:pPr rtl="0" lvl="0">
+              <a:buSzPct val="127272"/>
+              <a:buFont typeface="Arial"/>
+              <a:buAutoNum type="alphaLcPeriod"/>
+            </a:pPr>
+            <a:r>
+              <a:rPr lang="en"/>
+              <a:t>Show one file is added and another is in the directory but not added</a:t>
+            </a:r>
+          </a:p>
+          <a:p>
+            <a:pPr indent="-317500" marL="457200" rtl="0" lvl="0">
               <a:buClr>
                 <a:srgbClr val="000000"/>
               </a:buClr>
-              <a:buSzPct val="100000"/>
-              <a:buFont typeface="Arial"/>
-              <a:buNone/>
-            </a:pPr>
-            <a:r>
-              <a:rPr lang="en"/>
-              <a:t>$git checkout -d branchName</a:t>
-            </a:r>
-          </a:p>
-          <a:p>
-            <a:r>
-              <a:t/>
-            </a:r>
-          </a:p>
-          <a:p>
-            <a:pPr rtl="0" lvl="0">
+              <a:buSzPct val="127272"/>
+              <a:buFont typeface="Arial"/>
+              <a:buAutoNum type="arabicPeriod"/>
+            </a:pPr>
+            <a:r>
+              <a:rPr lang="en"/>
+              <a:t>$git add . </a:t>
+            </a:r>
+          </a:p>
+          <a:p>
+            <a:pPr indent="-317500" marL="457200" rtl="0" lvl="0">
               <a:buClr>
                 <a:srgbClr val="000000"/>
               </a:buClr>
-              <a:buSzPct val="100000"/>
-              <a:buFont typeface="Arial"/>
-              <a:buNone/>
-            </a:pPr>
-            <a:r>
-              <a:rPr lang="en" b="1"/>
-              <a:t>Next Slide</a:t>
-            </a:r>
-          </a:p>
-          <a:p>
-            <a:r>
-              <a:t/>
-            </a:r>
-          </a:p>
-          <a:p>
-            <a:r>
-              <a:t/>
+              <a:buSzPct val="127272"/>
+              <a:buFont typeface="Arial"/>
+              <a:buAutoNum type="arabicPeriod"/>
+            </a:pPr>
+            <a:r>
+              <a:rPr lang="en"/>
+              <a:t>$git commit -m "Initial Commit"</a:t>
+            </a:r>
+          </a:p>
+          <a:p>
+            <a:pPr indent="-317500" marL="914400" rtl="0" lvl="1">
+              <a:buClr>
+                <a:srgbClr val="000000"/>
+              </a:buClr>
+              <a:buSzPct val="127272"/>
+              <a:buFont typeface="Arial"/>
+              <a:buAutoNum type="alphaLcPeriod"/>
+            </a:pPr>
+            <a:r>
+              <a:rPr lang="en"/>
+              <a:t>Explain that commit messages should be fairly short and descriptive</a:t>
+            </a:r>
+          </a:p>
+          <a:p>
+            <a:pPr indent="-317500" marL="457200" rtl="0" lvl="0">
+              <a:buClr>
+                <a:srgbClr val="000000"/>
+              </a:buClr>
+              <a:buSzPct val="127272"/>
+              <a:buFont typeface="Arial"/>
+              <a:buAutoNum type="arabicPeriod"/>
+            </a:pPr>
+            <a:r>
+              <a:rPr lang="en"/>
+              <a:t>Add an extra file that we don't want to track like a .project file</a:t>
+            </a:r>
+          </a:p>
+          <a:p>
+            <a:pPr indent="-317500" marL="914400" rtl="0" lvl="1">
+              <a:buClr>
+                <a:srgbClr val="000000"/>
+              </a:buClr>
+              <a:buSzPct val="127272"/>
+              <a:buFont typeface="Arial"/>
+              <a:buAutoNum type="alphaLcPeriod"/>
+            </a:pPr>
+            <a:r>
+              <a:rPr lang="en"/>
+              <a:t>Show how to untrack the file</a:t>
+            </a:r>
+          </a:p>
+          <a:p>
+            <a:pPr indent="-317500" marL="457200" rtl="0" lvl="0">
+              <a:buClr>
+                <a:srgbClr val="000000"/>
+              </a:buClr>
+              <a:buSzPct val="127272"/>
+              <a:buFont typeface="Arial"/>
+              <a:buAutoNum type="arabicPeriod"/>
+            </a:pPr>
+            <a:r>
+              <a:rPr lang="en"/>
+              <a:t>$git rm </a:t>
             </a:r>
           </a:p>
         </p:txBody>
@@ -2197,7 +4234,7 @@
   <p:cSld>
     <p:spTree>
       <p:nvGrpSpPr>
-        <p:cNvPr name="Shape 84" id="84"/>
+        <p:cNvPr name="Shape 86" id="86"/>
         <p:cNvGrpSpPr/>
         <p:nvPr/>
       </p:nvGrpSpPr>
@@ -2211,7 +4248,7 @@
       </p:grpSpPr>
       <p:sp>
         <p:nvSpPr>
-          <p:cNvPr name="Shape 85" id="85"/>
+          <p:cNvPr name="Shape 87" id="87"/>
           <p:cNvSpPr/>
           <p:nvPr>
             <p:ph type="sldImg" idx="2"/>
@@ -2245,7 +4282,7 @@
       </p:sp>
       <p:sp>
         <p:nvSpPr>
-          <p:cNvPr name="Shape 86" id="86"/>
+          <p:cNvPr name="Shape 88" id="88"/>
           <p:cNvSpPr txBox="1"/>
           <p:nvPr>
             <p:ph type="body" idx="1"/>
@@ -2275,119 +4312,236 @@
             </a:r>
             <a:r>
               <a:rPr lang="en"/>
-              <a:t>A diff is a comparison between two files which shows the differences. Using git you can merge the changes between a file on different branches. You sometimes need to do when moving your changes into a branch that has been updated.</a:t>
-            </a:r>
-          </a:p>
-          <a:p>
-            <a:r>
-              <a:t/>
-            </a:r>
-          </a:p>
-          <a:p>
-            <a:pPr rtl="0" lvl="0">
-              <a:buNone/>
-            </a:pPr>
-            <a:r>
-              <a:rPr lang="en"/>
-              <a:t>$ git diff </a:t>
-            </a:r>
-          </a:p>
-          <a:p>
-            <a:r>
-              <a:t/>
-            </a:r>
-          </a:p>
-          <a:p>
-            <a:pPr rtl="0" lvl="0">
-              <a:buNone/>
-            </a:pPr>
-            <a:r>
-              <a:rPr lang="en"/>
-              <a:t>with no options will show the differences between the files that are not yet staged.</a:t>
-            </a:r>
-          </a:p>
-          <a:p>
-            <a:r>
-              <a:t/>
-            </a:r>
-          </a:p>
-          <a:p>
-            <a:pPr rtl="0" lvl="0">
-              <a:buNone/>
-            </a:pPr>
-            <a:r>
-              <a:rPr lang="en"/>
-              <a:t>$ git dff --staged </a:t>
-            </a:r>
-          </a:p>
-          <a:p>
-            <a:r>
-              <a:t/>
-            </a:r>
-          </a:p>
-          <a:p>
-            <a:pPr rtl="0" lvl="0">
-              <a:buNone/>
-            </a:pPr>
-            <a:r>
-              <a:rPr lang="en"/>
-              <a:t>shows the diff of files that have been staged.</a:t>
-            </a:r>
-          </a:p>
-          <a:p>
-            <a:r>
-              <a:t/>
-            </a:r>
-          </a:p>
-          <a:p>
-            <a:pPr rtl="0" lvl="0">
-              <a:buNone/>
-            </a:pPr>
-            <a:r>
-              <a:rPr lang="en"/>
-              <a:t>$git diff hash1 hash2 </a:t>
-            </a:r>
-          </a:p>
-          <a:p>
-            <a:r>
-              <a:t/>
-            </a:r>
-          </a:p>
-          <a:p>
-            <a:pPr rtl="0" lvl="0">
-              <a:buNone/>
-            </a:pPr>
-            <a:r>
-              <a:rPr lang="en"/>
-              <a:t>will show the difference between the two commits specified by the hash. --stat will give you the stats and not the diff.</a:t>
-            </a:r>
-          </a:p>
-          <a:p>
-            <a:r>
-              <a:t/>
-            </a:r>
-          </a:p>
-          <a:p>
-            <a:pPr rtl="0" lvl="0">
-              <a:buNone/>
-            </a:pPr>
-            <a:r>
-              <a:rPr lang="en"/>
-              <a:t>The default diff tool can be a bit clunky. I prefer to use diffmerge. </a:t>
-            </a:r>
-          </a:p>
-          <a:p>
-            <a:r>
-              <a:t/>
-            </a:r>
-          </a:p>
-          <a:p>
-            <a:pPr>
+              <a:t>To get started with git we need to learn about the following tasks. We are going to take you through a simple project that we have setup on GitHub. </a:t>
+            </a:r>
+          </a:p>
+          <a:p>
+            <a:r>
+              <a:t/>
+            </a:r>
+          </a:p>
+          <a:p>
+            <a:pPr rtl="0" lvl="0">
               <a:buNone/>
             </a:pPr>
             <a:r>
               <a:rPr lang="en" b="1"/>
-              <a:t>Next slide.</a:t>
+              <a:t>Switch to Terminal</a:t>
+            </a:r>
+          </a:p>
+          <a:p>
+            <a:r>
+              <a:t/>
+            </a:r>
+          </a:p>
+          <a:p>
+            <a:pPr indent="-317500" marL="457200" rtl="0" lvl="0">
+              <a:buClr>
+                <a:srgbClr val="000000"/>
+              </a:buClr>
+              <a:buSzPct val="127272"/>
+              <a:buFont typeface="Arial"/>
+              <a:buAutoNum type="arabicPeriod"/>
+            </a:pPr>
+            <a:r>
+              <a:rPr lang="en"/>
+              <a:t>Make a new folder for the project and go into it.</a:t>
+            </a:r>
+          </a:p>
+          <a:p>
+            <a:pPr indent="-317500" marL="457200" rtl="0" lvl="0">
+              <a:buClr>
+                <a:srgbClr val="000000"/>
+              </a:buClr>
+              <a:buSzPct val="127272"/>
+              <a:buFont typeface="Arial"/>
+              <a:buAutoNum type="arabicPeriod"/>
+            </a:pPr>
+            <a:r>
+              <a:rPr lang="en"/>
+              <a:t>Create a new repository 	 $ git init</a:t>
+            </a:r>
+          </a:p>
+          <a:p>
+            <a:pPr indent="-317500" marL="457200" rtl="0" lvl="0">
+              <a:buClr>
+                <a:srgbClr val="000000"/>
+              </a:buClr>
+              <a:buSzPct val="127272"/>
+              <a:buFont typeface="Arial"/>
+              <a:buAutoNum type="arabicPeriod"/>
+            </a:pPr>
+            <a:r>
+              <a:rPr lang="en"/>
+              <a:t>Add the HTML5 starter template file into the project folder. </a:t>
+            </a:r>
+          </a:p>
+          <a:p>
+            <a:pPr indent="-317500" marL="457200" rtl="0" lvl="0">
+              <a:buClr>
+                <a:srgbClr val="000000"/>
+              </a:buClr>
+              <a:buSzPct val="127272"/>
+              <a:buFont typeface="Arial"/>
+              <a:buAutoNum type="arabicPeriod"/>
+            </a:pPr>
+            <a:r>
+              <a:rPr lang="en"/>
+              <a:t>Add a stylesheet file to the project folder.</a:t>
+            </a:r>
+          </a:p>
+          <a:p>
+            <a:pPr indent="-317500" marL="457200" rtl="0" lvl="0">
+              <a:buClr>
+                <a:srgbClr val="000000"/>
+              </a:buClr>
+              <a:buSzPct val="127272"/>
+              <a:buFont typeface="Arial"/>
+              <a:buAutoNum type="arabicPeriod"/>
+            </a:pPr>
+            <a:r>
+              <a:rPr lang="en"/>
+              <a:t>$git status</a:t>
+            </a:r>
+          </a:p>
+          <a:p>
+            <a:pPr indent="-317500" marL="914400" rtl="0" lvl="1">
+              <a:buClr>
+                <a:srgbClr val="000000"/>
+              </a:buClr>
+              <a:buSzPct val="127272"/>
+              <a:buFont typeface="Arial"/>
+              <a:buAutoNum type="alphaLcPeriod"/>
+            </a:pPr>
+            <a:r>
+              <a:rPr lang="en"/>
+              <a:t>Discuss what the status screen is saying</a:t>
+            </a:r>
+          </a:p>
+          <a:p>
+            <a:pPr indent="-317500" marL="457200" rtl="0" lvl="0">
+              <a:buClr>
+                <a:srgbClr val="000000"/>
+              </a:buClr>
+              <a:buSzPct val="127272"/>
+              <a:buFont typeface="Arial"/>
+              <a:buAutoNum type="arabicPeriod"/>
+            </a:pPr>
+            <a:r>
+              <a:rPr lang="en"/>
+              <a:t>$git add filename</a:t>
+            </a:r>
+          </a:p>
+          <a:p>
+            <a:pPr indent="-317500" marL="457200" rtl="0" lvl="0">
+              <a:buClr>
+                <a:srgbClr val="000000"/>
+              </a:buClr>
+              <a:buSzPct val="127272"/>
+              <a:buFont typeface="Arial"/>
+              <a:buAutoNum type="arabicPeriod"/>
+            </a:pPr>
+            <a:r>
+              <a:rPr lang="en"/>
+              <a:t>$git status</a:t>
+            </a:r>
+          </a:p>
+          <a:p>
+            <a:pPr indent="-317500" marL="914400" rtl="0" lvl="1">
+              <a:buClr>
+                <a:srgbClr val="000000"/>
+              </a:buClr>
+              <a:buSzPct val="127272"/>
+              <a:buFont typeface="Arial"/>
+              <a:buAutoNum type="alphaLcPeriod"/>
+            </a:pPr>
+            <a:r>
+              <a:rPr lang="en"/>
+              <a:t>Show one file is added and another is in the directory but not added</a:t>
+            </a:r>
+          </a:p>
+          <a:p>
+            <a:pPr indent="-317500" marL="457200" rtl="0" lvl="0">
+              <a:buClr>
+                <a:srgbClr val="000000"/>
+              </a:buClr>
+              <a:buSzPct val="127272"/>
+              <a:buFont typeface="Arial"/>
+              <a:buAutoNum type="arabicPeriod"/>
+            </a:pPr>
+            <a:r>
+              <a:rPr lang="en"/>
+              <a:t>$git add . </a:t>
+            </a:r>
+          </a:p>
+          <a:p>
+            <a:pPr indent="-317500" marL="457200" rtl="0" lvl="0">
+              <a:buClr>
+                <a:srgbClr val="000000"/>
+              </a:buClr>
+              <a:buSzPct val="127272"/>
+              <a:buFont typeface="Arial"/>
+              <a:buAutoNum type="arabicPeriod"/>
+            </a:pPr>
+            <a:r>
+              <a:rPr lang="en"/>
+              <a:t>$git commit -m "Initial Commit"</a:t>
+            </a:r>
+          </a:p>
+          <a:p>
+            <a:pPr indent="-317500" marL="914400" rtl="0" lvl="1">
+              <a:buClr>
+                <a:srgbClr val="000000"/>
+              </a:buClr>
+              <a:buSzPct val="127272"/>
+              <a:buFont typeface="Arial"/>
+              <a:buAutoNum type="alphaLcPeriod"/>
+            </a:pPr>
+            <a:r>
+              <a:rPr lang="en"/>
+              <a:t>Explain that commit messages should be fairly short and descriptive</a:t>
+            </a:r>
+          </a:p>
+          <a:p>
+            <a:pPr indent="-317500" marL="457200" rtl="0" lvl="0">
+              <a:buClr>
+                <a:srgbClr val="000000"/>
+              </a:buClr>
+              <a:buSzPct val="127272"/>
+              <a:buFont typeface="Arial"/>
+              <a:buAutoNum type="arabicPeriod"/>
+            </a:pPr>
+            <a:r>
+              <a:rPr lang="en"/>
+              <a:t>Add an extra file that we don't want to track like a .project file</a:t>
+            </a:r>
+          </a:p>
+          <a:p>
+            <a:pPr indent="-317500" marL="914400" rtl="0" lvl="1">
+              <a:buClr>
+                <a:srgbClr val="000000"/>
+              </a:buClr>
+              <a:buSzPct val="127272"/>
+              <a:buFont typeface="Arial"/>
+              <a:buAutoNum type="alphaLcPeriod"/>
+            </a:pPr>
+            <a:r>
+              <a:rPr lang="en"/>
+              <a:t>Show how to untrack the file</a:t>
+            </a:r>
+          </a:p>
+          <a:p>
+            <a:pPr indent="-317500" marL="457200" rtl="0" lvl="0">
+              <a:buClr>
+                <a:srgbClr val="000000"/>
+              </a:buClr>
+              <a:buSzPct val="127272"/>
+              <a:buFont typeface="Arial"/>
+              <a:buAutoNum type="arabicPeriod"/>
+            </a:pPr>
+            <a:r>
+              <a:rPr lang="en"/>
+              <a:t>$git rm </a:t>
             </a:r>
           </a:p>
         </p:txBody>
@@ -2405,7 +4559,7 @@
   <p:cSld>
     <p:spTree>
       <p:nvGrpSpPr>
-        <p:cNvPr name="Shape 91" id="91"/>
+        <p:cNvPr name="Shape 96" id="96"/>
         <p:cNvGrpSpPr/>
         <p:nvPr/>
       </p:nvGrpSpPr>
@@ -2419,7 +4573,7 @@
       </p:grpSpPr>
       <p:sp>
         <p:nvSpPr>
-          <p:cNvPr name="Shape 92" id="92"/>
+          <p:cNvPr name="Shape 97" id="97"/>
           <p:cNvSpPr/>
           <p:nvPr>
             <p:ph type="sldImg" idx="2"/>
@@ -2453,7 +4607,7 @@
       </p:sp>
       <p:sp>
         <p:nvSpPr>
-          <p:cNvPr name="Shape 93" id="93"/>
+          <p:cNvPr name="Shape 98" id="98"/>
           <p:cNvSpPr txBox="1"/>
           <p:nvPr>
             <p:ph type="body" idx="1"/>
@@ -2479,39 +4633,25 @@
             </a:pPr>
             <a:r>
               <a:rPr lang="en" b="1"/>
-              <a:t>Max: </a:t>
-            </a:r>
-            <a:r>
-              <a:rPr lang="en"/>
-              <a:t>Now that you can create branches and generate diffs patches can make some sense. Patches in git simply identify files and then make changes to them. Patches are convenient because you can be working in a branch and then diff your branch against the production branch to create a patch. Now anyone else with the same production branch can apply the patch over a myriad of files. No need to make changes by hand. </a:t>
-            </a:r>
-          </a:p>
-          <a:p>
-            <a:r>
-              <a:t/>
-            </a:r>
-          </a:p>
-          <a:p>
-            <a:pPr rtl="0" lvl="0">
-              <a:buNone/>
-            </a:pPr>
-            <a:r>
-              <a:rPr lang="en"/>
-              <a:t>To create a patch (The Drupal Way http://drupal.org/node/707484):</a:t>
-            </a:r>
-          </a:p>
-          <a:p>
-            <a:r>
-              <a:t/>
-            </a:r>
-          </a:p>
-          <a:p>
-            <a:pPr rtl="0" lvl="0">
-              <a:buNone/>
-            </a:pPr>
-            <a:r>
-              <a:rPr lang="en"/>
-              <a:t>(Make a patch from alternatestyle to styles)</a:t>
+              <a:t>Vid: </a:t>
+            </a:r>
+            <a:r>
+              <a:rPr lang="en"/>
+              <a:t>To get started with git we need to learn about the following tasks. We are going to take you through a simple project that we have setup on GitHub. </a:t>
+            </a:r>
+          </a:p>
+          <a:p>
+            <a:r>
+              <a:t/>
+            </a:r>
+          </a:p>
+          <a:p>
+            <a:pPr rtl="0" lvl="0">
+              <a:buNone/>
+            </a:pPr>
+            <a:r>
+              <a:rPr lang="en" b="1"/>
+              <a:t>Switch to Terminal</a:t>
             </a:r>
           </a:p>
           <a:p>
@@ -2530,7 +4670,7 @@
             </a:pPr>
             <a:r>
               <a:rPr lang="en"/>
-              <a:t>Ensure you have the latest version of the code you wish to create a patch for.</a:t>
+              <a:t>Make a new folder for the project and go into it.</a:t>
             </a:r>
           </a:p>
           <a:p>
@@ -2544,7 +4684,49 @@
             </a:pPr>
             <a:r>
               <a:rPr lang="en"/>
-              <a:t>Create a new branch with the following format. $ git branch [IssueNumber]-[IssueDescription]</a:t>
+              <a:t>Create a new repository 	 $ git init</a:t>
+            </a:r>
+          </a:p>
+          <a:p>
+            <a:pPr indent="-317500" marL="457200" rtl="0" lvl="0">
+              <a:buClr>
+                <a:srgbClr val="000000"/>
+              </a:buClr>
+              <a:buSzPct val="127272"/>
+              <a:buFont typeface="Arial"/>
+              <a:buAutoNum type="arabicPeriod"/>
+            </a:pPr>
+            <a:r>
+              <a:rPr lang="en"/>
+              <a:t>Add the HTML5 starter template file into the project folder. </a:t>
+            </a:r>
+          </a:p>
+          <a:p>
+            <a:pPr indent="-317500" marL="457200" rtl="0" lvl="0">
+              <a:buClr>
+                <a:srgbClr val="000000"/>
+              </a:buClr>
+              <a:buSzPct val="127272"/>
+              <a:buFont typeface="Arial"/>
+              <a:buAutoNum type="arabicPeriod"/>
+            </a:pPr>
+            <a:r>
+              <a:rPr lang="en"/>
+              <a:t>Add a stylesheet file to the project folder.</a:t>
+            </a:r>
+          </a:p>
+          <a:p>
+            <a:pPr indent="-317500" marL="457200" rtl="0" lvl="0">
+              <a:buClr>
+                <a:srgbClr val="000000"/>
+              </a:buClr>
+              <a:buSzPct val="127272"/>
+              <a:buFont typeface="Arial"/>
+              <a:buAutoNum type="arabicPeriod"/>
+            </a:pPr>
+            <a:r>
+              <a:rPr lang="en"/>
+              <a:t>$git status</a:t>
             </a:r>
           </a:p>
           <a:p>
@@ -2558,7 +4740,7 @@
             </a:pPr>
             <a:r>
               <a:rPr lang="en"/>
-              <a:t>The issue number is the node number on drupal.org</a:t>
+              <a:t>Discuss what the status screen is saying</a:t>
             </a:r>
           </a:p>
           <a:p>
@@ -2572,7 +4754,7 @@
             </a:pPr>
             <a:r>
               <a:rPr lang="en"/>
-              <a:t>Make your changes. When you are done making the changes use diff to see the changes that will go into the main code. $ git diff branchToDiffAgainst</a:t>
+              <a:t>$git add filename</a:t>
             </a:r>
           </a:p>
           <a:p>
@@ -2586,7 +4768,21 @@
             </a:pPr>
             <a:r>
               <a:rPr lang="en"/>
-              <a:t>If everything looks good. Stage and commit your changes. $ git -am "Patch to fix issue # 123456789."</a:t>
+              <a:t>$git status</a:t>
+            </a:r>
+          </a:p>
+          <a:p>
+            <a:pPr indent="-317500" marL="914400" rtl="0" lvl="1">
+              <a:buClr>
+                <a:srgbClr val="000000"/>
+              </a:buClr>
+              <a:buSzPct val="127272"/>
+              <a:buFont typeface="Arial"/>
+              <a:buAutoNum type="alphaLcPeriod"/>
+            </a:pPr>
+            <a:r>
+              <a:rPr lang="en"/>
+              <a:t>Show one file is added and another is in the directory but not added</a:t>
             </a:r>
           </a:p>
           <a:p>
@@ -2600,246 +4796,77 @@
             </a:pPr>
             <a:r>
               <a:rPr lang="en"/>
-              <a:t>git diff branchToDiffAgainst &gt; [project_name]-[short_description]-[issue-number]-[comment-number].patch </a:t>
-            </a:r>
-          </a:p>
-          <a:p>
-            <a:pPr rtl="0" lvl="0">
-              <a:lnSpc>
-                <a:spcPct val="115000"/>
-              </a:lnSpc>
-              <a:spcBef>
-                <a:spcPts val="1400"/>
-              </a:spcBef>
-              <a:spcAft>
-                <a:spcPts val="400"/>
-              </a:spcAft>
-              <a:buNone/>
-            </a:pPr>
-            <a:r>
-              <a:rPr lang="en"/>
-              <a:t>Applying a patch:</a:t>
-            </a:r>
-          </a:p>
-          <a:p>
-            <a:r>
-              <a:t/>
-            </a:r>
-          </a:p>
-          <a:p>
-            <a:pPr indent="-298450" marL="457200" rtl="0" lvl="0">
-              <a:lnSpc>
-                <a:spcPct val="115000"/>
-              </a:lnSpc>
+              <a:t>$git add . </a:t>
+            </a:r>
+          </a:p>
+          <a:p>
+            <a:pPr indent="-317500" marL="457200" rtl="0" lvl="0">
               <a:buClr>
                 <a:srgbClr val="000000"/>
               </a:buClr>
-              <a:buSzPct val="100000"/>
+              <a:buSzPct val="127272"/>
               <a:buFont typeface="Arial"/>
               <a:buAutoNum type="arabicPeriod"/>
             </a:pPr>
             <a:r>
               <a:rPr lang="en"/>
-              <a:t>Make sure you have committed any current changes, git status should be clean.</a:t>
-            </a:r>
-          </a:p>
-          <a:p>
-            <a:pPr indent="-298450" marL="457200" rtl="0" lvl="0">
-              <a:lnSpc>
-                <a:spcPct val="115000"/>
-              </a:lnSpc>
+              <a:t>$git commit -m "Initial Commit"</a:t>
+            </a:r>
+          </a:p>
+          <a:p>
+            <a:pPr indent="-317500" marL="914400" rtl="0" lvl="1">
               <a:buClr>
                 <a:srgbClr val="000000"/>
               </a:buClr>
-              <a:buSzPct val="100000"/>
+              <a:buSzPct val="127272"/>
+              <a:buFont typeface="Arial"/>
+              <a:buAutoNum type="alphaLcPeriod"/>
+            </a:pPr>
+            <a:r>
+              <a:rPr lang="en"/>
+              <a:t>Explain that commit messages should be fairly short and descriptive</a:t>
+            </a:r>
+          </a:p>
+          <a:p>
+            <a:pPr indent="-317500" marL="457200" rtl="0" lvl="0">
+              <a:buClr>
+                <a:srgbClr val="000000"/>
+              </a:buClr>
+              <a:buSzPct val="127272"/>
               <a:buFont typeface="Arial"/>
               <a:buAutoNum type="arabicPeriod"/>
             </a:pPr>
             <a:r>
               <a:rPr lang="en"/>
-              <a:t>Download and save the file as a .patch file</a:t>
-            </a:r>
-          </a:p>
-          <a:p>
-            <a:pPr indent="-298450" marL="457200" rtl="0" lvl="0">
-              <a:lnSpc>
-                <a:spcPct val="115000"/>
-              </a:lnSpc>
+              <a:t>Add an extra file that we don't want to track like a .project file</a:t>
+            </a:r>
+          </a:p>
+          <a:p>
+            <a:pPr indent="-317500" marL="914400" rtl="0" lvl="1">
               <a:buClr>
                 <a:srgbClr val="000000"/>
               </a:buClr>
-              <a:buSzPct val="100000"/>
+              <a:buSzPct val="127272"/>
+              <a:buFont typeface="Arial"/>
+              <a:buAutoNum type="alphaLcPeriod"/>
+            </a:pPr>
+            <a:r>
+              <a:rPr lang="en"/>
+              <a:t>Show how to untrack the file</a:t>
+            </a:r>
+          </a:p>
+          <a:p>
+            <a:pPr indent="-317500" marL="457200" rtl="0" lvl="0">
+              <a:buClr>
+                <a:srgbClr val="000000"/>
+              </a:buClr>
+              <a:buSzPct val="127272"/>
               <a:buFont typeface="Arial"/>
               <a:buAutoNum type="arabicPeriod"/>
             </a:pPr>
             <a:r>
               <a:rPr lang="en"/>
-              <a:t>Navigate to the module or core system you wish to apply the patch for</a:t>
-            </a:r>
-          </a:p>
-          <a:p>
-            <a:pPr indent="-298450" marL="457200" rtl="0" lvl="0">
-              <a:lnSpc>
-                <a:spcPct val="115000"/>
-              </a:lnSpc>
-              <a:buClr>
-                <a:srgbClr val="000000"/>
-              </a:buClr>
-              <a:buSzPct val="100000"/>
-              <a:buFont typeface="Arial"/>
-              <a:buAutoNum type="arabicPeriod"/>
-            </a:pPr>
-            <a:r>
-              <a:rPr lang="en"/>
-              <a:t>Test the patch and then apply it.</a:t>
-            </a:r>
-          </a:p>
-          <a:p>
-            <a:pPr indent="-298450" marL="914400" rtl="0" lvl="1">
-              <a:lnSpc>
-                <a:spcPct val="115000"/>
-              </a:lnSpc>
-              <a:buClr>
-                <a:srgbClr val="000000"/>
-              </a:buClr>
-              <a:buSzPct val="100000"/>
-              <a:buFont typeface="Arial"/>
-              <a:buAutoNum type="alphaLcPeriod"/>
-            </a:pPr>
-            <a:r>
-              <a:rPr lang="en"/>
-              <a:t>$ git apply --check /path/to/patch</a:t>
-            </a:r>
-          </a:p>
-          <a:p>
-            <a:pPr indent="-298450" marL="914400" rtl="0" lvl="1">
-              <a:lnSpc>
-                <a:spcPct val="115000"/>
-              </a:lnSpc>
-              <a:buClr>
-                <a:srgbClr val="000000"/>
-              </a:buClr>
-              <a:buSzPct val="100000"/>
-              <a:buFont typeface="Arial"/>
-              <a:buAutoNum type="alphaLcPeriod"/>
-            </a:pPr>
-            <a:r>
-              <a:rPr lang="en"/>
-              <a:t>$ git apply -v /path/to/patch</a:t>
-            </a:r>
-          </a:p>
-          <a:p>
-            <a:pPr indent="-298450" marL="457200" rtl="0" lvl="0">
-              <a:lnSpc>
-                <a:spcPct val="115000"/>
-              </a:lnSpc>
-              <a:buClr>
-                <a:srgbClr val="000000"/>
-              </a:buClr>
-              <a:buSzPct val="100000"/>
-              <a:buFont typeface="Arial"/>
-              <a:buAutoNum type="arabicPeriod"/>
-            </a:pPr>
-            <a:r>
-              <a:rPr lang="en"/>
-              <a:t>Test the changes and if you are happy, commit the changes. If you are unhappy, discard the changes.</a:t>
-            </a:r>
-          </a:p>
-          <a:p>
-            <a:pPr indent="-298450" marL="914400" rtl="0" lvl="1">
-              <a:lnSpc>
-                <a:spcPct val="115000"/>
-              </a:lnSpc>
-              <a:buClr>
-                <a:srgbClr val="000000"/>
-              </a:buClr>
-              <a:buSzPct val="100000"/>
-              <a:buFont typeface="Arial"/>
-              <a:buAutoNum type="alphaLcPeriod"/>
-            </a:pPr>
-            <a:r>
-              <a:rPr lang="en"/>
-              <a:t>To commit the patch</a:t>
-            </a:r>
-          </a:p>
-          <a:p>
-            <a:pPr indent="-298450" marL="1371600" rtl="0" lvl="2">
-              <a:lnSpc>
-                <a:spcPct val="115000"/>
-              </a:lnSpc>
-              <a:buClr>
-                <a:srgbClr val="000000"/>
-              </a:buClr>
-              <a:buSzPct val="100000"/>
-              <a:buFont typeface="Arial"/>
-              <a:buAutoNum type="romanLcPeriod"/>
-            </a:pPr>
-            <a:r>
-              <a:rPr lang="en"/>
-              <a:t>$ git commit -m “Applied patch</a:t>
-            </a:r>
-            <a:r>
-              <a:rPr lang="en">
-                <a:hlinkClick r:id="rId2"/>
-              </a:rPr>
-              <a:t> </a:t>
-            </a:r>
-            <a:r>
-              <a:rPr lang="en" u="sng">
-                <a:solidFill>
-                  <a:srgbClr val="1155CC"/>
-                </a:solidFill>
-                <a:hlinkClick r:id="rId3"/>
-              </a:rPr>
-              <a:t>http://drupal.org/node/id</a:t>
-            </a:r>
-          </a:p>
-          <a:p>
-            <a:pPr indent="-298450" marL="914400" rtl="0" lvl="1">
-              <a:lnSpc>
-                <a:spcPct val="115000"/>
-              </a:lnSpc>
-              <a:buClr>
-                <a:srgbClr val="000000"/>
-              </a:buClr>
-              <a:buSzPct val="100000"/>
-              <a:buFont typeface="Arial"/>
-              <a:buAutoNum type="alphaLcPeriod"/>
-            </a:pPr>
-            <a:r>
-              <a:rPr lang="en"/>
-              <a:t>To discard the patch</a:t>
-            </a:r>
-          </a:p>
-          <a:p>
-            <a:pPr indent="-298450" marL="1371600" rtl="0" lvl="2">
-              <a:lnSpc>
-                <a:spcPct val="115000"/>
-              </a:lnSpc>
-              <a:buClr>
-                <a:srgbClr val="000000"/>
-              </a:buClr>
-              <a:buSzPct val="100000"/>
-              <a:buFont typeface="Arial"/>
-              <a:buAutoNum type="romanLcPeriod"/>
-            </a:pPr>
-            <a:r>
-              <a:rPr lang="en"/>
-              <a:t>$ git checkout *</a:t>
-            </a:r>
-          </a:p>
-          <a:p>
-            <a:r>
-              <a:t/>
-            </a:r>
-          </a:p>
-          <a:p>
-            <a:pPr>
-              <a:buNone/>
-            </a:pPr>
-            <a:r>
-              <a:rPr lang="en"/>
-              <a:t> </a:t>
+              <a:t>$git rm </a:t>
             </a:r>
           </a:p>
         </p:txBody>
@@ -2857,7 +4884,7 @@
   <p:cSld>
     <p:spTree>
       <p:nvGrpSpPr>
-        <p:cNvPr name="Shape 98" id="98"/>
+        <p:cNvPr name="Shape 104" id="104"/>
         <p:cNvGrpSpPr/>
         <p:nvPr/>
       </p:nvGrpSpPr>
@@ -2871,7 +4898,7 @@
       </p:grpSpPr>
       <p:sp>
         <p:nvSpPr>
-          <p:cNvPr name="Shape 99" id="99"/>
+          <p:cNvPr name="Shape 105" id="105"/>
           <p:cNvSpPr/>
           <p:nvPr>
             <p:ph type="sldImg" idx="2"/>
@@ -2905,7 +4932,7 @@
       </p:sp>
       <p:sp>
         <p:nvSpPr>
-          <p:cNvPr name="Shape 100" id="100"/>
+          <p:cNvPr name="Shape 106" id="106"/>
           <p:cNvSpPr txBox="1"/>
           <p:nvPr>
             <p:ph type="body" idx="1"/>
@@ -2931,109 +4958,222 @@
             </a:pPr>
             <a:r>
               <a:rPr lang="en" b="1"/>
-              <a:t>Vid:</a:t>
-            </a:r>
-            <a:r>
-              <a:rPr lang="en"/>
-              <a:t> Merging two branches means simply taking the changes from one branch and joining them with the other branch. Often a merge will be necessary after you created a  branch to fix an issue and you want to share that fix with the production branch. </a:t>
-            </a:r>
-          </a:p>
-          <a:p>
-            <a:r>
-              <a:t/>
-            </a:r>
-          </a:p>
-          <a:p>
-            <a:pPr rtl="0" lvl="0">
-              <a:buNone/>
-            </a:pPr>
-            <a:r>
-              <a:rPr lang="en"/>
-              <a:t>Let's say that the styles branch is deemed to be the one we want to launch with. To merge those changes we use the merge command on the branch we want to merge with. For this example lets checkout the master branch.</a:t>
-            </a:r>
-          </a:p>
-          <a:p>
-            <a:r>
-              <a:t/>
-            </a:r>
-          </a:p>
-          <a:p>
-            <a:pPr rtl="0" lvl="0">
-              <a:buNone/>
-            </a:pPr>
-            <a:r>
-              <a:rPr lang="en"/>
-              <a:t>$ git checkout master</a:t>
-            </a:r>
-          </a:p>
-          <a:p>
-            <a:r>
-              <a:t/>
-            </a:r>
-          </a:p>
-          <a:p>
-            <a:pPr rtl="0" lvl="0">
-              <a:buNone/>
-            </a:pPr>
-            <a:r>
-              <a:rPr lang="en"/>
-              <a:t>Then we identify the branch we want to merge and use the merge command. </a:t>
-            </a:r>
-          </a:p>
-          <a:p>
-            <a:r>
-              <a:t/>
-            </a:r>
-          </a:p>
-          <a:p>
-            <a:pPr rtl="0" lvl="0">
-              <a:buNone/>
-            </a:pPr>
-            <a:r>
-              <a:rPr lang="en"/>
-              <a:t>$ git merge styles</a:t>
-            </a:r>
-          </a:p>
-          <a:p>
-            <a:r>
-              <a:t/>
-            </a:r>
-          </a:p>
-          <a:p>
-            <a:pPr rtl="0" lvl="0">
-              <a:buNone/>
-            </a:pPr>
-            <a:r>
-              <a:rPr lang="en"/>
-              <a:t>You will then often see the words Fast Forward or "Merge made by recursive" and the stat of what files changed. In this case riddles.html and styles.css</a:t>
-            </a:r>
-          </a:p>
-          <a:p>
-            <a:r>
-              <a:t/>
-            </a:r>
-          </a:p>
-          <a:p>
-            <a:pPr rtl="0" lvl="0">
-              <a:buNone/>
-            </a:pPr>
-            <a:r>
-              <a:rPr lang="en" b="1"/>
-              <a:t>Basic Git Merge Conflicts:</a:t>
-            </a:r>
-          </a:p>
-          <a:p>
-            <a:r>
-              <a:t/>
-            </a:r>
-          </a:p>
-          <a:p>
-            <a:r>
-              <a:t/>
-            </a:r>
-          </a:p>
-          <a:p>
-            <a:pPr>
+              <a:t>Max: </a:t>
+            </a:r>
+            <a:r>
+              <a:rPr lang="en"/>
+              <a:t>The git log allows you to look into what has been happening in the repository. Here you will be able to see the list of commits in the project and the commit message. The command is straightforward.</a:t>
+            </a:r>
+          </a:p>
+          <a:p>
+            <a:r>
+              <a:t/>
+            </a:r>
+          </a:p>
+          <a:p>
+            <a:pPr rtl="0" lvl="0">
+              <a:buNone/>
+            </a:pPr>
+            <a:r>
+              <a:rPr lang="en"/>
+              <a:t>$git log</a:t>
+            </a:r>
+          </a:p>
+          <a:p>
+            <a:r>
+              <a:t/>
+            </a:r>
+          </a:p>
+          <a:p>
+            <a:pPr rtl="0" lvl="0">
+              <a:buNone/>
+            </a:pPr>
+            <a:r>
+              <a:rPr lang="en"/>
+              <a:t>Now, what does all of this stuff mean. The first part of what you see is the Commit Hash. This is a unique identifier for the filesystem at the time the commit was made. You can move your file system to any commit if you know the hash. </a:t>
+            </a:r>
+          </a:p>
+          <a:p>
+            <a:r>
+              <a:t/>
+            </a:r>
+          </a:p>
+          <a:p>
+            <a:pPr rtl="0" lvl="0">
+              <a:buNone/>
+            </a:pPr>
+            <a:r>
+              <a:rPr lang="en"/>
+              <a:t>The second part is the author tag that is set by each user and their email address. </a:t>
+            </a:r>
+          </a:p>
+          <a:p>
+            <a:r>
+              <a:t/>
+            </a:r>
+          </a:p>
+          <a:p>
+            <a:pPr rtl="0" lvl="0">
+              <a:buNone/>
+            </a:pPr>
+            <a:r>
+              <a:rPr lang="en"/>
+              <a:t>Third is the date down to the second for the commit. </a:t>
+            </a:r>
+            <a:r>
+              <a:rPr lang="en">
+                <a:solidFill>
+                  <a:srgbClr val="FF0000"/>
+                </a:solidFill>
+              </a:rPr>
+              <a:t>(Research more about the default date format)</a:t>
+            </a:r>
+          </a:p>
+          <a:p>
+            <a:r>
+              <a:t/>
+            </a:r>
+          </a:p>
+          <a:p>
+            <a:pPr rtl="0" lvl="0">
+              <a:buNone/>
+            </a:pPr>
+            <a:r>
+              <a:rPr lang="en"/>
+              <a:t>The 4th part is the commit message itself. </a:t>
+            </a:r>
+          </a:p>
+          <a:p>
+            <a:r>
+              <a:t/>
+            </a:r>
+          </a:p>
+          <a:p>
+            <a:pPr rtl="0" lvl="0">
+              <a:buNone/>
+            </a:pPr>
+            <a:r>
+              <a:rPr lang="en" b="1">
+                <a:solidFill>
+                  <a:srgbClr val="980000"/>
+                </a:solidFill>
+              </a:rPr>
+              <a:t>Vid: </a:t>
+            </a:r>
+            <a:r>
+              <a:rPr lang="en">
+                <a:solidFill>
+                  <a:srgbClr val="980000"/>
+                </a:solidFill>
+              </a:rPr>
+              <a:t>We can use the git log information in the following ways.</a:t>
+            </a:r>
+          </a:p>
+          <a:p>
+            <a:pPr indent="-317500" marL="457200" rtl="0" lvl="0">
+              <a:buClr>
+                <a:srgbClr val="980000"/>
+              </a:buClr>
+              <a:buSzPct val="127272"/>
+              <a:buFont typeface="Arial"/>
+              <a:buAutoNum type="arabicPeriod"/>
+            </a:pPr>
+            <a:r>
+              <a:rPr lang="en">
+                <a:solidFill>
+                  <a:srgbClr val="980000"/>
+                </a:solidFill>
+              </a:rPr>
+              <a:t>Knowing the commit hash lets us revert back to that particular point in time.</a:t>
+            </a:r>
+          </a:p>
+          <a:p>
+            <a:pPr indent="-317500" marL="457200" rtl="0" lvl="0">
+              <a:buClr>
+                <a:srgbClr val="980000"/>
+              </a:buClr>
+              <a:buSzPct val="127272"/>
+              <a:buFont typeface="Arial"/>
+              <a:buAutoNum type="arabicPeriod"/>
+            </a:pPr>
+            <a:r>
+              <a:rPr lang="en">
+                <a:solidFill>
+                  <a:srgbClr val="980000"/>
+                </a:solidFill>
+              </a:rPr>
+              <a:t>We can see who made the commit if we are working jointly on a project.</a:t>
+            </a:r>
+          </a:p>
+          <a:p>
+            <a:pPr indent="-317500" marL="457200" rtl="0" lvl="0">
+              <a:buClr>
+                <a:srgbClr val="980000"/>
+              </a:buClr>
+              <a:buSzPct val="127272"/>
+              <a:buFont typeface="Arial"/>
+              <a:buAutoNum type="arabicPeriod"/>
+            </a:pPr>
+            <a:r>
+              <a:rPr lang="en">
+                <a:solidFill>
+                  <a:srgbClr val="980000"/>
+                </a:solidFill>
+              </a:rPr>
+              <a:t>We can see a diff of what changed with each commit. $ git log -p -3   (the -3 just limits the commits shown to 3)</a:t>
+            </a:r>
+          </a:p>
+          <a:p>
+            <a:pPr indent="-317500" marL="457200" rtl="0" lvl="0">
+              <a:buClr>
+                <a:srgbClr val="980000"/>
+              </a:buClr>
+              <a:buSzPct val="127272"/>
+              <a:buFont typeface="Arial"/>
+              <a:buAutoNum type="arabicPeriod"/>
+            </a:pPr>
+            <a:r>
+              <a:rPr lang="en">
+                <a:solidFill>
+                  <a:srgbClr val="980000"/>
+                </a:solidFill>
+              </a:rPr>
+              <a:t>Using -stat we can see stats, the number of insertions and deletes on each commit $ git log --stat</a:t>
+            </a:r>
+          </a:p>
+          <a:p>
+            <a:r>
+              <a:t/>
+            </a:r>
+          </a:p>
+          <a:p>
+            <a:pPr rtl="0" lvl="0">
+              <a:buNone/>
+            </a:pPr>
+            <a:r>
+              <a:rPr lang="en" b="1">
+                <a:solidFill>
+                  <a:srgbClr val="980000"/>
+                </a:solidFill>
+              </a:rPr>
+              <a:t>Max: </a:t>
+            </a:r>
+            <a:r>
+              <a:rPr lang="en">
+                <a:solidFill>
+                  <a:srgbClr val="980000"/>
+                </a:solidFill>
+              </a:rPr>
+              <a:t>The git log becomes more useful as the projects become complex and are great when you create branches.</a:t>
+            </a:r>
+          </a:p>
+          <a:p>
+            <a:r>
+              <a:t/>
+            </a:r>
+          </a:p>
+          <a:p>
+            <a:pPr lvl="0">
               <a:buNone/>
             </a:pPr>
             <a:r>
@@ -5790,8 +7930,8 @@
         </p:nvSpPr>
         <p:spPr>
           <a:xfrm>
-            <a:off y="1883955" x="9262487"/>
-            <a:ext cy="4551969" cx="4542788"/>
+            <a:off y="-1633087" x="295874"/>
+            <a:ext cy="3905256" cx="3413400"/>
           </a:xfrm>
           <a:prstGeom prst="rect">
             <a:avLst/>
@@ -5815,8 +7955,8 @@
         </p:nvSpPr>
         <p:spPr>
           <a:xfrm>
-            <a:off y="-1633087" x="295874"/>
-            <a:ext cy="3905256" cx="3413400"/>
+            <a:off y="-698084" x="2622859"/>
+            <a:ext cy="4139759" cx="3609528"/>
           </a:xfrm>
           <a:prstGeom prst="rect">
             <a:avLst/>
@@ -5840,8 +7980,8 @@
         </p:nvSpPr>
         <p:spPr>
           <a:xfrm>
-            <a:off y="-698084" x="2622859"/>
-            <a:ext cy="4139759" cx="3609528"/>
+            <a:off y="3698287" x="3212712"/>
+            <a:ext cy="1628775" cx="1628775"/>
           </a:xfrm>
           <a:prstGeom prst="rect">
             <a:avLst/>
@@ -5865,31 +8005,6 @@
         </p:nvSpPr>
         <p:spPr>
           <a:xfrm>
-            <a:off y="3698287" x="3212712"/>
-            <a:ext cy="1628775" cx="1628775"/>
-          </a:xfrm>
-          <a:prstGeom prst="rect">
-            <a:avLst/>
-          </a:prstGeom>
-          <a:blipFill>
-            <a:blip r:embed="rId8"/>
-            <a:stretch>
-              <a:fillRect/>
-            </a:stretch>
-          </a:blipFill>
-          <a:ln>
-            <a:noFill/>
-          </a:ln>
-        </p:spPr>
-      </p:sp>
-      <p:sp>
-        <p:nvSpPr>
-          <p:cNvPr name="Shape 41" id="41"/>
-          <p:cNvSpPr/>
-          <p:nvPr/>
-        </p:nvSpPr>
-        <p:spPr>
-          <a:xfrm>
             <a:off y="-37120" x="5033387"/>
             <a:ext cy="4762500" cx="4152900"/>
           </a:xfrm>
@@ -5897,7 +8012,7 @@
             <a:avLst/>
           </a:prstGeom>
           <a:blipFill>
-            <a:blip r:embed="rId9"/>
+            <a:blip r:embed="rId8"/>
             <a:stretch>
               <a:fillRect/>
             </a:stretch>
@@ -5923,7 +8038,7 @@
   <p:cSld>
     <p:spTree>
       <p:nvGrpSpPr>
-        <p:cNvPr name="Shape 101" id="101"/>
+        <p:cNvPr name="Shape 107" id="107"/>
         <p:cNvGrpSpPr/>
         <p:nvPr/>
       </p:nvGrpSpPr>
@@ -5937,7 +8052,7 @@
       </p:grpSpPr>
       <p:sp>
         <p:nvSpPr>
-          <p:cNvPr name="Shape 102" id="102"/>
+          <p:cNvPr name="Shape 108" id="108"/>
           <p:cNvSpPr txBox="1"/>
           <p:nvPr>
             <p:ph type="title"/>
@@ -5958,19 +8073,48 @@
           </a:bodyPr>
           <a:lstStyle/>
           <a:p>
-            <a:pPr>
-              <a:buNone/>
-            </a:pPr>
-            <a:r>
-              <a:rPr lang="en"/>
-              <a:t>Working with Remotes</a:t>
+            <a:pPr rtl="0" lvl="0">
+              <a:buNone/>
+            </a:pPr>
+            <a:r>
+              <a:rPr lang="en" sz="4600" b="0">
+                <a:solidFill>
+                  <a:srgbClr val="FFFFFF"/>
+                </a:solidFill>
+              </a:rPr>
+              <a:t>The Git Log and Reverting  </a:t>
             </a:r>
           </a:p>
         </p:txBody>
       </p:sp>
       <p:sp>
         <p:nvSpPr>
-          <p:cNvPr name="Shape 103" id="103"/>
+          <p:cNvPr name="Shape 109" id="109"/>
+          <p:cNvSpPr/>
+          <p:nvPr/>
+        </p:nvSpPr>
+        <p:spPr>
+          <a:xfrm>
+            <a:off y="179757" x="7821012"/>
+            <a:ext cy="1107229" cx="1107229"/>
+          </a:xfrm>
+          <a:prstGeom prst="rect">
+            <a:avLst/>
+          </a:prstGeom>
+          <a:blipFill>
+            <a:blip r:embed="rId3"/>
+            <a:stretch>
+              <a:fillRect/>
+            </a:stretch>
+          </a:blipFill>
+          <a:ln>
+            <a:noFill/>
+          </a:ln>
+        </p:spPr>
+      </p:sp>
+      <p:sp>
+        <p:nvSpPr>
+          <p:cNvPr name="Shape 110" id="110"/>
           <p:cNvSpPr txBox="1"/>
           <p:nvPr>
             <p:ph type="body" idx="1"/>
@@ -5991,79 +8135,413 @@
           </a:bodyPr>
           <a:lstStyle/>
           <a:p>
-            <a:pPr indent="-419100" marL="457200" rtl="0" lvl="0">
-              <a:buClr>
-                <a:schemeClr val="dk1"/>
-              </a:buClr>
-              <a:buSzPct val="166666"/>
-              <a:buFont typeface="Arial"/>
-              <a:buChar char="•"/>
-            </a:pPr>
-            <a:r>
-              <a:rPr lang="en"/>
-              <a:t>SSH Keys</a:t>
-            </a:r>
-          </a:p>
-          <a:p>
-            <a:pPr indent="-419100" marL="457200" rtl="0" lvl="0">
-              <a:buClr>
-                <a:schemeClr val="dk1"/>
-              </a:buClr>
-              <a:buSzPct val="166666"/>
-              <a:buFont typeface="Arial"/>
-              <a:buChar char="•"/>
-            </a:pPr>
-            <a:r>
-              <a:rPr lang="en"/>
-              <a:t>Pull</a:t>
-            </a:r>
-          </a:p>
-          <a:p>
-            <a:pPr indent="-419100" marL="457200" rtl="0" lvl="0">
-              <a:buClr>
-                <a:schemeClr val="dk1"/>
-              </a:buClr>
-              <a:buSzPct val="166666"/>
-              <a:buFont typeface="Arial"/>
-              <a:buChar char="•"/>
-            </a:pPr>
-            <a:r>
-              <a:rPr lang="en"/>
-              <a:t>Push</a:t>
-            </a:r>
-          </a:p>
-          <a:p>
-            <a:pPr indent="-419100" marL="457200" rtl="0" lvl="0">
-              <a:buClr>
-                <a:schemeClr val="dk1"/>
-              </a:buClr>
-              <a:buSzPct val="166666"/>
-              <a:buFont typeface="Arial"/>
-              <a:buChar char="•"/>
-            </a:pPr>
-            <a:r>
-              <a:rPr lang="en"/>
-              <a:t>Clone</a:t>
+            <a:pPr rtl="0" lvl="0">
+              <a:lnSpc>
+                <a:spcPct val="115000"/>
+              </a:lnSpc>
+              <a:spcBef>
+                <a:spcPts val="0"/>
+              </a:spcBef>
+              <a:buNone/>
+            </a:pPr>
+            <a:r>
+              <a:rPr lang="en" sz="800">
+                <a:latin typeface="Anonymous Pro"/>
+                <a:ea typeface="Anonymous Pro"/>
+                <a:cs typeface="Anonymous Pro"/>
+                <a:sym typeface="Anonymous Pro"/>
+              </a:rPr>
+              <a:t>$ git log --graph --decorate --pretty=format:'%Cgreen%h%Creset %s %Cred%an%Creset %ar'</a:t>
+            </a:r>
+          </a:p>
+          <a:p>
+            <a:pPr rtl="0" lvl="0">
+              <a:lnSpc>
+                <a:spcPct val="115000"/>
+              </a:lnSpc>
+              <a:spcBef>
+                <a:spcPts val="0"/>
+              </a:spcBef>
+              <a:buNone/>
+            </a:pPr>
+            <a:r>
+              <a:rPr lang="en" sz="800">
+                <a:latin typeface="Anonymous Pro"/>
+                <a:ea typeface="Anonymous Pro"/>
+                <a:cs typeface="Anonymous Pro"/>
+                <a:sym typeface="Anonymous Pro"/>
+              </a:rPr>
+              <a:t>  	1 * f60c3f4 added new files Vid 29 hours ago</a:t>
+            </a:r>
+          </a:p>
+          <a:p>
+            <a:pPr rtl="0" lvl="0">
+              <a:lnSpc>
+                <a:spcPct val="115000"/>
+              </a:lnSpc>
+              <a:spcBef>
+                <a:spcPts val="0"/>
+              </a:spcBef>
+              <a:buNone/>
+            </a:pPr>
+            <a:r>
+              <a:rPr lang="en" sz="800">
+                <a:latin typeface="Anonymous Pro"/>
+                <a:ea typeface="Anonymous Pro"/>
+                <a:cs typeface="Anonymous Pro"/>
+                <a:sym typeface="Anonymous Pro"/>
+              </a:rPr>
+              <a:t>  	2 *   14637af Merge branch 'screenshots' of https://github.com/theMusician/riddlegames into screenshots Max Bronsema 10 days ago</a:t>
+            </a:r>
+          </a:p>
+          <a:p>
+            <a:pPr rtl="0" lvl="0">
+              <a:lnSpc>
+                <a:spcPct val="115000"/>
+              </a:lnSpc>
+              <a:spcBef>
+                <a:spcPts val="0"/>
+              </a:spcBef>
+              <a:buNone/>
+            </a:pPr>
+            <a:r>
+              <a:rPr lang="en" sz="800">
+                <a:latin typeface="Anonymous Pro"/>
+                <a:ea typeface="Anonymous Pro"/>
+                <a:cs typeface="Anonymous Pro"/>
+                <a:sym typeface="Anonymous Pro"/>
+              </a:rPr>
+              <a:t>  	3 |\  </a:t>
+            </a:r>
+          </a:p>
+          <a:p>
+            <a:pPr rtl="0" lvl="0">
+              <a:lnSpc>
+                <a:spcPct val="115000"/>
+              </a:lnSpc>
+              <a:spcBef>
+                <a:spcPts val="0"/>
+              </a:spcBef>
+              <a:buNone/>
+            </a:pPr>
+            <a:r>
+              <a:rPr lang="en" sz="800">
+                <a:latin typeface="Anonymous Pro"/>
+                <a:ea typeface="Anonymous Pro"/>
+                <a:cs typeface="Anonymous Pro"/>
+                <a:sym typeface="Anonymous Pro"/>
+              </a:rPr>
+              <a:t>  	4 | * 631e900 adding riddles back in Vid 10 days ago</a:t>
+            </a:r>
+          </a:p>
+          <a:p>
+            <a:pPr rtl="0" lvl="0">
+              <a:lnSpc>
+                <a:spcPct val="115000"/>
+              </a:lnSpc>
+              <a:spcBef>
+                <a:spcPts val="0"/>
+              </a:spcBef>
+              <a:buNone/>
+            </a:pPr>
+            <a:r>
+              <a:rPr lang="en" sz="800">
+                <a:latin typeface="Anonymous Pro"/>
+                <a:ea typeface="Anonymous Pro"/>
+                <a:cs typeface="Anonymous Pro"/>
+                <a:sym typeface="Anonymous Pro"/>
+              </a:rPr>
+              <a:t>  	5 * |   b488fed Merge branch 'screenshots' of https://github.com/theMusician/riddlegames into screenshots Max Bronsema 10 days ago</a:t>
+            </a:r>
+          </a:p>
+          <a:p>
+            <a:pPr rtl="0" lvl="0">
+              <a:lnSpc>
+                <a:spcPct val="115000"/>
+              </a:lnSpc>
+              <a:spcBef>
+                <a:spcPts val="0"/>
+              </a:spcBef>
+              <a:buNone/>
+            </a:pPr>
+            <a:r>
+              <a:rPr lang="en" sz="800">
+                <a:latin typeface="Anonymous Pro"/>
+                <a:ea typeface="Anonymous Pro"/>
+                <a:cs typeface="Anonymous Pro"/>
+                <a:sym typeface="Anonymous Pro"/>
+              </a:rPr>
+              <a:t>  	6 |\ \  </a:t>
+            </a:r>
+          </a:p>
+          <a:p>
+            <a:pPr rtl="0" lvl="0">
+              <a:lnSpc>
+                <a:spcPct val="115000"/>
+              </a:lnSpc>
+              <a:spcBef>
+                <a:spcPts val="0"/>
+              </a:spcBef>
+              <a:buNone/>
+            </a:pPr>
+            <a:r>
+              <a:rPr lang="en" sz="800">
+                <a:latin typeface="Anonymous Pro"/>
+                <a:ea typeface="Anonymous Pro"/>
+                <a:cs typeface="Anonymous Pro"/>
+                <a:sym typeface="Anonymous Pro"/>
+              </a:rPr>
+              <a:t>  	7 | |/  </a:t>
+            </a:r>
+          </a:p>
+          <a:p>
+            <a:pPr rtl="0" lvl="0">
+              <a:lnSpc>
+                <a:spcPct val="115000"/>
+              </a:lnSpc>
+              <a:spcBef>
+                <a:spcPts val="0"/>
+              </a:spcBef>
+              <a:buNone/>
+            </a:pPr>
+            <a:r>
+              <a:rPr lang="en" sz="800">
+                <a:latin typeface="Anonymous Pro"/>
+                <a:ea typeface="Anonymous Pro"/>
+                <a:cs typeface="Anonymous Pro"/>
+                <a:sym typeface="Anonymous Pro"/>
+              </a:rPr>
+              <a:t>  	8 | *   fce0201 Merge branch 'screenshots' of github.com:theMusician/riddlegames into screenshots Vid 10 days ago</a:t>
+            </a:r>
+          </a:p>
+          <a:p>
+            <a:pPr rtl="0" lvl="0">
+              <a:lnSpc>
+                <a:spcPct val="115000"/>
+              </a:lnSpc>
+              <a:spcBef>
+                <a:spcPts val="0"/>
+              </a:spcBef>
+              <a:buNone/>
+            </a:pPr>
+            <a:r>
+              <a:rPr lang="en" sz="800">
+                <a:latin typeface="Anonymous Pro"/>
+                <a:ea typeface="Anonymous Pro"/>
+                <a:cs typeface="Anonymous Pro"/>
+                <a:sym typeface="Anonymous Pro"/>
+              </a:rPr>
+              <a:t>  	9 | |\  </a:t>
+            </a:r>
+          </a:p>
+          <a:p>
+            <a:pPr rtl="0" lvl="0">
+              <a:lnSpc>
+                <a:spcPct val="115000"/>
+              </a:lnSpc>
+              <a:spcBef>
+                <a:spcPts val="0"/>
+              </a:spcBef>
+              <a:buNone/>
+            </a:pPr>
+            <a:r>
+              <a:rPr lang="en" sz="800">
+                <a:latin typeface="Anonymous Pro"/>
+                <a:ea typeface="Anonymous Pro"/>
+                <a:cs typeface="Anonymous Pro"/>
+                <a:sym typeface="Anonymous Pro"/>
+              </a:rPr>
+              <a:t> 	10 | * | 2e23e0a creating new branch with images folder Vid 10 days ago</a:t>
+            </a:r>
+          </a:p>
+          <a:p>
+            <a:pPr rtl="0" lvl="0">
+              <a:lnSpc>
+                <a:spcPct val="115000"/>
+              </a:lnSpc>
+              <a:spcBef>
+                <a:spcPts val="0"/>
+              </a:spcBef>
+              <a:buNone/>
+            </a:pPr>
+            <a:r>
+              <a:rPr lang="en" sz="800">
+                <a:latin typeface="Anonymous Pro"/>
+                <a:ea typeface="Anonymous Pro"/>
+                <a:cs typeface="Anonymous Pro"/>
+                <a:sym typeface="Anonymous Pro"/>
+              </a:rPr>
+              <a:t> 	11 * | | 33a7e95 Adding screenshots for project creation. Max Bronsema 10 days ago</a:t>
+            </a:r>
+          </a:p>
+          <a:p>
+            <a:pPr rtl="0" lvl="0">
+              <a:lnSpc>
+                <a:spcPct val="115000"/>
+              </a:lnSpc>
+              <a:spcBef>
+                <a:spcPts val="0"/>
+              </a:spcBef>
+              <a:buNone/>
+            </a:pPr>
+            <a:r>
+              <a:rPr lang="en" sz="800">
+                <a:latin typeface="Anonymous Pro"/>
+                <a:ea typeface="Anonymous Pro"/>
+                <a:cs typeface="Anonymous Pro"/>
+                <a:sym typeface="Anonymous Pro"/>
+              </a:rPr>
+              <a:t> 	12 | |/  </a:t>
+            </a:r>
+          </a:p>
+          <a:p>
+            <a:pPr rtl="0" lvl="0">
+              <a:lnSpc>
+                <a:spcPct val="115000"/>
+              </a:lnSpc>
+              <a:spcBef>
+                <a:spcPts val="0"/>
+              </a:spcBef>
+              <a:buNone/>
+            </a:pPr>
+            <a:r>
+              <a:rPr lang="en" sz="800">
+                <a:latin typeface="Anonymous Pro"/>
+                <a:ea typeface="Anonymous Pro"/>
+                <a:cs typeface="Anonymous Pro"/>
+                <a:sym typeface="Anonymous Pro"/>
+              </a:rPr>
+              <a:t> 	13 |/|   </a:t>
+            </a:r>
+          </a:p>
+          <a:p>
+            <a:pPr rtl="0" lvl="0">
+              <a:lnSpc>
+                <a:spcPct val="115000"/>
+              </a:lnSpc>
+              <a:spcBef>
+                <a:spcPts val="0"/>
+              </a:spcBef>
+              <a:buNone/>
+            </a:pPr>
+            <a:r>
+              <a:rPr lang="en" sz="800">
+                <a:latin typeface="Anonymous Pro"/>
+                <a:ea typeface="Anonymous Pro"/>
+                <a:cs typeface="Anonymous Pro"/>
+                <a:sym typeface="Anonymous Pro"/>
+              </a:rPr>
+              <a:t> 	14 * | 9fcbc71 creating new branch with images folder Vid 10 days ago</a:t>
+            </a:r>
+          </a:p>
+          <a:p>
+            <a:pPr rtl="0" lvl="0">
+              <a:lnSpc>
+                <a:spcPct val="115000"/>
+              </a:lnSpc>
+              <a:spcBef>
+                <a:spcPts val="0"/>
+              </a:spcBef>
+              <a:buNone/>
+            </a:pPr>
+            <a:r>
+              <a:rPr lang="en" sz="800">
+                <a:latin typeface="Anonymous Pro"/>
+                <a:ea typeface="Anonymous Pro"/>
+                <a:cs typeface="Anonymous Pro"/>
+                <a:sym typeface="Anonymous Pro"/>
+              </a:rPr>
+              <a:t> 	15 |/  </a:t>
+            </a:r>
+          </a:p>
+          <a:p>
+            <a:pPr rtl="0" lvl="0">
+              <a:lnSpc>
+                <a:spcPct val="115000"/>
+              </a:lnSpc>
+              <a:spcBef>
+                <a:spcPts val="0"/>
+              </a:spcBef>
+              <a:buNone/>
+            </a:pPr>
+            <a:r>
+              <a:rPr lang="en" sz="800">
+                <a:latin typeface="Anonymous Pro"/>
+                <a:ea typeface="Anonymous Pro"/>
+                <a:cs typeface="Anonymous Pro"/>
+                <a:sym typeface="Anonymous Pro"/>
+              </a:rPr>
+              <a:t> 	16 * 024ac95 Updated README with inspiration URL Vid 10 days ago</a:t>
+            </a:r>
+          </a:p>
+          <a:p>
+            <a:pPr rtl="0" lvl="0">
+              <a:lnSpc>
+                <a:spcPct val="115000"/>
+              </a:lnSpc>
+              <a:spcBef>
+                <a:spcPts val="0"/>
+              </a:spcBef>
+              <a:buNone/>
+            </a:pPr>
+            <a:r>
+              <a:rPr lang="en" sz="800">
+                <a:latin typeface="Anonymous Pro"/>
+                <a:ea typeface="Anonymous Pro"/>
+                <a:cs typeface="Anonymous Pro"/>
+                <a:sym typeface="Anonymous Pro"/>
+              </a:rPr>
+              <a:t> 	17 * 7582e6f Ignore the .project file and start off HTML5 goodness Max Bronsema 11 days ago</a:t>
+            </a:r>
+          </a:p>
+          <a:p>
+            <a:pPr rtl="0" lvl="0">
+              <a:lnSpc>
+                <a:spcPct val="115000"/>
+              </a:lnSpc>
+              <a:spcBef>
+                <a:spcPts val="0"/>
+              </a:spcBef>
+              <a:buNone/>
+            </a:pPr>
+            <a:r>
+              <a:rPr lang="en" sz="800">
+                <a:latin typeface="Anonymous Pro"/>
+                <a:ea typeface="Anonymous Pro"/>
+                <a:cs typeface="Anonymous Pro"/>
+                <a:sym typeface="Anonymous Pro"/>
+              </a:rPr>
+              <a:t> 	18 * d25b8ee Initial commit theMusician 11 days ago</a:t>
+            </a:r>
+          </a:p>
+          <a:p>
+            <a:r>
+              <a:t/>
+            </a:r>
+          </a:p>
+          <a:p>
+            <a:r>
+              <a:t/>
             </a:r>
           </a:p>
         </p:txBody>
       </p:sp>
       <p:sp>
         <p:nvSpPr>
-          <p:cNvPr name="Shape 104" id="104"/>
+          <p:cNvPr name="Shape 111" id="111"/>
           <p:cNvSpPr/>
           <p:nvPr/>
         </p:nvSpPr>
         <p:spPr>
           <a:xfrm>
-            <a:off y="179757" x="7821012"/>
-            <a:ext cy="1107229" cx="1107229"/>
+            <a:off y="4237877" x="0"/>
+            <a:ext cy="2620122" cx="9144000"/>
           </a:xfrm>
           <a:prstGeom prst="rect">
             <a:avLst/>
           </a:prstGeom>
           <a:blipFill>
-            <a:blip r:embed="rId3"/>
+            <a:blip r:embed="rId4"/>
             <a:stretch>
               <a:fillRect/>
             </a:stretch>
@@ -6089,7 +8567,7 @@
   <p:cSld>
     <p:spTree>
       <p:nvGrpSpPr>
-        <p:cNvPr name="Shape 108" id="108"/>
+        <p:cNvPr name="Shape 115" id="115"/>
         <p:cNvGrpSpPr/>
         <p:nvPr/>
       </p:nvGrpSpPr>
@@ -6103,7 +8581,7 @@
       </p:grpSpPr>
       <p:sp>
         <p:nvSpPr>
-          <p:cNvPr name="Shape 109" id="109"/>
+          <p:cNvPr name="Shape 116" id="116"/>
           <p:cNvSpPr txBox="1"/>
           <p:nvPr>
             <p:ph type="title"/>
@@ -6129,14 +8607,14 @@
             </a:pPr>
             <a:r>
               <a:rPr lang="en"/>
-              <a:t>Relax Your Brain</a:t>
+              <a:t>Branches</a:t>
             </a:r>
           </a:p>
         </p:txBody>
       </p:sp>
       <p:sp>
         <p:nvSpPr>
-          <p:cNvPr name="Shape 110" id="110"/>
+          <p:cNvPr name="Shape 117" id="117"/>
           <p:cNvSpPr txBox="1"/>
           <p:nvPr>
             <p:ph type="body" idx="1"/>
@@ -6167,7 +8645,7 @@
             </a:pPr>
             <a:r>
               <a:rPr lang="en"/>
-              <a:t>Thank You</a:t>
+              <a:t>What is a branch?</a:t>
             </a:r>
           </a:p>
           <a:p>
@@ -6181,51 +8659,56 @@
             </a:pPr>
             <a:r>
               <a:rPr lang="en"/>
-              <a:t>Questions?</a:t>
-            </a:r>
-          </a:p>
-          <a:p>
-            <a:r>
-              <a:t/>
-            </a:r>
-          </a:p>
-          <a:p>
-            <a:pPr rtl="0" lvl="0">
-              <a:buNone/>
-            </a:pPr>
-            <a:r>
-              <a:rPr lang="en"/>
-              <a:t>Max Bronsema - 	http://maxbronsema.com</a:t>
-            </a:r>
-          </a:p>
-          <a:p>
-            <a:pPr indent="457200" marL="2743200" rtl="0" lvl="0">
-              <a:buNone/>
-            </a:pPr>
-            <a:r>
-              <a:rPr lang="en"/>
-              <a:t>@theMusician</a:t>
-            </a:r>
-          </a:p>
-          <a:p>
-            <a:r>
-              <a:t/>
-            </a:r>
-          </a:p>
-          <a:p>
-            <a:pPr indent="0" marL="0" lvl="0">
-              <a:buNone/>
-            </a:pPr>
-            <a:r>
-              <a:rPr lang="en"/>
-              <a:t>Vid Rowan -   http://uoregon.edu/~vid</a:t>
+              <a:t>Why to use branches</a:t>
+            </a:r>
+          </a:p>
+          <a:p>
+            <a:pPr indent="-419100" marL="457200" rtl="0" lvl="0">
+              <a:buClr>
+                <a:schemeClr val="dk1"/>
+              </a:buClr>
+              <a:buSzPct val="166666"/>
+              <a:buFont typeface="Arial"/>
+              <a:buChar char="•"/>
+            </a:pPr>
+            <a:r>
+              <a:rPr lang="en"/>
+              <a:t>Create a branch</a:t>
+            </a:r>
+          </a:p>
+          <a:p>
+            <a:pPr indent="-419100" marL="457200" rtl="0" lvl="0">
+              <a:buClr>
+                <a:schemeClr val="dk1"/>
+              </a:buClr>
+              <a:buSzPct val="166666"/>
+              <a:buFont typeface="Arial"/>
+              <a:buChar char="•"/>
+            </a:pPr>
+            <a:r>
+              <a:rPr lang="en"/>
+              <a:t>Switching between branches</a:t>
+            </a:r>
+          </a:p>
+          <a:p>
+            <a:pPr indent="-419100" marL="457200" lvl="0">
+              <a:buClr>
+                <a:schemeClr val="dk1"/>
+              </a:buClr>
+              <a:buSzPct val="166666"/>
+              <a:buFont typeface="Arial"/>
+              <a:buChar char="•"/>
+            </a:pPr>
+            <a:r>
+              <a:rPr lang="en"/>
+              <a:t>Example: Checkout a prior commit</a:t>
             </a:r>
           </a:p>
         </p:txBody>
       </p:sp>
       <p:sp>
         <p:nvSpPr>
-          <p:cNvPr name="Shape 111" id="111"/>
+          <p:cNvPr name="Shape 118" id="118"/>
           <p:cNvSpPr/>
           <p:nvPr/>
         </p:nvSpPr>
@@ -6239,6 +8722,1820 @@
           </a:prstGeom>
           <a:blipFill>
             <a:blip r:embed="rId3"/>
+            <a:stretch>
+              <a:fillRect/>
+            </a:stretch>
+          </a:blipFill>
+          <a:ln>
+            <a:noFill/>
+          </a:ln>
+        </p:spPr>
+      </p:sp>
+      <p:sp>
+        <p:nvSpPr>
+          <p:cNvPr name="Shape 119" id="119"/>
+          <p:cNvSpPr txBox="1"/>
+          <p:nvPr/>
+        </p:nvSpPr>
+        <p:spPr>
+          <a:xfrm>
+            <a:off y="3176700" x="1026000"/>
+            <a:ext cy="472499" cx="3118499"/>
+          </a:xfrm>
+          <a:prstGeom prst="rect">
+            <a:avLst/>
+          </a:prstGeom>
+          <a:solidFill>
+            <a:srgbClr val="000000"/>
+          </a:solidFill>
+        </p:spPr>
+        <p:txBody>
+          <a:bodyPr bIns="91425" tIns="91425" lIns="91425" anchor="t" anchorCtr="0" rIns="91425">
+            <a:spAutoFit/>
+          </a:bodyPr>
+          <a:lstStyle/>
+          <a:p>
+            <a:pPr rtl="0" lvl="0">
+              <a:buNone/>
+            </a:pPr>
+            <a:r>
+              <a:rPr lang="en" sz="2400" b="1">
+                <a:solidFill>
+                  <a:srgbClr val="FFFFFF"/>
+                </a:solidFill>
+                <a:latin typeface="Consolas"/>
+                <a:ea typeface="Consolas"/>
+                <a:cs typeface="Consolas"/>
+                <a:sym typeface="Consolas"/>
+              </a:rPr>
+              <a:t>$ git branch mars</a:t>
+            </a:r>
+          </a:p>
+        </p:txBody>
+      </p:sp>
+      <p:sp>
+        <p:nvSpPr>
+          <p:cNvPr name="Shape 120" id="120"/>
+          <p:cNvSpPr txBox="1"/>
+          <p:nvPr/>
+        </p:nvSpPr>
+        <p:spPr>
+          <a:xfrm>
+            <a:off y="4461225" x="1026000"/>
+            <a:ext cy="472499" cx="3550500"/>
+          </a:xfrm>
+          <a:prstGeom prst="rect">
+            <a:avLst/>
+          </a:prstGeom>
+          <a:solidFill>
+            <a:srgbClr val="000000"/>
+          </a:solidFill>
+        </p:spPr>
+        <p:txBody>
+          <a:bodyPr bIns="91425" tIns="91425" lIns="91425" anchor="t" anchorCtr="0" rIns="91425">
+            <a:spAutoFit/>
+          </a:bodyPr>
+          <a:lstStyle/>
+          <a:p>
+            <a:pPr rtl="0" lvl="0">
+              <a:buNone/>
+            </a:pPr>
+            <a:r>
+              <a:rPr lang="en" sz="2400" b="1">
+                <a:solidFill>
+                  <a:srgbClr val="FFFFFF"/>
+                </a:solidFill>
+                <a:latin typeface="Consolas"/>
+                <a:ea typeface="Consolas"/>
+                <a:cs typeface="Consolas"/>
+                <a:sym typeface="Consolas"/>
+              </a:rPr>
+              <a:t>$ git checkout mars</a:t>
+            </a:r>
+          </a:p>
+        </p:txBody>
+      </p:sp>
+      <p:sp>
+        <p:nvSpPr>
+          <p:cNvPr name="Shape 121" id="121"/>
+          <p:cNvSpPr txBox="1"/>
+          <p:nvPr/>
+        </p:nvSpPr>
+        <p:spPr>
+          <a:xfrm>
+            <a:off y="5756625" x="1026000"/>
+            <a:ext cy="472499" cx="6661499"/>
+          </a:xfrm>
+          <a:prstGeom prst="rect">
+            <a:avLst/>
+          </a:prstGeom>
+          <a:solidFill>
+            <a:srgbClr val="000000"/>
+          </a:solidFill>
+        </p:spPr>
+        <p:txBody>
+          <a:bodyPr bIns="91425" tIns="91425" lIns="91425" anchor="t" anchorCtr="0" rIns="91425">
+            <a:spAutoFit/>
+          </a:bodyPr>
+          <a:lstStyle/>
+          <a:p>
+            <a:pPr rtl="0" lvl="0">
+              <a:buNone/>
+            </a:pPr>
+            <a:r>
+              <a:rPr lang="en" sz="2400" b="1">
+                <a:solidFill>
+                  <a:srgbClr val="FFFFFF"/>
+                </a:solidFill>
+                <a:latin typeface="Consolas"/>
+                <a:ea typeface="Consolas"/>
+                <a:cs typeface="Consolas"/>
+                <a:sym typeface="Consolas"/>
+              </a:rPr>
+              <a:t>$ git checkout -b pluto d0f4aa3</a:t>
+            </a:r>
+          </a:p>
+        </p:txBody>
+      </p:sp>
+    </p:spTree>
+  </p:cSld>
+  <p:clrMapOvr>
+    <a:masterClrMapping/>
+  </p:clrMapOvr>
+  <p:transition spd="slow">
+    <p:cut/>
+  </p:transition>
+</p:sld>
+</file>
+
+<file path=ppt/slides/slide12.xml><?xml version="1.0" encoding="utf-8"?>
+<p:sld xmlns:a="http://schemas.openxmlformats.org/drawingml/2006/main" xmlns:r="http://schemas.openxmlformats.org/officeDocument/2006/relationships" xmlns:mc="http://schemas.openxmlformats.org/markup-compatibility/2006" xmlns:mv="urn:schemas-microsoft-com:mac:vml" xmlns:p="http://schemas.openxmlformats.org/presentationml/2006/main" xmlns:c="http://schemas.openxmlformats.org/drawingml/2006/chart" xmlns:dgm="http://schemas.openxmlformats.org/drawingml/2006/diagram" xmlns:o="urn:schemas-microsoft-com:office:office" xmlns:v="urn:schemas-microsoft-com:vml" xmlns:pvml="urn:schemas-microsoft-com:office:powerpoint" xmlns:com="http://schemas.openxmlformats.org/drawingml/2006/compatibility" xmlns:p14="http://schemas.microsoft.com/office/powerpoint/2010/main">
+  <p:cSld>
+    <p:spTree>
+      <p:nvGrpSpPr>
+        <p:cNvPr name="Shape 125" id="125"/>
+        <p:cNvGrpSpPr/>
+        <p:nvPr/>
+      </p:nvGrpSpPr>
+      <p:grpSpPr>
+        <a:xfrm>
+          <a:off y="0" x="0"/>
+          <a:ext cy="0" cx="0"/>
+          <a:chOff y="0" x="0"/>
+          <a:chExt cy="0" cx="0"/>
+        </a:xfrm>
+      </p:grpSpPr>
+      <p:sp>
+        <p:nvSpPr>
+          <p:cNvPr name="Shape 126" id="126"/>
+          <p:cNvSpPr txBox="1"/>
+          <p:nvPr>
+            <p:ph type="title"/>
+          </p:nvPr>
+        </p:nvSpPr>
+        <p:spPr>
+          <a:xfrm>
+            <a:off y="274637" x="457200"/>
+            <a:ext cy="1143000" cx="8229600"/>
+          </a:xfrm>
+          <a:prstGeom prst="rect">
+            <a:avLst/>
+          </a:prstGeom>
+        </p:spPr>
+        <p:txBody>
+          <a:bodyPr bIns="91425" tIns="91425" lIns="91425" anchor="b" anchorCtr="0" rIns="91425">
+            <a:spAutoFit/>
+          </a:bodyPr>
+          <a:lstStyle/>
+          <a:p>
+            <a:pPr>
+              <a:buNone/>
+            </a:pPr>
+            <a:r>
+              <a:rPr lang="en"/>
+              <a:t>Diffing</a:t>
+            </a:r>
+          </a:p>
+        </p:txBody>
+      </p:sp>
+      <p:sp>
+        <p:nvSpPr>
+          <p:cNvPr name="Shape 127" id="127"/>
+          <p:cNvSpPr txBox="1"/>
+          <p:nvPr>
+            <p:ph type="body" idx="1"/>
+          </p:nvPr>
+        </p:nvSpPr>
+        <p:spPr>
+          <a:xfrm>
+            <a:off y="1524000" x="457200"/>
+            <a:ext cy="4967700" cx="8229600"/>
+          </a:xfrm>
+          <a:prstGeom prst="rect">
+            <a:avLst/>
+          </a:prstGeom>
+        </p:spPr>
+        <p:txBody>
+          <a:bodyPr bIns="91425" tIns="91425" lIns="91425" anchor="t" anchorCtr="0" rIns="91425">
+            <a:spAutoFit/>
+          </a:bodyPr>
+          <a:lstStyle/>
+          <a:p>
+            <a:pPr indent="-419100" marL="457200" rtl="0" lvl="0">
+              <a:buClr>
+                <a:schemeClr val="dk1"/>
+              </a:buClr>
+              <a:buSzPct val="166666"/>
+              <a:buFont typeface="Arial"/>
+              <a:buChar char="•"/>
+            </a:pPr>
+            <a:r>
+              <a:rPr lang="en"/>
+              <a:t>What is a diff?</a:t>
+            </a:r>
+          </a:p>
+          <a:p>
+            <a:pPr indent="-419100" marL="457200" rtl="0" lvl="0">
+              <a:buClr>
+                <a:schemeClr val="dk1"/>
+              </a:buClr>
+              <a:buSzPct val="166666"/>
+              <a:buFont typeface="Arial"/>
+              <a:buChar char="•"/>
+            </a:pPr>
+            <a:r>
+              <a:rPr lang="en"/>
+              <a:t>Reading diff output</a:t>
+            </a:r>
+          </a:p>
+          <a:p>
+            <a:pPr indent="-419100" marL="457200" lvl="0">
+              <a:buClr>
+                <a:schemeClr val="dk1"/>
+              </a:buClr>
+              <a:buSzPct val="166666"/>
+              <a:buFont typeface="Arial"/>
+              <a:buChar char="•"/>
+            </a:pPr>
+            <a:r>
+              <a:rPr lang="en"/>
+              <a:t>Tools to make life better</a:t>
+            </a:r>
+          </a:p>
+        </p:txBody>
+      </p:sp>
+      <p:sp>
+        <p:nvSpPr>
+          <p:cNvPr name="Shape 128" id="128"/>
+          <p:cNvSpPr/>
+          <p:nvPr/>
+        </p:nvSpPr>
+        <p:spPr>
+          <a:xfrm>
+            <a:off y="179757" x="7821012"/>
+            <a:ext cy="1107229" cx="1107229"/>
+          </a:xfrm>
+          <a:prstGeom prst="rect">
+            <a:avLst/>
+          </a:prstGeom>
+          <a:blipFill>
+            <a:blip r:embed="rId3"/>
+            <a:stretch>
+              <a:fillRect/>
+            </a:stretch>
+          </a:blipFill>
+          <a:ln>
+            <a:noFill/>
+          </a:ln>
+        </p:spPr>
+      </p:sp>
+      <p:sp>
+        <p:nvSpPr>
+          <p:cNvPr name="Shape 129" id="129"/>
+          <p:cNvSpPr/>
+          <p:nvPr/>
+        </p:nvSpPr>
+        <p:spPr>
+          <a:xfrm>
+            <a:off y="2462900" x="946200"/>
+            <a:ext cy="4410075" cx="6953250"/>
+          </a:xfrm>
+          <a:prstGeom prst="rect">
+            <a:avLst/>
+          </a:prstGeom>
+          <a:blipFill>
+            <a:blip r:embed="rId4"/>
+            <a:stretch>
+              <a:fillRect/>
+            </a:stretch>
+          </a:blipFill>
+          <a:ln>
+            <a:noFill/>
+          </a:ln>
+        </p:spPr>
+      </p:sp>
+      <p:sp>
+        <p:nvSpPr>
+          <p:cNvPr name="Shape 130" id="130"/>
+          <p:cNvSpPr txBox="1"/>
+          <p:nvPr/>
+        </p:nvSpPr>
+        <p:spPr>
+          <a:xfrm>
+            <a:off y="3747575" x="1545475"/>
+            <a:ext cy="457200" cx="3657600"/>
+          </a:xfrm>
+          <a:prstGeom prst="rect">
+            <a:avLst/>
+          </a:prstGeom>
+          <a:noFill/>
+        </p:spPr>
+        <p:txBody>
+          <a:bodyPr bIns="91425" tIns="91425" lIns="91425" anchor="t" anchorCtr="0" rIns="91425">
+            <a:spAutoFit/>
+          </a:bodyPr>
+          <a:lstStyle/>
+          <a:p/>
+        </p:txBody>
+      </p:sp>
+    </p:spTree>
+  </p:cSld>
+  <p:clrMapOvr>
+    <a:masterClrMapping/>
+  </p:clrMapOvr>
+  <p:transition spd="slow">
+    <p:cut/>
+  </p:transition>
+  <p:timing>
+    <p:tnLst>
+      <p:par>
+        <p:cTn dur="indefinite" nodeType="tmRoot" restart="never">
+          <p:childTnLst>
+            <p:seq concurrent="1" nextAc="seek">
+              <p:cTn dur="indefinite" id="2" nodeType="mainSeq">
+                <p:childTnLst>
+                  <p:par>
+                    <p:cTn fill="hold">
+                      <p:stCondLst>
+                        <p:cond delay="indefinite"/>
+                      </p:stCondLst>
+                      <p:childTnLst>
+                        <p:par>
+                          <p:cTn fill="hold">
+                            <p:stCondLst>
+                              <p:cond delay="0"/>
+                            </p:stCondLst>
+                            <p:childTnLst>
+                              <p:par>
+                                <p:cTn presetClass="entr" presetSubtype="8" presetID="2" nodeType="clickEffect" fill="hold">
+                                  <p:stCondLst>
+                                    <p:cond delay="0"/>
+                                  </p:stCondLst>
+                                  <p:childTnLst>
+                                    <p:set>
+                                      <p:cBhvr>
+                                        <p:cTn dur="1" fill="hold">
+                                          <p:stCondLst>
+                                            <p:cond delay="0"/>
+                                          </p:stCondLst>
+                                        </p:cTn>
+                                        <p:tgtEl>
+                                          <p:spTgt spid="129"/>
+                                        </p:tgtEl>
+                                        <p:attrNameLst>
+                                          <p:attrName>style.visibility</p:attrName>
+                                        </p:attrNameLst>
+                                      </p:cBhvr>
+                                      <p:to>
+                                        <p:strVal val="visible"/>
+                                      </p:to>
+                                    </p:set>
+                                    <p:anim valueType="num" calcmode="lin">
+                                      <p:cBhvr additive="base">
+                                        <p:cTn dur="1000"/>
+                                        <p:tgtEl>
+                                          <p:spTgt spid="129"/>
+                                        </p:tgtEl>
+                                        <p:attrNameLst>
+                                          <p:attrName>ppt_x</p:attrName>
+                                        </p:attrNameLst>
+                                      </p:cBhvr>
+                                      <p:tavLst>
+                                        <p:tav fmla="" tm="0">
+                                          <p:val>
+                                            <p:strVal val="#ppt_x-1"/>
+                                          </p:val>
+                                        </p:tav>
+                                        <p:tav fmla="" tm="100000">
+                                          <p:val>
+                                            <p:strVal val="#ppt_x"/>
+                                          </p:val>
+                                        </p:tav>
+                                      </p:tavLst>
+                                    </p:anim>
+                                  </p:childTnLst>
+                                </p:cTn>
+                              </p:par>
+                            </p:childTnLst>
+                          </p:cTn>
+                        </p:par>
+                      </p:childTnLst>
+                    </p:cTn>
+                  </p:par>
+                  <p:par>
+                    <p:cTn fill="hold">
+                      <p:stCondLst>
+                        <p:cond delay="indefinite"/>
+                      </p:stCondLst>
+                      <p:childTnLst>
+                        <p:par>
+                          <p:cTn fill="hold">
+                            <p:stCondLst>
+                              <p:cond delay="0"/>
+                            </p:stCondLst>
+                            <p:childTnLst>
+                              <p:par>
+                                <p:cTn presetClass="exit" presetSubtype="8" presetID="2" nodeType="clickEffect" fill="hold">
+                                  <p:stCondLst>
+                                    <p:cond delay="0"/>
+                                  </p:stCondLst>
+                                  <p:childTnLst>
+                                    <p:anim valueType="num" calcmode="lin">
+                                      <p:cBhvr additive="base">
+                                        <p:cTn dur="1000"/>
+                                        <p:tgtEl>
+                                          <p:spTgt spid="129"/>
+                                        </p:tgtEl>
+                                        <p:attrNameLst>
+                                          <p:attrName>ppt_x</p:attrName>
+                                        </p:attrNameLst>
+                                      </p:cBhvr>
+                                      <p:tavLst>
+                                        <p:tav fmla="" tm="0">
+                                          <p:val>
+                                            <p:strVal val="#ppt_x"/>
+                                          </p:val>
+                                        </p:tav>
+                                        <p:tav fmla="" tm="100000">
+                                          <p:val>
+                                            <p:strVal val="#ppt_x-1"/>
+                                          </p:val>
+                                        </p:tav>
+                                      </p:tavLst>
+                                    </p:anim>
+                                    <p:set>
+                                      <p:cBhvr>
+                                        <p:cTn dur="1" fill="hold">
+                                          <p:stCondLst>
+                                            <p:cond delay="1000"/>
+                                          </p:stCondLst>
+                                        </p:cTn>
+                                        <p:tgtEl>
+                                          <p:spTgt spid="129"/>
+                                        </p:tgtEl>
+                                        <p:attrNameLst>
+                                          <p:attrName>style.visibility</p:attrName>
+                                        </p:attrNameLst>
+                                      </p:cBhvr>
+                                      <p:to>
+                                        <p:strVal val="hidden"/>
+                                      </p:to>
+                                    </p:set>
+                                  </p:childTnLst>
+                                </p:cTn>
+                              </p:par>
+                            </p:childTnLst>
+                          </p:cTn>
+                        </p:par>
+                      </p:childTnLst>
+                    </p:cTn>
+                  </p:par>
+                </p:childTnLst>
+              </p:cTn>
+              <p:prevCondLst>
+                <p:cond evt="onPrev">
+                  <p:tgtEl>
+                    <p:sldTgt/>
+                  </p:tgtEl>
+                </p:cond>
+              </p:prevCondLst>
+              <p:nextCondLst>
+                <p:cond evt="onNext">
+                  <p:tgtEl>
+                    <p:sldTgt/>
+                  </p:tgtEl>
+                </p:cond>
+              </p:nextCondLst>
+            </p:seq>
+          </p:childTnLst>
+        </p:cTn>
+      </p:par>
+    </p:tnLst>
+  </p:timing>
+</p:sld>
+</file>
+
+<file path=ppt/slides/slide13.xml><?xml version="1.0" encoding="utf-8"?>
+<p:sld xmlns:a="http://schemas.openxmlformats.org/drawingml/2006/main" xmlns:r="http://schemas.openxmlformats.org/officeDocument/2006/relationships" xmlns:mc="http://schemas.openxmlformats.org/markup-compatibility/2006" xmlns:mv="urn:schemas-microsoft-com:mac:vml" xmlns:p="http://schemas.openxmlformats.org/presentationml/2006/main" xmlns:c="http://schemas.openxmlformats.org/drawingml/2006/chart" xmlns:dgm="http://schemas.openxmlformats.org/drawingml/2006/diagram" xmlns:o="urn:schemas-microsoft-com:office:office" xmlns:v="urn:schemas-microsoft-com:vml" xmlns:pvml="urn:schemas-microsoft-com:office:powerpoint" xmlns:com="http://schemas.openxmlformats.org/drawingml/2006/compatibility" xmlns:p14="http://schemas.microsoft.com/office/powerpoint/2010/main">
+  <p:cSld>
+    <p:spTree>
+      <p:nvGrpSpPr>
+        <p:cNvPr name="Shape 134" id="134"/>
+        <p:cNvGrpSpPr/>
+        <p:nvPr/>
+      </p:nvGrpSpPr>
+      <p:grpSpPr>
+        <a:xfrm>
+          <a:off y="0" x="0"/>
+          <a:ext cy="0" cx="0"/>
+          <a:chOff y="0" x="0"/>
+          <a:chExt cy="0" cx="0"/>
+        </a:xfrm>
+      </p:grpSpPr>
+      <p:sp>
+        <p:nvSpPr>
+          <p:cNvPr name="Shape 135" id="135"/>
+          <p:cNvSpPr txBox="1"/>
+          <p:nvPr>
+            <p:ph type="title"/>
+          </p:nvPr>
+        </p:nvSpPr>
+        <p:spPr>
+          <a:xfrm>
+            <a:off y="274637" x="457200"/>
+            <a:ext cy="1143000" cx="8229600"/>
+          </a:xfrm>
+          <a:prstGeom prst="rect">
+            <a:avLst/>
+          </a:prstGeom>
+        </p:spPr>
+        <p:txBody>
+          <a:bodyPr bIns="91425" tIns="91425" lIns="91425" anchor="b" anchorCtr="0" rIns="91425">
+            <a:spAutoFit/>
+          </a:bodyPr>
+          <a:lstStyle/>
+          <a:p>
+            <a:pPr>
+              <a:buNone/>
+            </a:pPr>
+            <a:r>
+              <a:rPr lang="en"/>
+              <a:t>Patches</a:t>
+            </a:r>
+          </a:p>
+        </p:txBody>
+      </p:sp>
+      <p:sp>
+        <p:nvSpPr>
+          <p:cNvPr name="Shape 136" id="136"/>
+          <p:cNvSpPr txBox="1"/>
+          <p:nvPr>
+            <p:ph type="body" idx="1"/>
+          </p:nvPr>
+        </p:nvSpPr>
+        <p:spPr>
+          <a:xfrm>
+            <a:off y="1600200" x="457200"/>
+            <a:ext cy="1228500" cx="8229600"/>
+          </a:xfrm>
+          <a:prstGeom prst="rect">
+            <a:avLst/>
+          </a:prstGeom>
+        </p:spPr>
+        <p:txBody>
+          <a:bodyPr bIns="91425" tIns="91425" lIns="91425" anchor="t" anchorCtr="0" rIns="91425">
+            <a:spAutoFit/>
+          </a:bodyPr>
+          <a:lstStyle/>
+          <a:p>
+            <a:pPr indent="-419100" marL="457200" rtl="0" lvl="0">
+              <a:buClr>
+                <a:schemeClr val="dk1"/>
+              </a:buClr>
+              <a:buSzPct val="166666"/>
+              <a:buFont typeface="Arial"/>
+              <a:buChar char="•"/>
+            </a:pPr>
+            <a:r>
+              <a:rPr lang="en"/>
+              <a:t>Create a patch</a:t>
+            </a:r>
+          </a:p>
+        </p:txBody>
+      </p:sp>
+      <p:sp>
+        <p:nvSpPr>
+          <p:cNvPr name="Shape 137" id="137"/>
+          <p:cNvSpPr/>
+          <p:nvPr/>
+        </p:nvSpPr>
+        <p:spPr>
+          <a:xfrm>
+            <a:off y="179757" x="7821012"/>
+            <a:ext cy="1107229" cx="1107229"/>
+          </a:xfrm>
+          <a:prstGeom prst="rect">
+            <a:avLst/>
+          </a:prstGeom>
+          <a:blipFill>
+            <a:blip r:embed="rId3"/>
+            <a:stretch>
+              <a:fillRect/>
+            </a:stretch>
+          </a:blipFill>
+          <a:ln>
+            <a:noFill/>
+          </a:ln>
+        </p:spPr>
+      </p:sp>
+      <p:sp>
+        <p:nvSpPr>
+          <p:cNvPr name="Shape 138" id="138"/>
+          <p:cNvSpPr txBox="1"/>
+          <p:nvPr/>
+        </p:nvSpPr>
+        <p:spPr>
+          <a:xfrm>
+            <a:off y="3375300" x="0"/>
+            <a:ext cy="3026700" cx="9126000"/>
+          </a:xfrm>
+          <a:prstGeom prst="rect">
+            <a:avLst/>
+          </a:prstGeom>
+          <a:solidFill>
+            <a:srgbClr val="000000"/>
+          </a:solidFill>
+        </p:spPr>
+        <p:txBody>
+          <a:bodyPr bIns="91425" tIns="91425" lIns="91425" anchor="t" anchorCtr="0" rIns="91425">
+            <a:spAutoFit/>
+          </a:bodyPr>
+          <a:lstStyle/>
+          <a:p>
+            <a:pPr rtl="0" lvl="0">
+              <a:buNone/>
+            </a:pPr>
+            <a:r>
+              <a:rPr lang="en" sz="2400" b="1">
+                <a:solidFill>
+                  <a:srgbClr val="FFFFFF"/>
+                </a:solidFill>
+                <a:latin typeface="Consolas"/>
+                <a:ea typeface="Consolas"/>
+                <a:cs typeface="Consolas"/>
+                <a:sym typeface="Consolas"/>
+              </a:rPr>
+              <a:t>$ git checkout -b emailwording</a:t>
+            </a:r>
+          </a:p>
+          <a:p>
+            <a:r>
+              <a:t/>
+            </a:r>
+          </a:p>
+          <a:p>
+            <a:pPr rtl="0" lvl="0">
+              <a:buNone/>
+            </a:pPr>
+            <a:r>
+              <a:rPr lang="en" sz="2400" b="1">
+                <a:solidFill>
+                  <a:srgbClr val="FFFFFF"/>
+                </a:solidFill>
+                <a:latin typeface="Consolas"/>
+                <a:ea typeface="Consolas"/>
+                <a:cs typeface="Consolas"/>
+                <a:sym typeface="Consolas"/>
+              </a:rPr>
+              <a:t>$ git diff 8.x</a:t>
+            </a:r>
+          </a:p>
+          <a:p>
+            <a:r>
+              <a:t/>
+            </a:r>
+          </a:p>
+          <a:p>
+            <a:pPr rtl="0" lvl="0">
+              <a:buNone/>
+            </a:pPr>
+            <a:r>
+              <a:rPr lang="en" sz="2400" b="1">
+                <a:solidFill>
+                  <a:srgbClr val="FFFFFF"/>
+                </a:solidFill>
+                <a:latin typeface="Consolas"/>
+                <a:ea typeface="Consolas"/>
+                <a:cs typeface="Consolas"/>
+                <a:sym typeface="Consolas"/>
+              </a:rPr>
+              <a:t>$ git -am "Patch to fix issue 950534."</a:t>
+            </a:r>
+          </a:p>
+          <a:p>
+            <a:r>
+              <a:t/>
+            </a:r>
+          </a:p>
+          <a:p>
+            <a:pPr rtl="0" lvl="0">
+              <a:buNone/>
+            </a:pPr>
+            <a:r>
+              <a:rPr lang="en" sz="2400" b="1">
+                <a:solidFill>
+                  <a:srgbClr val="FFFFFF"/>
+                </a:solidFill>
+                <a:latin typeface="Consolas"/>
+                <a:ea typeface="Consolas"/>
+                <a:cs typeface="Consolas"/>
+                <a:sym typeface="Consolas"/>
+              </a:rPr>
+              <a:t>$ git diff 8.x &gt; consistent_email_950534_08.patch</a:t>
+            </a:r>
+          </a:p>
+          <a:p>
+            <a:r>
+              <a:t/>
+            </a:r>
+          </a:p>
+        </p:txBody>
+      </p:sp>
+    </p:spTree>
+  </p:cSld>
+  <p:clrMapOvr>
+    <a:masterClrMapping/>
+  </p:clrMapOvr>
+  <p:transition spd="slow">
+    <p:cut/>
+  </p:transition>
+</p:sld>
+</file>
+
+<file path=ppt/slides/slide14.xml><?xml version="1.0" encoding="utf-8"?>
+<p:sld xmlns:a="http://schemas.openxmlformats.org/drawingml/2006/main" xmlns:r="http://schemas.openxmlformats.org/officeDocument/2006/relationships" xmlns:mc="http://schemas.openxmlformats.org/markup-compatibility/2006" xmlns:mv="urn:schemas-microsoft-com:mac:vml" xmlns:p="http://schemas.openxmlformats.org/presentationml/2006/main" xmlns:c="http://schemas.openxmlformats.org/drawingml/2006/chart" xmlns:dgm="http://schemas.openxmlformats.org/drawingml/2006/diagram" xmlns:o="urn:schemas-microsoft-com:office:office" xmlns:v="urn:schemas-microsoft-com:vml" xmlns:pvml="urn:schemas-microsoft-com:office:powerpoint" xmlns:com="http://schemas.openxmlformats.org/drawingml/2006/compatibility" xmlns:p14="http://schemas.microsoft.com/office/powerpoint/2010/main">
+  <p:cSld>
+    <p:spTree>
+      <p:nvGrpSpPr>
+        <p:cNvPr name="Shape 142" id="142"/>
+        <p:cNvGrpSpPr/>
+        <p:nvPr/>
+      </p:nvGrpSpPr>
+      <p:grpSpPr>
+        <a:xfrm>
+          <a:off y="0" x="0"/>
+          <a:ext cy="0" cx="0"/>
+          <a:chOff y="0" x="0"/>
+          <a:chExt cy="0" cx="0"/>
+        </a:xfrm>
+      </p:grpSpPr>
+      <p:sp>
+        <p:nvSpPr>
+          <p:cNvPr name="Shape 143" id="143"/>
+          <p:cNvSpPr txBox="1"/>
+          <p:nvPr>
+            <p:ph type="title"/>
+          </p:nvPr>
+        </p:nvSpPr>
+        <p:spPr>
+          <a:xfrm>
+            <a:off y="274637" x="457200"/>
+            <a:ext cy="1143000" cx="8229600"/>
+          </a:xfrm>
+          <a:prstGeom prst="rect">
+            <a:avLst/>
+          </a:prstGeom>
+        </p:spPr>
+        <p:txBody>
+          <a:bodyPr bIns="91425" tIns="91425" lIns="91425" anchor="b" anchorCtr="0" rIns="91425">
+            <a:spAutoFit/>
+          </a:bodyPr>
+          <a:lstStyle/>
+          <a:p>
+            <a:pPr rtl="0" lvl="0">
+              <a:buNone/>
+            </a:pPr>
+            <a:r>
+              <a:rPr lang="en"/>
+              <a:t>Patches</a:t>
+            </a:r>
+          </a:p>
+        </p:txBody>
+      </p:sp>
+      <p:sp>
+        <p:nvSpPr>
+          <p:cNvPr name="Shape 144" id="144"/>
+          <p:cNvSpPr txBox="1"/>
+          <p:nvPr>
+            <p:ph type="body" idx="1"/>
+          </p:nvPr>
+        </p:nvSpPr>
+        <p:spPr>
+          <a:xfrm>
+            <a:off y="1600200" x="457200"/>
+            <a:ext cy="1228500" cx="8229600"/>
+          </a:xfrm>
+          <a:prstGeom prst="rect">
+            <a:avLst/>
+          </a:prstGeom>
+        </p:spPr>
+        <p:txBody>
+          <a:bodyPr bIns="91425" tIns="91425" lIns="91425" anchor="t" anchorCtr="0" rIns="91425">
+            <a:spAutoFit/>
+          </a:bodyPr>
+          <a:lstStyle/>
+          <a:p>
+            <a:pPr indent="-419100" marL="457200" rtl="0" lvl="0">
+              <a:buClr>
+                <a:schemeClr val="dk1"/>
+              </a:buClr>
+              <a:buSzPct val="166666"/>
+              <a:buFont typeface="Arial"/>
+              <a:buChar char="•"/>
+            </a:pPr>
+            <a:r>
+              <a:rPr lang="en"/>
+              <a:t>Apply a patch</a:t>
+            </a:r>
+          </a:p>
+        </p:txBody>
+      </p:sp>
+      <p:sp>
+        <p:nvSpPr>
+          <p:cNvPr name="Shape 145" id="145"/>
+          <p:cNvSpPr/>
+          <p:nvPr/>
+        </p:nvSpPr>
+        <p:spPr>
+          <a:xfrm>
+            <a:off y="179757" x="7821012"/>
+            <a:ext cy="1107229" cx="1107229"/>
+          </a:xfrm>
+          <a:prstGeom prst="rect">
+            <a:avLst/>
+          </a:prstGeom>
+          <a:blipFill>
+            <a:blip r:embed="rId3"/>
+            <a:stretch>
+              <a:fillRect/>
+            </a:stretch>
+          </a:blipFill>
+          <a:ln>
+            <a:noFill/>
+          </a:ln>
+        </p:spPr>
+      </p:sp>
+      <p:sp>
+        <p:nvSpPr>
+          <p:cNvPr name="Shape 146" id="146"/>
+          <p:cNvSpPr txBox="1"/>
+          <p:nvPr/>
+        </p:nvSpPr>
+        <p:spPr>
+          <a:xfrm>
+            <a:off y="3375300" x="0"/>
+            <a:ext cy="3026700" cx="9126000"/>
+          </a:xfrm>
+          <a:prstGeom prst="rect">
+            <a:avLst/>
+          </a:prstGeom>
+          <a:solidFill>
+            <a:srgbClr val="000000"/>
+          </a:solidFill>
+        </p:spPr>
+        <p:txBody>
+          <a:bodyPr bIns="91425" tIns="91425" lIns="91425" anchor="t" anchorCtr="0" rIns="91425">
+            <a:spAutoFit/>
+          </a:bodyPr>
+          <a:lstStyle/>
+          <a:p>
+            <a:pPr rtl="0" lvl="0">
+              <a:buNone/>
+            </a:pPr>
+            <a:r>
+              <a:rPr lang="en" sz="2400" b="1">
+                <a:solidFill>
+                  <a:srgbClr val="FFFFFF"/>
+                </a:solidFill>
+                <a:latin typeface="Consolas"/>
+                <a:ea typeface="Consolas"/>
+                <a:cs typeface="Consolas"/>
+                <a:sym typeface="Consolas"/>
+              </a:rPr>
+              <a:t>$ git apply --check -v /path/to/patch</a:t>
+            </a:r>
+          </a:p>
+          <a:p>
+            <a:r>
+              <a:t/>
+            </a:r>
+          </a:p>
+          <a:p>
+            <a:pPr rtl="0" lvl="0">
+              <a:buNone/>
+            </a:pPr>
+            <a:r>
+              <a:rPr lang="en" sz="2400" b="1">
+                <a:solidFill>
+                  <a:srgbClr val="FFFFFF"/>
+                </a:solidFill>
+                <a:latin typeface="Consolas"/>
+                <a:ea typeface="Consolas"/>
+                <a:cs typeface="Consolas"/>
+                <a:sym typeface="Consolas"/>
+              </a:rPr>
+              <a:t>$ git apply --stat /path/to/patch</a:t>
+            </a:r>
+          </a:p>
+          <a:p>
+            <a:r>
+              <a:t/>
+            </a:r>
+          </a:p>
+          <a:p>
+            <a:pPr rtl="0" lvl="0">
+              <a:buNone/>
+            </a:pPr>
+            <a:r>
+              <a:rPr lang="en" sz="2400" b="1">
+                <a:solidFill>
+                  <a:srgbClr val="FFFFFF"/>
+                </a:solidFill>
+                <a:latin typeface="Consolas"/>
+                <a:ea typeface="Consolas"/>
+                <a:cs typeface="Consolas"/>
+                <a:sym typeface="Consolas"/>
+              </a:rPr>
+              <a:t>$ git -am "Patch to fix issue 950534."</a:t>
+            </a:r>
+          </a:p>
+          <a:p>
+            <a:r>
+              <a:t/>
+            </a:r>
+          </a:p>
+          <a:p>
+            <a:pPr rtl="0" lvl="0">
+              <a:buNone/>
+            </a:pPr>
+            <a:r>
+              <a:rPr lang="en" sz="2400" b="1">
+                <a:solidFill>
+                  <a:srgbClr val="FFFFFF"/>
+                </a:solidFill>
+                <a:latin typeface="Consolas"/>
+                <a:ea typeface="Consolas"/>
+                <a:cs typeface="Consolas"/>
+                <a:sym typeface="Consolas"/>
+              </a:rPr>
+              <a:t>$ git apply -v /path/to/patch</a:t>
+            </a:r>
+          </a:p>
+          <a:p>
+            <a:r>
+              <a:t/>
+            </a:r>
+          </a:p>
+        </p:txBody>
+      </p:sp>
+    </p:spTree>
+  </p:cSld>
+  <p:clrMapOvr>
+    <a:masterClrMapping/>
+  </p:clrMapOvr>
+  <p:transition spd="slow">
+    <p:cut/>
+  </p:transition>
+</p:sld>
+</file>
+
+<file path=ppt/slides/slide15.xml><?xml version="1.0" encoding="utf-8"?>
+<p:sld xmlns:a="http://schemas.openxmlformats.org/drawingml/2006/main" xmlns:r="http://schemas.openxmlformats.org/officeDocument/2006/relationships" xmlns:mc="http://schemas.openxmlformats.org/markup-compatibility/2006" xmlns:mv="urn:schemas-microsoft-com:mac:vml" xmlns:p="http://schemas.openxmlformats.org/presentationml/2006/main" xmlns:c="http://schemas.openxmlformats.org/drawingml/2006/chart" xmlns:dgm="http://schemas.openxmlformats.org/drawingml/2006/diagram" xmlns:o="urn:schemas-microsoft-com:office:office" xmlns:v="urn:schemas-microsoft-com:vml" xmlns:pvml="urn:schemas-microsoft-com:office:powerpoint" xmlns:com="http://schemas.openxmlformats.org/drawingml/2006/compatibility" xmlns:p14="http://schemas.microsoft.com/office/powerpoint/2010/main">
+  <p:cSld>
+    <p:spTree>
+      <p:nvGrpSpPr>
+        <p:cNvPr name="Shape 150" id="150"/>
+        <p:cNvGrpSpPr/>
+        <p:nvPr/>
+      </p:nvGrpSpPr>
+      <p:grpSpPr>
+        <a:xfrm>
+          <a:off y="0" x="0"/>
+          <a:ext cy="0" cx="0"/>
+          <a:chOff y="0" x="0"/>
+          <a:chExt cy="0" cx="0"/>
+        </a:xfrm>
+      </p:grpSpPr>
+      <p:sp>
+        <p:nvSpPr>
+          <p:cNvPr name="Shape 151" id="151"/>
+          <p:cNvSpPr txBox="1"/>
+          <p:nvPr>
+            <p:ph type="title"/>
+          </p:nvPr>
+        </p:nvSpPr>
+        <p:spPr>
+          <a:xfrm>
+            <a:off y="274637" x="457200"/>
+            <a:ext cy="1143000" cx="8229600"/>
+          </a:xfrm>
+          <a:prstGeom prst="rect">
+            <a:avLst/>
+          </a:prstGeom>
+        </p:spPr>
+        <p:txBody>
+          <a:bodyPr bIns="91425" tIns="91425" lIns="91425" anchor="b" anchorCtr="0" rIns="91425">
+            <a:spAutoFit/>
+          </a:bodyPr>
+          <a:lstStyle/>
+          <a:p>
+            <a:pPr>
+              <a:buNone/>
+            </a:pPr>
+            <a:r>
+              <a:rPr lang="en"/>
+              <a:t>Merging</a:t>
+            </a:r>
+          </a:p>
+        </p:txBody>
+      </p:sp>
+      <p:sp>
+        <p:nvSpPr>
+          <p:cNvPr name="Shape 152" id="152"/>
+          <p:cNvSpPr txBox="1"/>
+          <p:nvPr>
+            <p:ph type="body" idx="1"/>
+          </p:nvPr>
+        </p:nvSpPr>
+        <p:spPr>
+          <a:xfrm>
+            <a:off y="1600200" x="457200"/>
+            <a:ext cy="4967700" cx="8229600"/>
+          </a:xfrm>
+          <a:prstGeom prst="rect">
+            <a:avLst/>
+          </a:prstGeom>
+        </p:spPr>
+        <p:txBody>
+          <a:bodyPr bIns="91425" tIns="91425" lIns="91425" anchor="t" anchorCtr="0" rIns="91425">
+            <a:spAutoFit/>
+          </a:bodyPr>
+          <a:lstStyle/>
+          <a:p>
+            <a:pPr indent="-419100" marL="457200" lvl="0">
+              <a:buClr>
+                <a:schemeClr val="dk1"/>
+              </a:buClr>
+              <a:buSzPct val="166666"/>
+              <a:buFont typeface="Arial"/>
+              <a:buChar char="•"/>
+            </a:pPr>
+            <a:r>
+              <a:rPr lang="en"/>
+              <a:t>Merging branches</a:t>
+            </a:r>
+          </a:p>
+        </p:txBody>
+      </p:sp>
+      <p:sp>
+        <p:nvSpPr>
+          <p:cNvPr name="Shape 153" id="153"/>
+          <p:cNvSpPr/>
+          <p:nvPr/>
+        </p:nvSpPr>
+        <p:spPr>
+          <a:xfrm>
+            <a:off y="179757" x="7821012"/>
+            <a:ext cy="1107229" cx="1107229"/>
+          </a:xfrm>
+          <a:prstGeom prst="rect">
+            <a:avLst/>
+          </a:prstGeom>
+          <a:blipFill>
+            <a:blip r:embed="rId3"/>
+            <a:stretch>
+              <a:fillRect/>
+            </a:stretch>
+          </a:blipFill>
+          <a:ln>
+            <a:noFill/>
+          </a:ln>
+        </p:spPr>
+      </p:sp>
+      <p:sp>
+        <p:nvSpPr>
+          <p:cNvPr name="Shape 154" id="154"/>
+          <p:cNvSpPr txBox="1"/>
+          <p:nvPr/>
+        </p:nvSpPr>
+        <p:spPr>
+          <a:xfrm>
+            <a:off y="3375300" x="0"/>
+            <a:ext cy="3026700" cx="9126000"/>
+          </a:xfrm>
+          <a:prstGeom prst="rect">
+            <a:avLst/>
+          </a:prstGeom>
+          <a:solidFill>
+            <a:srgbClr val="000000"/>
+          </a:solidFill>
+        </p:spPr>
+        <p:txBody>
+          <a:bodyPr bIns="91425" tIns="91425" lIns="91425" anchor="t" anchorCtr="0" rIns="91425">
+            <a:spAutoFit/>
+          </a:bodyPr>
+          <a:lstStyle/>
+          <a:p>
+            <a:pPr rtl="0" lvl="0">
+              <a:buNone/>
+            </a:pPr>
+            <a:r>
+              <a:rPr lang="en" sz="2400" b="1">
+                <a:solidFill>
+                  <a:srgbClr val="FFFFFF"/>
+                </a:solidFill>
+                <a:latin typeface="Consolas"/>
+                <a:ea typeface="Consolas"/>
+                <a:cs typeface="Consolas"/>
+                <a:sym typeface="Consolas"/>
+              </a:rPr>
+              <a:t>$ git checkout master</a:t>
+            </a:r>
+          </a:p>
+          <a:p>
+            <a:r>
+              <a:t/>
+            </a:r>
+          </a:p>
+          <a:p>
+            <a:pPr rtl="0" lvl="0">
+              <a:buNone/>
+            </a:pPr>
+            <a:r>
+              <a:rPr lang="en" sz="2400" b="1">
+                <a:solidFill>
+                  <a:srgbClr val="FFFFFF"/>
+                </a:solidFill>
+                <a:latin typeface="Consolas"/>
+                <a:ea typeface="Consolas"/>
+                <a:cs typeface="Consolas"/>
+                <a:sym typeface="Consolas"/>
+              </a:rPr>
+              <a:t>$ git merge styles</a:t>
+            </a:r>
+          </a:p>
+          <a:p>
+            <a:r>
+              <a:t/>
+            </a:r>
+          </a:p>
+          <a:p>
+            <a:r>
+              <a:t/>
+            </a:r>
+          </a:p>
+        </p:txBody>
+      </p:sp>
+      <p:sp>
+        <p:nvSpPr>
+          <p:cNvPr name="Shape 155" id="155"/>
+          <p:cNvSpPr/>
+          <p:nvPr/>
+        </p:nvSpPr>
+        <p:spPr>
+          <a:xfrm>
+            <a:off y="4626100" x="381000"/>
+            <a:ext cy="1466035" cx="8210728"/>
+          </a:xfrm>
+          <a:prstGeom prst="rect">
+            <a:avLst/>
+          </a:prstGeom>
+          <a:blipFill>
+            <a:blip r:embed="rId4"/>
+            <a:stretch>
+              <a:fillRect/>
+            </a:stretch>
+          </a:blipFill>
+          <a:ln>
+            <a:noFill/>
+          </a:ln>
+        </p:spPr>
+      </p:sp>
+    </p:spTree>
+  </p:cSld>
+  <p:clrMapOvr>
+    <a:masterClrMapping/>
+  </p:clrMapOvr>
+  <p:transition spd="slow">
+    <p:cut/>
+  </p:transition>
+</p:sld>
+</file>
+
+<file path=ppt/slides/slide16.xml><?xml version="1.0" encoding="utf-8"?>
+<p:sld xmlns:a="http://schemas.openxmlformats.org/drawingml/2006/main" xmlns:r="http://schemas.openxmlformats.org/officeDocument/2006/relationships" xmlns:mc="http://schemas.openxmlformats.org/markup-compatibility/2006" xmlns:mv="urn:schemas-microsoft-com:mac:vml" xmlns:p="http://schemas.openxmlformats.org/presentationml/2006/main" xmlns:c="http://schemas.openxmlformats.org/drawingml/2006/chart" xmlns:dgm="http://schemas.openxmlformats.org/drawingml/2006/diagram" xmlns:o="urn:schemas-microsoft-com:office:office" xmlns:v="urn:schemas-microsoft-com:vml" xmlns:pvml="urn:schemas-microsoft-com:office:powerpoint" xmlns:com="http://schemas.openxmlformats.org/drawingml/2006/compatibility" xmlns:p14="http://schemas.microsoft.com/office/powerpoint/2010/main">
+  <p:cSld>
+    <p:spTree>
+      <p:nvGrpSpPr>
+        <p:cNvPr name="Shape 159" id="159"/>
+        <p:cNvGrpSpPr/>
+        <p:nvPr/>
+      </p:nvGrpSpPr>
+      <p:grpSpPr>
+        <a:xfrm>
+          <a:off y="0" x="0"/>
+          <a:ext cy="0" cx="0"/>
+          <a:chOff y="0" x="0"/>
+          <a:chExt cy="0" cx="0"/>
+        </a:xfrm>
+      </p:grpSpPr>
+      <p:sp>
+        <p:nvSpPr>
+          <p:cNvPr name="Shape 160" id="160"/>
+          <p:cNvSpPr txBox="1"/>
+          <p:nvPr>
+            <p:ph type="title"/>
+          </p:nvPr>
+        </p:nvSpPr>
+        <p:spPr>
+          <a:xfrm>
+            <a:off y="274637" x="457200"/>
+            <a:ext cy="1143000" cx="8229600"/>
+          </a:xfrm>
+          <a:prstGeom prst="rect">
+            <a:avLst/>
+          </a:prstGeom>
+        </p:spPr>
+        <p:txBody>
+          <a:bodyPr bIns="91425" tIns="91425" lIns="91425" anchor="b" anchorCtr="0" rIns="91425">
+            <a:spAutoFit/>
+          </a:bodyPr>
+          <a:lstStyle/>
+          <a:p>
+            <a:pPr>
+              <a:buNone/>
+            </a:pPr>
+            <a:r>
+              <a:rPr lang="en"/>
+              <a:t>Working with Remotes</a:t>
+            </a:r>
+          </a:p>
+        </p:txBody>
+      </p:sp>
+      <p:sp>
+        <p:nvSpPr>
+          <p:cNvPr name="Shape 161" id="161"/>
+          <p:cNvSpPr txBox="1"/>
+          <p:nvPr>
+            <p:ph type="body" idx="1"/>
+          </p:nvPr>
+        </p:nvSpPr>
+        <p:spPr>
+          <a:xfrm>
+            <a:off y="1600200" x="457200"/>
+            <a:ext cy="1855800" cx="8229600"/>
+          </a:xfrm>
+          <a:prstGeom prst="rect">
+            <a:avLst/>
+          </a:prstGeom>
+        </p:spPr>
+        <p:txBody>
+          <a:bodyPr bIns="91425" tIns="91425" lIns="91425" anchor="t" anchorCtr="0" rIns="91425">
+            <a:spAutoFit/>
+          </a:bodyPr>
+          <a:lstStyle/>
+          <a:p>
+            <a:pPr indent="-419100" marL="457200" rtl="0" lvl="0">
+              <a:buClr>
+                <a:schemeClr val="dk1"/>
+              </a:buClr>
+              <a:buSzPct val="166666"/>
+              <a:buFont typeface="Arial"/>
+              <a:buChar char="•"/>
+            </a:pPr>
+            <a:r>
+              <a:rPr lang="en"/>
+              <a:t>SSH Keys</a:t>
+            </a:r>
+          </a:p>
+        </p:txBody>
+      </p:sp>
+      <p:sp>
+        <p:nvSpPr>
+          <p:cNvPr name="Shape 162" id="162"/>
+          <p:cNvSpPr/>
+          <p:nvPr/>
+        </p:nvSpPr>
+        <p:spPr>
+          <a:xfrm>
+            <a:off y="179757" x="7821012"/>
+            <a:ext cy="1107229" cx="1107229"/>
+          </a:xfrm>
+          <a:prstGeom prst="rect">
+            <a:avLst/>
+          </a:prstGeom>
+          <a:blipFill>
+            <a:blip r:embed="rId3"/>
+            <a:stretch>
+              <a:fillRect/>
+            </a:stretch>
+          </a:blipFill>
+          <a:ln>
+            <a:noFill/>
+          </a:ln>
+        </p:spPr>
+      </p:sp>
+      <p:sp>
+        <p:nvSpPr>
+          <p:cNvPr name="Shape 163" id="163"/>
+          <p:cNvSpPr txBox="1"/>
+          <p:nvPr/>
+        </p:nvSpPr>
+        <p:spPr>
+          <a:xfrm>
+            <a:off y="2156100" x="0"/>
+            <a:ext cy="510300" cx="9126000"/>
+          </a:xfrm>
+          <a:prstGeom prst="rect">
+            <a:avLst/>
+          </a:prstGeom>
+          <a:solidFill>
+            <a:srgbClr val="000000"/>
+          </a:solidFill>
+        </p:spPr>
+        <p:txBody>
+          <a:bodyPr bIns="91425" tIns="91425" lIns="91425" anchor="t" anchorCtr="0" rIns="91425">
+            <a:spAutoFit/>
+          </a:bodyPr>
+          <a:lstStyle/>
+          <a:p>
+            <a:pPr rtl="0" lvl="0">
+              <a:buNone/>
+            </a:pPr>
+            <a:r>
+              <a:rPr lang="en" sz="2400" b="1">
+                <a:solidFill>
+                  <a:srgbClr val="FFFFFF"/>
+                </a:solidFill>
+                <a:latin typeface="Consolas"/>
+                <a:ea typeface="Consolas"/>
+                <a:cs typeface="Consolas"/>
+                <a:sym typeface="Consolas"/>
+              </a:rPr>
+              <a:t>$ ssh-keygen -t rsa -C "your_email@youremail.com"</a:t>
+            </a:r>
+          </a:p>
+          <a:p>
+            <a:r>
+              <a:t/>
+            </a:r>
+          </a:p>
+        </p:txBody>
+      </p:sp>
+      <p:sp>
+        <p:nvSpPr>
+          <p:cNvPr name="Shape 164" id="164"/>
+          <p:cNvSpPr txBox="1"/>
+          <p:nvPr/>
+        </p:nvSpPr>
+        <p:spPr>
+          <a:xfrm>
+            <a:off y="3375300" x="0"/>
+            <a:ext cy="510300" cx="9126000"/>
+          </a:xfrm>
+          <a:prstGeom prst="rect">
+            <a:avLst/>
+          </a:prstGeom>
+          <a:solidFill>
+            <a:srgbClr val="000000"/>
+          </a:solidFill>
+        </p:spPr>
+        <p:txBody>
+          <a:bodyPr bIns="91425" tIns="91425" lIns="91425" anchor="t" anchorCtr="0" rIns="91425">
+            <a:spAutoFit/>
+          </a:bodyPr>
+          <a:lstStyle/>
+          <a:p>
+            <a:pPr rtl="0" lvl="0">
+              <a:buNone/>
+            </a:pPr>
+            <a:r>
+              <a:rPr lang="en" sz="2400" b="1">
+                <a:solidFill>
+                  <a:srgbClr val="FFFFFF"/>
+                </a:solidFill>
+                <a:latin typeface="Consolas"/>
+                <a:ea typeface="Consolas"/>
+                <a:cs typeface="Consolas"/>
+                <a:sym typeface="Consolas"/>
+              </a:rPr>
+              <a:t>$ git push origin master</a:t>
+            </a:r>
+          </a:p>
+          <a:p>
+            <a:r>
+              <a:t/>
+            </a:r>
+          </a:p>
+        </p:txBody>
+      </p:sp>
+      <p:sp>
+        <p:nvSpPr>
+          <p:cNvPr name="Shape 165" id="165"/>
+          <p:cNvSpPr txBox="1"/>
+          <p:nvPr/>
+        </p:nvSpPr>
+        <p:spPr>
+          <a:xfrm>
+            <a:off y="4594500" x="0"/>
+            <a:ext cy="510300" cx="9126000"/>
+          </a:xfrm>
+          <a:prstGeom prst="rect">
+            <a:avLst/>
+          </a:prstGeom>
+          <a:solidFill>
+            <a:srgbClr val="000000"/>
+          </a:solidFill>
+        </p:spPr>
+        <p:txBody>
+          <a:bodyPr bIns="91425" tIns="91425" lIns="91425" anchor="t" anchorCtr="0" rIns="91425">
+            <a:spAutoFit/>
+          </a:bodyPr>
+          <a:lstStyle/>
+          <a:p>
+            <a:pPr rtl="0" lvl="0">
+              <a:buNone/>
+            </a:pPr>
+            <a:r>
+              <a:rPr lang="en" sz="2400" b="1">
+                <a:solidFill>
+                  <a:srgbClr val="FFFFFF"/>
+                </a:solidFill>
+                <a:latin typeface="Consolas"/>
+                <a:ea typeface="Consolas"/>
+                <a:cs typeface="Consolas"/>
+                <a:sym typeface="Consolas"/>
+              </a:rPr>
+              <a:t>$ git pull origin master</a:t>
+            </a:r>
+          </a:p>
+          <a:p>
+            <a:r>
+              <a:t/>
+            </a:r>
+          </a:p>
+        </p:txBody>
+      </p:sp>
+      <p:sp>
+        <p:nvSpPr>
+          <p:cNvPr name="Shape 166" id="166"/>
+          <p:cNvSpPr txBox="1"/>
+          <p:nvPr/>
+        </p:nvSpPr>
+        <p:spPr>
+          <a:xfrm>
+            <a:off y="5889900" x="0"/>
+            <a:ext cy="798600" cx="9126000"/>
+          </a:xfrm>
+          <a:prstGeom prst="rect">
+            <a:avLst/>
+          </a:prstGeom>
+          <a:solidFill>
+            <a:srgbClr val="000000"/>
+          </a:solidFill>
+        </p:spPr>
+        <p:txBody>
+          <a:bodyPr bIns="91425" tIns="91425" lIns="91425" anchor="t" anchorCtr="0" rIns="91425">
+            <a:spAutoFit/>
+          </a:bodyPr>
+          <a:lstStyle/>
+          <a:p>
+            <a:pPr rtl="0" lvl="0">
+              <a:buNone/>
+            </a:pPr>
+            <a:r>
+              <a:rPr lang="en" sz="2400" b="1">
+                <a:solidFill>
+                  <a:srgbClr val="FFFFFF"/>
+                </a:solidFill>
+                <a:latin typeface="Consolas"/>
+                <a:ea typeface="Consolas"/>
+                <a:cs typeface="Consolas"/>
+                <a:sym typeface="Consolas"/>
+              </a:rPr>
+              <a:t>$ git clone --recursive --branch 8.x http://git.drupal.org/project/drupal.git</a:t>
+            </a:r>
+          </a:p>
+          <a:p>
+            <a:r>
+              <a:t/>
+            </a:r>
+          </a:p>
+        </p:txBody>
+      </p:sp>
+      <p:sp>
+        <p:nvSpPr>
+          <p:cNvPr name="Shape 167" id="167"/>
+          <p:cNvSpPr txBox="1"/>
+          <p:nvPr>
+            <p:ph type="body" idx="2"/>
+          </p:nvPr>
+        </p:nvSpPr>
+        <p:spPr>
+          <a:xfrm>
+            <a:off y="2819400" x="457200"/>
+            <a:ext cy="1855800" cx="8229600"/>
+          </a:xfrm>
+          <a:prstGeom prst="rect">
+            <a:avLst/>
+          </a:prstGeom>
+        </p:spPr>
+        <p:txBody>
+          <a:bodyPr bIns="91425" tIns="91425" lIns="91425" anchor="t" anchorCtr="0" rIns="91425">
+            <a:spAutoFit/>
+          </a:bodyPr>
+          <a:lstStyle/>
+          <a:p>
+            <a:pPr indent="-419100" marL="457200" rtl="0" lvl="0">
+              <a:buClr>
+                <a:schemeClr val="dk1"/>
+              </a:buClr>
+              <a:buSzPct val="166666"/>
+              <a:buFont typeface="Arial"/>
+              <a:buChar char="•"/>
+            </a:pPr>
+            <a:r>
+              <a:rPr lang="en"/>
+              <a:t>Pull</a:t>
+            </a:r>
+          </a:p>
+        </p:txBody>
+      </p:sp>
+      <p:sp>
+        <p:nvSpPr>
+          <p:cNvPr name="Shape 168" id="168"/>
+          <p:cNvSpPr txBox="1"/>
+          <p:nvPr>
+            <p:ph type="body" idx="3"/>
+          </p:nvPr>
+        </p:nvSpPr>
+        <p:spPr>
+          <a:xfrm>
+            <a:off y="4038600" x="457200"/>
+            <a:ext cy="1855800" cx="8229600"/>
+          </a:xfrm>
+          <a:prstGeom prst="rect">
+            <a:avLst/>
+          </a:prstGeom>
+        </p:spPr>
+        <p:txBody>
+          <a:bodyPr bIns="91425" tIns="91425" lIns="91425" anchor="t" anchorCtr="0" rIns="91425">
+            <a:spAutoFit/>
+          </a:bodyPr>
+          <a:lstStyle/>
+          <a:p>
+            <a:pPr indent="-419100" marL="457200" rtl="0" lvl="0">
+              <a:buClr>
+                <a:schemeClr val="dk1"/>
+              </a:buClr>
+              <a:buSzPct val="166666"/>
+              <a:buFont typeface="Arial"/>
+              <a:buChar char="•"/>
+            </a:pPr>
+            <a:r>
+              <a:rPr lang="en"/>
+              <a:t>Push</a:t>
+            </a:r>
+          </a:p>
+        </p:txBody>
+      </p:sp>
+      <p:sp>
+        <p:nvSpPr>
+          <p:cNvPr name="Shape 169" id="169"/>
+          <p:cNvSpPr txBox="1"/>
+          <p:nvPr>
+            <p:ph type="body" idx="4"/>
+          </p:nvPr>
+        </p:nvSpPr>
+        <p:spPr>
+          <a:xfrm>
+            <a:off y="5334000" x="457200"/>
+            <a:ext cy="1855800" cx="8229600"/>
+          </a:xfrm>
+          <a:prstGeom prst="rect">
+            <a:avLst/>
+          </a:prstGeom>
+        </p:spPr>
+        <p:txBody>
+          <a:bodyPr bIns="91425" tIns="91425" lIns="91425" anchor="t" anchorCtr="0" rIns="91425">
+            <a:spAutoFit/>
+          </a:bodyPr>
+          <a:lstStyle/>
+          <a:p>
+            <a:pPr indent="-419100" marL="457200" rtl="0" lvl="0">
+              <a:buClr>
+                <a:schemeClr val="dk1"/>
+              </a:buClr>
+              <a:buSzPct val="166666"/>
+              <a:buFont typeface="Arial"/>
+              <a:buChar char="•"/>
+            </a:pPr>
+            <a:r>
+              <a:rPr lang="en"/>
+              <a:t>Clone</a:t>
+            </a:r>
+          </a:p>
+        </p:txBody>
+      </p:sp>
+    </p:spTree>
+  </p:cSld>
+  <p:clrMapOvr>
+    <a:masterClrMapping/>
+  </p:clrMapOvr>
+  <p:transition spd="slow">
+    <p:cut/>
+  </p:transition>
+</p:sld>
+</file>
+
+<file path=ppt/slides/slide17.xml><?xml version="1.0" encoding="utf-8"?>
+<p:sld xmlns:a="http://schemas.openxmlformats.org/drawingml/2006/main" xmlns:r="http://schemas.openxmlformats.org/officeDocument/2006/relationships" xmlns:mc="http://schemas.openxmlformats.org/markup-compatibility/2006" xmlns:mv="urn:schemas-microsoft-com:mac:vml" xmlns:p="http://schemas.openxmlformats.org/presentationml/2006/main" xmlns:c="http://schemas.openxmlformats.org/drawingml/2006/chart" xmlns:dgm="http://schemas.openxmlformats.org/drawingml/2006/diagram" xmlns:o="urn:schemas-microsoft-com:office:office" xmlns:v="urn:schemas-microsoft-com:vml" xmlns:pvml="urn:schemas-microsoft-com:office:powerpoint" xmlns:com="http://schemas.openxmlformats.org/drawingml/2006/compatibility" xmlns:p14="http://schemas.microsoft.com/office/powerpoint/2010/main">
+  <p:cSld>
+    <p:spTree>
+      <p:nvGrpSpPr>
+        <p:cNvPr name="Shape 173" id="173"/>
+        <p:cNvGrpSpPr/>
+        <p:nvPr/>
+      </p:nvGrpSpPr>
+      <p:grpSpPr>
+        <a:xfrm>
+          <a:off y="0" x="0"/>
+          <a:ext cy="0" cx="0"/>
+          <a:chOff y="0" x="0"/>
+          <a:chExt cy="0" cx="0"/>
+        </a:xfrm>
+      </p:grpSpPr>
+      <p:sp>
+        <p:nvSpPr>
+          <p:cNvPr name="Shape 174" id="174"/>
+          <p:cNvSpPr txBox="1"/>
+          <p:nvPr>
+            <p:ph type="title"/>
+          </p:nvPr>
+        </p:nvSpPr>
+        <p:spPr>
+          <a:xfrm>
+            <a:off y="274637" x="457200"/>
+            <a:ext cy="1143000" cx="8229600"/>
+          </a:xfrm>
+          <a:prstGeom prst="rect">
+            <a:avLst/>
+          </a:prstGeom>
+        </p:spPr>
+        <p:txBody>
+          <a:bodyPr bIns="91425" tIns="91425" lIns="91425" anchor="b" anchorCtr="0" rIns="91425">
+            <a:spAutoFit/>
+          </a:bodyPr>
+          <a:lstStyle/>
+          <a:p>
+            <a:pPr>
+              <a:buNone/>
+            </a:pPr>
+            <a:r>
+              <a:rPr lang="en"/>
+              <a:t>Relax Your Brain</a:t>
+            </a:r>
+          </a:p>
+        </p:txBody>
+      </p:sp>
+      <p:sp>
+        <p:nvSpPr>
+          <p:cNvPr name="Shape 175" id="175"/>
+          <p:cNvSpPr txBox="1"/>
+          <p:nvPr>
+            <p:ph type="body" idx="1"/>
+          </p:nvPr>
+        </p:nvSpPr>
+        <p:spPr>
+          <a:xfrm>
+            <a:off y="1600200" x="457200"/>
+            <a:ext cy="4967700" cx="8229600"/>
+          </a:xfrm>
+          <a:prstGeom prst="rect">
+            <a:avLst/>
+          </a:prstGeom>
+        </p:spPr>
+        <p:txBody>
+          <a:bodyPr bIns="91425" tIns="91425" lIns="91425" anchor="t" anchorCtr="0" rIns="91425">
+            <a:spAutoFit/>
+          </a:bodyPr>
+          <a:lstStyle/>
+          <a:p>
+            <a:pPr indent="-419100" marL="457200" rtl="0" lvl="0">
+              <a:buClr>
+                <a:schemeClr val="dk1"/>
+              </a:buClr>
+              <a:buSzPct val="166666"/>
+              <a:buFont typeface="Arial"/>
+              <a:buChar char="•"/>
+            </a:pPr>
+            <a:r>
+              <a:rPr lang="en"/>
+              <a:t>Thank You</a:t>
+            </a:r>
+          </a:p>
+          <a:p>
+            <a:pPr indent="-419100" marL="457200" rtl="0" lvl="0">
+              <a:buClr>
+                <a:schemeClr val="dk1"/>
+              </a:buClr>
+              <a:buSzPct val="166666"/>
+              <a:buFont typeface="Arial"/>
+              <a:buChar char="•"/>
+            </a:pPr>
+            <a:r>
+              <a:rPr lang="en"/>
+              <a:t>Questions?</a:t>
+            </a:r>
+          </a:p>
+          <a:p>
+            <a:pPr indent="-419100" marL="457200" rtl="0" lvl="0">
+              <a:buClr>
+                <a:schemeClr val="dk1"/>
+              </a:buClr>
+              <a:buSzPct val="166666"/>
+              <a:buFont typeface="Arial"/>
+              <a:buChar char="•"/>
+            </a:pPr>
+            <a:r>
+              <a:rPr lang="en"/>
+              <a:t>Links: </a:t>
+            </a:r>
+            <a:r>
+              <a:rPr lang="en" sz="2400" u="sng">
+                <a:solidFill>
+                  <a:schemeClr val="hlink"/>
+                </a:solidFill>
+                <a:hlinkClick r:id="rId3"/>
+              </a:rPr>
+              <a:t>2012.pnwdrupalsummit.org/sessions/git-super-basics</a:t>
+            </a:r>
+          </a:p>
+          <a:p>
+            <a:r>
+              <a:t/>
+            </a:r>
+          </a:p>
+          <a:p>
+            <a:pPr rtl="0" lvl="0">
+              <a:buNone/>
+            </a:pPr>
+            <a:r>
+              <a:rPr lang="en"/>
+              <a:t>Max Bronsema - 	http://maxbronsema.com</a:t>
+            </a:r>
+          </a:p>
+          <a:p>
+            <a:pPr indent="457200" marL="2743200" rtl="0" lvl="0">
+              <a:buNone/>
+            </a:pPr>
+            <a:r>
+              <a:rPr lang="en"/>
+              <a:t>@theMusician</a:t>
+            </a:r>
+          </a:p>
+          <a:p>
+            <a:r>
+              <a:t/>
+            </a:r>
+          </a:p>
+          <a:p>
+            <a:pPr indent="0" marL="0" lvl="0">
+              <a:buNone/>
+            </a:pPr>
+            <a:r>
+              <a:rPr lang="en"/>
+              <a:t>Vid Rowan -   http://uoregon.edu/~vid</a:t>
+            </a:r>
+          </a:p>
+        </p:txBody>
+      </p:sp>
+      <p:sp>
+        <p:nvSpPr>
+          <p:cNvPr name="Shape 176" id="176"/>
+          <p:cNvSpPr/>
+          <p:nvPr/>
+        </p:nvSpPr>
+        <p:spPr>
+          <a:xfrm>
+            <a:off y="179757" x="7821012"/>
+            <a:ext cy="1107229" cx="1107229"/>
+          </a:xfrm>
+          <a:prstGeom prst="rect">
+            <a:avLst/>
+          </a:prstGeom>
+          <a:blipFill>
+            <a:blip r:embed="rId4"/>
             <a:stretch>
               <a:fillRect/>
             </a:stretch>
@@ -6264,7 +10561,7 @@
   <p:cSld>
     <p:spTree>
       <p:nvGrpSpPr>
-        <p:cNvPr name="Shape 45" id="45"/>
+        <p:cNvPr name="Shape 44" id="44"/>
         <p:cNvGrpSpPr/>
         <p:nvPr/>
       </p:nvGrpSpPr>
@@ -6278,7 +10575,7 @@
       </p:grpSpPr>
       <p:sp>
         <p:nvSpPr>
-          <p:cNvPr name="Shape 46" id="46"/>
+          <p:cNvPr name="Shape 45" id="45"/>
           <p:cNvSpPr txBox="1"/>
           <p:nvPr>
             <p:ph type="title"/>
@@ -6311,7 +10608,7 @@
       </p:sp>
       <p:sp>
         <p:nvSpPr>
-          <p:cNvPr name="Shape 47" id="47"/>
+          <p:cNvPr name="Shape 46" id="46"/>
           <p:cNvSpPr txBox="1"/>
           <p:nvPr>
             <p:ph type="body" idx="1"/>
@@ -6412,7 +10709,7 @@
       </p:sp>
       <p:sp>
         <p:nvSpPr>
-          <p:cNvPr name="Shape 48" id="48"/>
+          <p:cNvPr name="Shape 47" id="47"/>
           <p:cNvSpPr/>
           <p:nvPr/>
         </p:nvSpPr>
@@ -6451,7 +10748,7 @@
   <p:cSld>
     <p:spTree>
       <p:nvGrpSpPr>
-        <p:cNvPr name="Shape 52" id="52"/>
+        <p:cNvPr name="Shape 51" id="51"/>
         <p:cNvGrpSpPr/>
         <p:nvPr/>
       </p:nvGrpSpPr>
@@ -6465,7 +10762,7 @@
       </p:grpSpPr>
       <p:sp>
         <p:nvSpPr>
-          <p:cNvPr name="Shape 53" id="53"/>
+          <p:cNvPr name="Shape 52" id="52"/>
           <p:cNvSpPr txBox="1"/>
           <p:nvPr>
             <p:ph type="title"/>
@@ -6498,7 +10795,7 @@
       </p:sp>
       <p:sp>
         <p:nvSpPr>
-          <p:cNvPr name="Shape 54" id="54"/>
+          <p:cNvPr name="Shape 53" id="53"/>
           <p:cNvSpPr txBox="1"/>
           <p:nvPr>
             <p:ph type="body" idx="1"/>
@@ -6599,7 +10896,7 @@
       </p:sp>
       <p:sp>
         <p:nvSpPr>
-          <p:cNvPr name="Shape 55" id="55"/>
+          <p:cNvPr name="Shape 54" id="54"/>
           <p:cNvSpPr/>
           <p:nvPr/>
         </p:nvSpPr>
@@ -6638,7 +10935,7 @@
   <p:cSld>
     <p:spTree>
       <p:nvGrpSpPr>
-        <p:cNvPr name="Shape 59" id="59"/>
+        <p:cNvPr name="Shape 58" id="58"/>
         <p:cNvGrpSpPr/>
         <p:nvPr/>
       </p:nvGrpSpPr>
@@ -6652,7 +10949,7 @@
       </p:grpSpPr>
       <p:sp>
         <p:nvSpPr>
-          <p:cNvPr name="Shape 60" id="60"/>
+          <p:cNvPr name="Shape 59" id="59"/>
           <p:cNvSpPr txBox="1"/>
           <p:nvPr>
             <p:ph type="title"/>
@@ -6697,7 +10994,7 @@
       </p:sp>
       <p:sp>
         <p:nvSpPr>
-          <p:cNvPr name="Shape 61" id="61"/>
+          <p:cNvPr name="Shape 60" id="60"/>
           <p:cNvSpPr txBox="1"/>
           <p:nvPr>
             <p:ph type="body" idx="1"/>
@@ -6822,7 +11119,7 @@
       </p:sp>
       <p:sp>
         <p:nvSpPr>
-          <p:cNvPr name="Shape 62" id="62"/>
+          <p:cNvPr name="Shape 61" id="61"/>
           <p:cNvSpPr/>
           <p:nvPr/>
         </p:nvSpPr>
@@ -6861,7 +11158,7 @@
   <p:cSld>
     <p:spTree>
       <p:nvGrpSpPr>
-        <p:cNvPr name="Shape 66" id="66"/>
+        <p:cNvPr name="Shape 65" id="65"/>
         <p:cNvGrpSpPr/>
         <p:nvPr/>
       </p:nvGrpSpPr>
@@ -6875,7 +11172,7 @@
       </p:grpSpPr>
       <p:sp>
         <p:nvSpPr>
-          <p:cNvPr name="Shape 67" id="67"/>
+          <p:cNvPr name="Shape 66" id="66"/>
           <p:cNvSpPr txBox="1"/>
           <p:nvPr>
             <p:ph type="title"/>
@@ -6896,7 +11193,7 @@
           </a:bodyPr>
           <a:lstStyle/>
           <a:p>
-            <a:pPr>
+            <a:pPr rtl="0" lvl="0">
               <a:buNone/>
             </a:pPr>
             <a:r>
@@ -6905,14 +11202,22 @@
                   <a:srgbClr val="FFFFFF"/>
                 </a:solidFill>
               </a:rPr>
-              <a:t>The Git Log and Reverting  </a:t>
+              <a:t>Basic Tasks</a:t>
+            </a:r>
+            <a:r>
+              <a:rPr lang="en" sz="1100" b="0">
+                <a:solidFill>
+                  <a:srgbClr val="FFFFFF"/>
+                </a:solidFill>
+              </a:rPr>
+              <a:t> </a:t>
             </a:r>
           </a:p>
         </p:txBody>
       </p:sp>
       <p:sp>
         <p:nvSpPr>
-          <p:cNvPr name="Shape 68" id="68"/>
+          <p:cNvPr name="Shape 67" id="67"/>
           <p:cNvSpPr txBox="1"/>
           <p:nvPr>
             <p:ph type="body" idx="1"/>
@@ -6953,55 +11258,12 @@
                   <a:srgbClr val="595959"/>
                 </a:solidFill>
               </a:rPr>
-              <a:t>What is the git log?</a:t>
-            </a:r>
-          </a:p>
-          <a:p>
-            <a:pPr indent="-419100" marL="457200" rtl="0" lvl="0">
-              <a:lnSpc>
-                <a:spcPct val="115000"/>
-              </a:lnSpc>
-              <a:spcBef>
-                <a:spcPts val="0"/>
-              </a:spcBef>
-              <a:buClr>
-                <a:schemeClr val="dk1"/>
-              </a:buClr>
-              <a:buSzPct val="227272"/>
-              <a:buFont typeface="Arial"/>
-              <a:buChar char="•"/>
-            </a:pPr>
-            <a:r>
-              <a:rPr lang="en" sz="2200">
-                <a:solidFill>
-                  <a:srgbClr val="595959"/>
-                </a:solidFill>
-              </a:rPr>
-              <a:t>Comprehending the git log</a:t>
-            </a:r>
-          </a:p>
-          <a:p>
-            <a:pPr indent="-419100" marL="457200" rtl="0" lvl="0">
-              <a:lnSpc>
-                <a:spcPct val="115000"/>
-              </a:lnSpc>
-              <a:spcBef>
-                <a:spcPts val="0"/>
-              </a:spcBef>
-              <a:buClr>
-                <a:schemeClr val="dk1"/>
-              </a:buClr>
-              <a:buSzPct val="227272"/>
-              <a:buFont typeface="Arial"/>
-              <a:buChar char="•"/>
-            </a:pPr>
-            <a:r>
-              <a:rPr lang="en" sz="2200">
-                <a:solidFill>
-                  <a:srgbClr val="595959"/>
-                </a:solidFill>
-              </a:rPr>
-              <a:t>What can we do with the git log knowledge?</a:t>
+              <a:t>Initialize a repository</a:t>
+            </a:r>
+          </a:p>
+          <a:p>
+            <a:r>
+              <a:t/>
             </a:r>
           </a:p>
           <a:p>
@@ -7013,7 +11275,7 @@
       </p:sp>
       <p:sp>
         <p:nvSpPr>
-          <p:cNvPr name="Shape 69" id="69"/>
+          <p:cNvPr name="Shape 68" id="68"/>
           <p:cNvSpPr/>
           <p:nvPr/>
         </p:nvSpPr>
@@ -7035,6 +11297,109 @@
             <a:noFill/>
           </a:ln>
         </p:spPr>
+      </p:sp>
+      <p:sp>
+        <p:nvSpPr>
+          <p:cNvPr name="Shape 69" id="69"/>
+          <p:cNvSpPr txBox="1"/>
+          <p:nvPr/>
+        </p:nvSpPr>
+        <p:spPr>
+          <a:xfrm>
+            <a:off y="2308500" x="0"/>
+            <a:ext cy="2335500" cx="9126000"/>
+          </a:xfrm>
+          <a:prstGeom prst="rect">
+            <a:avLst/>
+          </a:prstGeom>
+          <a:solidFill>
+            <a:srgbClr val="000000"/>
+          </a:solidFill>
+        </p:spPr>
+        <p:txBody>
+          <a:bodyPr bIns="91425" tIns="91425" lIns="91425" anchor="t" anchorCtr="0" rIns="91425">
+            <a:spAutoFit/>
+          </a:bodyPr>
+          <a:lstStyle/>
+          <a:p>
+            <a:pPr rtl="0" lvl="0">
+              <a:buNone/>
+            </a:pPr>
+            <a:r>
+              <a:rPr lang="en" sz="3000" b="1">
+                <a:solidFill>
+                  <a:srgbClr val="FFFFFF"/>
+                </a:solidFill>
+                <a:latin typeface="Consolas"/>
+                <a:ea typeface="Consolas"/>
+                <a:cs typeface="Consolas"/>
+                <a:sym typeface="Consolas"/>
+              </a:rPr>
+              <a:t>$ mkdir test</a:t>
+            </a:r>
+          </a:p>
+          <a:p>
+            <a:pPr rtl="0" lvl="0">
+              <a:buNone/>
+            </a:pPr>
+            <a:r>
+              <a:rPr lang="en" sz="3000" b="1">
+                <a:solidFill>
+                  <a:srgbClr val="FFFFFF"/>
+                </a:solidFill>
+                <a:latin typeface="Consolas"/>
+                <a:ea typeface="Consolas"/>
+                <a:cs typeface="Consolas"/>
+                <a:sym typeface="Consolas"/>
+              </a:rPr>
+              <a:t>$ cd test</a:t>
+            </a:r>
+          </a:p>
+          <a:p>
+            <a:pPr rtl="0" lvl="0">
+              <a:buNone/>
+            </a:pPr>
+            <a:r>
+              <a:rPr lang="en" sz="3000" b="1">
+                <a:solidFill>
+                  <a:srgbClr val="FFFFFF"/>
+                </a:solidFill>
+                <a:latin typeface="Consolas"/>
+                <a:ea typeface="Consolas"/>
+                <a:cs typeface="Consolas"/>
+                <a:sym typeface="Consolas"/>
+              </a:rPr>
+              <a:t>$ git init</a:t>
+            </a:r>
+          </a:p>
+          <a:p>
+            <a:pPr rtl="0" lvl="0">
+              <a:buNone/>
+            </a:pPr>
+            <a:r>
+              <a:rPr lang="en" sz="3000" b="1">
+                <a:solidFill>
+                  <a:srgbClr val="FFFFFF"/>
+                </a:solidFill>
+                <a:latin typeface="Consolas"/>
+                <a:ea typeface="Consolas"/>
+                <a:cs typeface="Consolas"/>
+                <a:sym typeface="Consolas"/>
+              </a:rPr>
+              <a:t>Initialized empty Git repository in /Applications/MAMP/htdocs/test/.git/</a:t>
+            </a:r>
+          </a:p>
+          <a:p>
+            <a:r>
+              <a:t/>
+            </a:r>
+          </a:p>
+          <a:p>
+            <a:r>
+              <a:t/>
+            </a:r>
+          </a:p>
+        </p:txBody>
       </p:sp>
     </p:spTree>
   </p:cSld>
@@ -7087,12 +11452,24 @@
           </a:bodyPr>
           <a:lstStyle/>
           <a:p>
-            <a:pPr>
-              <a:buNone/>
-            </a:pPr>
-            <a:r>
-              <a:rPr lang="en"/>
-              <a:t>Branches</a:t>
+            <a:pPr rtl="0" lvl="0">
+              <a:buNone/>
+            </a:pPr>
+            <a:r>
+              <a:rPr lang="en" sz="4600" b="0">
+                <a:solidFill>
+                  <a:srgbClr val="FFFFFF"/>
+                </a:solidFill>
+              </a:rPr>
+              <a:t>Basic Tasks</a:t>
+            </a:r>
+            <a:r>
+              <a:rPr lang="en" sz="1100" b="0">
+                <a:solidFill>
+                  <a:srgbClr val="FFFFFF"/>
+                </a:solidFill>
+              </a:rPr>
+              <a:t> </a:t>
             </a:r>
           </a:p>
         </p:txBody>
@@ -7121,72 +11498,36 @@
           <a:lstStyle/>
           <a:p>
             <a:pPr indent="-419100" marL="457200" rtl="0" lvl="0">
+              <a:lnSpc>
+                <a:spcPct val="115000"/>
+              </a:lnSpc>
+              <a:spcBef>
+                <a:spcPts val="0"/>
+              </a:spcBef>
               <a:buClr>
                 <a:schemeClr val="dk1"/>
               </a:buClr>
-              <a:buSzPct val="166666"/>
+              <a:buSzPct val="227272"/>
               <a:buFont typeface="Arial"/>
               <a:buChar char="•"/>
             </a:pPr>
             <a:r>
-              <a:rPr lang="en"/>
-              <a:t>What is a branch?</a:t>
-            </a:r>
-          </a:p>
-          <a:p>
-            <a:pPr indent="-419100" marL="457200" rtl="0" lvl="0">
-              <a:buClr>
-                <a:schemeClr val="dk1"/>
-              </a:buClr>
-              <a:buSzPct val="166666"/>
-              <a:buFont typeface="Arial"/>
-              <a:buChar char="•"/>
-            </a:pPr>
-            <a:r>
-              <a:rPr lang="en"/>
-              <a:t>Why to use branches</a:t>
-            </a:r>
-          </a:p>
-          <a:p>
-            <a:pPr indent="-419100" marL="457200" rtl="0" lvl="0">
-              <a:buClr>
-                <a:schemeClr val="dk1"/>
-              </a:buClr>
-              <a:buSzPct val="166666"/>
-              <a:buFont typeface="Arial"/>
-              <a:buChar char="•"/>
-            </a:pPr>
-            <a:r>
-              <a:rPr lang="en"/>
-              <a:t>Create a branch</a:t>
-            </a:r>
-          </a:p>
-          <a:p>
-            <a:pPr indent="-419100" marL="457200" rtl="0" lvl="0">
-              <a:buClr>
-                <a:schemeClr val="dk1"/>
-              </a:buClr>
-              <a:buSzPct val="166666"/>
-              <a:buFont typeface="Arial"/>
-              <a:buChar char="•"/>
-            </a:pPr>
-            <a:r>
-              <a:rPr lang="en"/>
-              <a:t>Switching between branches</a:t>
-            </a:r>
-          </a:p>
-          <a:p>
-            <a:pPr indent="-419100" marL="457200" lvl="0">
-              <a:buClr>
-                <a:schemeClr val="dk1"/>
-              </a:buClr>
-              <a:buSzPct val="166666"/>
-              <a:buFont typeface="Arial"/>
-              <a:buChar char="•"/>
-            </a:pPr>
-            <a:r>
-              <a:rPr lang="en"/>
-              <a:t>Example: Reverting to a prior commit</a:t>
+              <a:rPr lang="en" sz="2200">
+                <a:solidFill>
+                  <a:srgbClr val="595959"/>
+                </a:solidFill>
+              </a:rPr>
+              <a:t>Adding and staging files</a:t>
+            </a:r>
+          </a:p>
+          <a:p>
+            <a:r>
+              <a:t/>
+            </a:r>
+          </a:p>
+          <a:p>
+            <a:r>
+              <a:t/>
             </a:r>
           </a:p>
         </p:txBody>
@@ -7216,6 +11557,272 @@
           </a:ln>
         </p:spPr>
       </p:sp>
+      <p:sp>
+        <p:nvSpPr>
+          <p:cNvPr name="Shape 77" id="77"/>
+          <p:cNvSpPr txBox="1"/>
+          <p:nvPr/>
+        </p:nvSpPr>
+        <p:spPr>
+          <a:xfrm>
+            <a:off y="2308500" x="0"/>
+            <a:ext cy="4576500" cx="9126000"/>
+          </a:xfrm>
+          <a:prstGeom prst="rect">
+            <a:avLst/>
+          </a:prstGeom>
+          <a:solidFill>
+            <a:srgbClr val="000000"/>
+          </a:solidFill>
+        </p:spPr>
+        <p:txBody>
+          <a:bodyPr bIns="91425" tIns="91425" lIns="91425" anchor="t" anchorCtr="0" rIns="91425">
+            <a:spAutoFit/>
+          </a:bodyPr>
+          <a:lstStyle/>
+          <a:p>
+            <a:pPr rtl="0" lvl="0">
+              <a:buNone/>
+            </a:pPr>
+            <a:r>
+              <a:rPr lang="en" sz="2400" b="1">
+                <a:solidFill>
+                  <a:srgbClr val="FFFFFF"/>
+                </a:solidFill>
+                <a:latin typeface="Consolas"/>
+                <a:ea typeface="Consolas"/>
+                <a:cs typeface="Consolas"/>
+                <a:sym typeface="Consolas"/>
+              </a:rPr>
+              <a:t>$ ls</a:t>
+            </a:r>
+          </a:p>
+          <a:p>
+            <a:pPr rtl="0" lvl="0">
+              <a:buNone/>
+            </a:pPr>
+            <a:r>
+              <a:rPr lang="en" sz="2400" b="1">
+                <a:solidFill>
+                  <a:srgbClr val="FFFFFF"/>
+                </a:solidFill>
+                <a:latin typeface="Consolas"/>
+                <a:ea typeface="Consolas"/>
+                <a:cs typeface="Consolas"/>
+                <a:sym typeface="Consolas"/>
+              </a:rPr>
+              <a:t>helloworld.txt</a:t>
+            </a:r>
+          </a:p>
+          <a:p>
+            <a:pPr rtl="0" lvl="0">
+              <a:buNone/>
+            </a:pPr>
+            <a:r>
+              <a:rPr lang="en" sz="2400" b="1">
+                <a:solidFill>
+                  <a:srgbClr val="FFFFFF"/>
+                </a:solidFill>
+                <a:latin typeface="Consolas"/>
+                <a:ea typeface="Consolas"/>
+                <a:cs typeface="Consolas"/>
+                <a:sym typeface="Consolas"/>
+              </a:rPr>
+              <a:t>$ git add helloworld.txt</a:t>
+            </a:r>
+          </a:p>
+          <a:p>
+            <a:pPr rtl="0" lvl="0">
+              <a:buNone/>
+            </a:pPr>
+            <a:r>
+              <a:rPr lang="en" sz="2400" b="1">
+                <a:solidFill>
+                  <a:srgbClr val="FFFFFF"/>
+                </a:solidFill>
+                <a:latin typeface="Consolas"/>
+                <a:ea typeface="Consolas"/>
+                <a:cs typeface="Consolas"/>
+                <a:sym typeface="Consolas"/>
+              </a:rPr>
+              <a:t>$ git status</a:t>
+            </a:r>
+          </a:p>
+          <a:p>
+            <a:pPr rtl="0" lvl="0">
+              <a:buNone/>
+            </a:pPr>
+            <a:r>
+              <a:rPr lang="en" sz="2400" b="1">
+                <a:solidFill>
+                  <a:srgbClr val="FFFFFF"/>
+                </a:solidFill>
+                <a:latin typeface="Consolas"/>
+                <a:ea typeface="Consolas"/>
+                <a:cs typeface="Consolas"/>
+                <a:sym typeface="Consolas"/>
+              </a:rPr>
+              <a:t># On branch master</a:t>
+            </a:r>
+          </a:p>
+          <a:p>
+            <a:pPr rtl="0" lvl="0">
+              <a:buNone/>
+            </a:pPr>
+            <a:r>
+              <a:rPr lang="en" sz="2400" b="1">
+                <a:solidFill>
+                  <a:srgbClr val="FFFFFF"/>
+                </a:solidFill>
+                <a:latin typeface="Consolas"/>
+                <a:ea typeface="Consolas"/>
+                <a:cs typeface="Consolas"/>
+                <a:sym typeface="Consolas"/>
+              </a:rPr>
+              <a:t>#</a:t>
+            </a:r>
+          </a:p>
+          <a:p>
+            <a:pPr rtl="0" lvl="0">
+              <a:buNone/>
+            </a:pPr>
+            <a:r>
+              <a:rPr lang="en" sz="2400" b="1">
+                <a:solidFill>
+                  <a:srgbClr val="FFFFFF"/>
+                </a:solidFill>
+                <a:latin typeface="Consolas"/>
+                <a:ea typeface="Consolas"/>
+                <a:cs typeface="Consolas"/>
+                <a:sym typeface="Consolas"/>
+              </a:rPr>
+              <a:t># Initial commit</a:t>
+            </a:r>
+          </a:p>
+          <a:p>
+            <a:pPr rtl="0" lvl="0">
+              <a:buNone/>
+            </a:pPr>
+            <a:r>
+              <a:rPr lang="en" sz="2400" b="1">
+                <a:solidFill>
+                  <a:srgbClr val="FFFFFF"/>
+                </a:solidFill>
+                <a:latin typeface="Consolas"/>
+                <a:ea typeface="Consolas"/>
+                <a:cs typeface="Consolas"/>
+                <a:sym typeface="Consolas"/>
+              </a:rPr>
+              <a:t>#</a:t>
+            </a:r>
+          </a:p>
+          <a:p>
+            <a:pPr rtl="0" lvl="0">
+              <a:buNone/>
+            </a:pPr>
+            <a:r>
+              <a:rPr lang="en" sz="2400" b="1">
+                <a:solidFill>
+                  <a:srgbClr val="FFFFFF"/>
+                </a:solidFill>
+                <a:latin typeface="Consolas"/>
+                <a:ea typeface="Consolas"/>
+                <a:cs typeface="Consolas"/>
+                <a:sym typeface="Consolas"/>
+              </a:rPr>
+              <a:t># Changes to be committed:</a:t>
+            </a:r>
+          </a:p>
+          <a:p>
+            <a:pPr rtl="0" lvl="0">
+              <a:buNone/>
+            </a:pPr>
+            <a:r>
+              <a:rPr lang="en" sz="2400" b="1">
+                <a:solidFill>
+                  <a:srgbClr val="FFFFFF"/>
+                </a:solidFill>
+                <a:latin typeface="Consolas"/>
+                <a:ea typeface="Consolas"/>
+                <a:cs typeface="Consolas"/>
+                <a:sym typeface="Consolas"/>
+              </a:rPr>
+              <a:t>#   (use "git rm --cached &lt;file&gt;..." to unstage)</a:t>
+            </a:r>
+          </a:p>
+          <a:p>
+            <a:pPr rtl="0" lvl="0">
+              <a:buNone/>
+            </a:pPr>
+            <a:r>
+              <a:rPr lang="en" sz="2400" b="1">
+                <a:solidFill>
+                  <a:srgbClr val="FFFFFF"/>
+                </a:solidFill>
+                <a:latin typeface="Consolas"/>
+                <a:ea typeface="Consolas"/>
+                <a:cs typeface="Consolas"/>
+                <a:sym typeface="Consolas"/>
+              </a:rPr>
+              <a:t>#</a:t>
+            </a:r>
+          </a:p>
+          <a:p>
+            <a:pPr rtl="0" lvl="0">
+              <a:buNone/>
+            </a:pPr>
+            <a:r>
+              <a:rPr lang="en" sz="2400" b="1">
+                <a:solidFill>
+                  <a:srgbClr val="FFFFFF"/>
+                </a:solidFill>
+                <a:latin typeface="Consolas"/>
+                <a:ea typeface="Consolas"/>
+                <a:cs typeface="Consolas"/>
+                <a:sym typeface="Consolas"/>
+              </a:rPr>
+              <a:t>#    new file:   helloworld.txt</a:t>
+            </a:r>
+          </a:p>
+          <a:p>
+            <a:pPr rtl="0" lvl="0">
+              <a:buNone/>
+            </a:pPr>
+            <a:r>
+              <a:rPr lang="en" sz="2400" b="1">
+                <a:solidFill>
+                  <a:srgbClr val="FFFFFF"/>
+                </a:solidFill>
+                <a:latin typeface="Consolas"/>
+                <a:ea typeface="Consolas"/>
+                <a:cs typeface="Consolas"/>
+                <a:sym typeface="Consolas"/>
+              </a:rPr>
+              <a:t>#</a:t>
+            </a:r>
+          </a:p>
+          <a:p>
+            <a:r>
+              <a:t/>
+            </a:r>
+          </a:p>
+          <a:p>
+            <a:r>
+              <a:t/>
+            </a:r>
+          </a:p>
+          <a:p>
+            <a:r>
+              <a:t/>
+            </a:r>
+          </a:p>
+          <a:p>
+            <a:r>
+              <a:t/>
+            </a:r>
+          </a:p>
+        </p:txBody>
+      </p:sp>
     </p:spTree>
   </p:cSld>
   <p:clrMapOvr>
@@ -7232,7 +11839,7 @@
   <p:cSld>
     <p:spTree>
       <p:nvGrpSpPr>
-        <p:cNvPr name="Shape 80" id="80"/>
+        <p:cNvPr name="Shape 81" id="81"/>
         <p:cNvGrpSpPr/>
         <p:nvPr/>
       </p:nvGrpSpPr>
@@ -7246,7 +11853,7 @@
       </p:grpSpPr>
       <p:sp>
         <p:nvSpPr>
-          <p:cNvPr name="Shape 81" id="81"/>
+          <p:cNvPr name="Shape 82" id="82"/>
           <p:cNvSpPr txBox="1"/>
           <p:nvPr>
             <p:ph type="title"/>
@@ -7267,19 +11874,31 @@
           </a:bodyPr>
           <a:lstStyle/>
           <a:p>
-            <a:pPr>
-              <a:buNone/>
-            </a:pPr>
-            <a:r>
-              <a:rPr lang="en"/>
-              <a:t>Diffing</a:t>
+            <a:pPr rtl="0" lvl="0">
+              <a:buNone/>
+            </a:pPr>
+            <a:r>
+              <a:rPr lang="en" sz="4600" b="0">
+                <a:solidFill>
+                  <a:srgbClr val="FFFFFF"/>
+                </a:solidFill>
+              </a:rPr>
+              <a:t>Basic Tasks</a:t>
+            </a:r>
+            <a:r>
+              <a:rPr lang="en" sz="1100" b="0">
+                <a:solidFill>
+                  <a:srgbClr val="FFFFFF"/>
+                </a:solidFill>
+              </a:rPr>
+              <a:t> </a:t>
             </a:r>
           </a:p>
         </p:txBody>
       </p:sp>
       <p:sp>
         <p:nvSpPr>
-          <p:cNvPr name="Shape 82" id="82"/>
+          <p:cNvPr name="Shape 83" id="83"/>
           <p:cNvSpPr txBox="1"/>
           <p:nvPr>
             <p:ph type="body" idx="1"/>
@@ -7301,37 +11920,43 @@
           <a:lstStyle/>
           <a:p>
             <a:pPr indent="-419100" marL="457200" rtl="0" lvl="0">
+              <a:lnSpc>
+                <a:spcPct val="115000"/>
+              </a:lnSpc>
+              <a:spcBef>
+                <a:spcPts val="0"/>
+              </a:spcBef>
               <a:buClr>
                 <a:schemeClr val="dk1"/>
               </a:buClr>
-              <a:buSzPct val="166666"/>
+              <a:buSzPct val="227272"/>
               <a:buFont typeface="Arial"/>
               <a:buChar char="•"/>
             </a:pPr>
             <a:r>
-              <a:rPr lang="en"/>
-              <a:t>What is a diff?</a:t>
-            </a:r>
-          </a:p>
-          <a:p>
-            <a:pPr indent="-419100" marL="457200" lvl="0">
-              <a:buClr>
-                <a:schemeClr val="dk1"/>
-              </a:buClr>
-              <a:buSzPct val="166666"/>
-              <a:buFont typeface="Arial"/>
-              <a:buChar char="•"/>
-            </a:pPr>
-            <a:r>
-              <a:rPr lang="en"/>
-              <a:t>Tools to make life better</a:t>
+              <a:rPr lang="en" sz="2200">
+                <a:solidFill>
+                  <a:srgbClr val="595959"/>
+                </a:solidFill>
+              </a:rPr>
+              <a:t>Committing changes</a:t>
+            </a:r>
+          </a:p>
+          <a:p>
+            <a:r>
+              <a:t/>
+            </a:r>
+          </a:p>
+          <a:p>
+            <a:r>
+              <a:t/>
             </a:r>
           </a:p>
         </p:txBody>
       </p:sp>
       <p:sp>
         <p:nvSpPr>
-          <p:cNvPr name="Shape 83" id="83"/>
+          <p:cNvPr name="Shape 84" id="84"/>
           <p:cNvSpPr/>
           <p:nvPr/>
         </p:nvSpPr>
@@ -7354,6 +11979,124 @@
           </a:ln>
         </p:spPr>
       </p:sp>
+      <p:sp>
+        <p:nvSpPr>
+          <p:cNvPr name="Shape 85" id="85"/>
+          <p:cNvSpPr txBox="1"/>
+          <p:nvPr/>
+        </p:nvSpPr>
+        <p:spPr>
+          <a:xfrm>
+            <a:off y="2308500" x="0"/>
+            <a:ext cy="1822500" cx="9126000"/>
+          </a:xfrm>
+          <a:prstGeom prst="rect">
+            <a:avLst/>
+          </a:prstGeom>
+          <a:solidFill>
+            <a:srgbClr val="000000"/>
+          </a:solidFill>
+        </p:spPr>
+        <p:txBody>
+          <a:bodyPr bIns="91425" tIns="91425" lIns="91425" anchor="t" anchorCtr="0" rIns="91425">
+            <a:spAutoFit/>
+          </a:bodyPr>
+          <a:lstStyle/>
+          <a:p>
+            <a:pPr rtl="0" lvl="0">
+              <a:buNone/>
+            </a:pPr>
+            <a:r>
+              <a:rPr lang="en" sz="2400" b="1">
+                <a:solidFill>
+                  <a:srgbClr val="FFFFFF"/>
+                </a:solidFill>
+                <a:latin typeface="Consolas"/>
+                <a:ea typeface="Consolas"/>
+                <a:cs typeface="Consolas"/>
+                <a:sym typeface="Consolas"/>
+              </a:rPr>
+              <a:t>$ git commit -m"initial commit"</a:t>
+            </a:r>
+          </a:p>
+          <a:p>
+            <a:r>
+              <a:t/>
+            </a:r>
+          </a:p>
+          <a:p>
+            <a:pPr rtl="0" lvl="0">
+              <a:buNone/>
+            </a:pPr>
+            <a:r>
+              <a:rPr lang="en" sz="2400" b="1">
+                <a:solidFill>
+                  <a:srgbClr val="FFFFFF"/>
+                </a:solidFill>
+                <a:latin typeface="Consolas"/>
+                <a:ea typeface="Consolas"/>
+                <a:cs typeface="Consolas"/>
+                <a:sym typeface="Consolas"/>
+              </a:rPr>
+              <a:t>[master (root-commit) 6b53e5d] initial commit</a:t>
+            </a:r>
+          </a:p>
+          <a:p>
+            <a:pPr rtl="0" lvl="0">
+              <a:buNone/>
+            </a:pPr>
+            <a:r>
+              <a:rPr lang="en" sz="2400" b="1">
+                <a:solidFill>
+                  <a:srgbClr val="FFFFFF"/>
+                </a:solidFill>
+                <a:latin typeface="Consolas"/>
+                <a:ea typeface="Consolas"/>
+                <a:cs typeface="Consolas"/>
+                <a:sym typeface="Consolas"/>
+              </a:rPr>
+              <a:t> 1 file changed, 2 insertions(+)</a:t>
+            </a:r>
+          </a:p>
+          <a:p>
+            <a:pPr rtl="0" lvl="0">
+              <a:buNone/>
+            </a:pPr>
+            <a:r>
+              <a:rPr lang="en" sz="2400" b="1">
+                <a:solidFill>
+                  <a:srgbClr val="FFFFFF"/>
+                </a:solidFill>
+                <a:latin typeface="Consolas"/>
+                <a:ea typeface="Consolas"/>
+                <a:cs typeface="Consolas"/>
+                <a:sym typeface="Consolas"/>
+              </a:rPr>
+              <a:t> create mode 100644 helloworld.txt</a:t>
+            </a:r>
+          </a:p>
+          <a:p>
+            <a:r>
+              <a:t/>
+            </a:r>
+          </a:p>
+          <a:p>
+            <a:r>
+              <a:t/>
+            </a:r>
+          </a:p>
+          <a:p>
+            <a:r>
+              <a:t/>
+            </a:r>
+          </a:p>
+          <a:p>
+            <a:r>
+              <a:t/>
+            </a:r>
+          </a:p>
+        </p:txBody>
+      </p:sp>
     </p:spTree>
   </p:cSld>
   <p:clrMapOvr>
@@ -7370,7 +12113,7 @@
   <p:cSld>
     <p:spTree>
       <p:nvGrpSpPr>
-        <p:cNvPr name="Shape 87" id="87"/>
+        <p:cNvPr name="Shape 89" id="89"/>
         <p:cNvGrpSpPr/>
         <p:nvPr/>
       </p:nvGrpSpPr>
@@ -7384,7 +12127,7 @@
       </p:grpSpPr>
       <p:sp>
         <p:nvSpPr>
-          <p:cNvPr name="Shape 88" id="88"/>
+          <p:cNvPr name="Shape 90" id="90"/>
           <p:cNvSpPr txBox="1"/>
           <p:nvPr>
             <p:ph type="title"/>
@@ -7405,19 +12148,31 @@
           </a:bodyPr>
           <a:lstStyle/>
           <a:p>
-            <a:pPr>
-              <a:buNone/>
-            </a:pPr>
-            <a:r>
-              <a:rPr lang="en"/>
-              <a:t>Patches</a:t>
+            <a:pPr rtl="0" lvl="0">
+              <a:buNone/>
+            </a:pPr>
+            <a:r>
+              <a:rPr lang="en" sz="4600" b="0">
+                <a:solidFill>
+                  <a:srgbClr val="FFFFFF"/>
+                </a:solidFill>
+              </a:rPr>
+              <a:t>Basic Tasks</a:t>
+            </a:r>
+            <a:r>
+              <a:rPr lang="en" sz="1100" b="0">
+                <a:solidFill>
+                  <a:srgbClr val="FFFFFF"/>
+                </a:solidFill>
+              </a:rPr>
+              <a:t> </a:t>
             </a:r>
           </a:p>
         </p:txBody>
       </p:sp>
       <p:sp>
         <p:nvSpPr>
-          <p:cNvPr name="Shape 89" id="89"/>
+          <p:cNvPr name="Shape 91" id="91"/>
           <p:cNvSpPr txBox="1"/>
           <p:nvPr>
             <p:ph type="body" idx="1"/>
@@ -7425,8 +12180,8 @@
         </p:nvSpPr>
         <p:spPr>
           <a:xfrm>
-            <a:off y="1600200" x="457200"/>
-            <a:ext cy="4967700" cx="8229600"/>
+            <a:off y="1546200" x="457200"/>
+            <a:ext cy="1012199" cx="8229600"/>
           </a:xfrm>
           <a:prstGeom prst="rect">
             <a:avLst/>
@@ -7439,37 +12194,67 @@
           <a:lstStyle/>
           <a:p>
             <a:pPr indent="-419100" marL="457200" rtl="0" lvl="0">
+              <a:lnSpc>
+                <a:spcPct val="115000"/>
+              </a:lnSpc>
+              <a:spcBef>
+                <a:spcPts val="0"/>
+              </a:spcBef>
               <a:buClr>
                 <a:schemeClr val="dk1"/>
               </a:buClr>
-              <a:buSzPct val="166666"/>
+              <a:buSzPct val="227272"/>
               <a:buFont typeface="Arial"/>
               <a:buChar char="•"/>
             </a:pPr>
             <a:r>
-              <a:rPr lang="en"/>
-              <a:t>Create a patch</a:t>
-            </a:r>
-          </a:p>
-          <a:p>
-            <a:pPr indent="-419100" marL="457200" lvl="0">
+              <a:rPr lang="en" sz="2200">
+                <a:solidFill>
+                  <a:srgbClr val="595959"/>
+                </a:solidFill>
+              </a:rPr>
+              <a:t>Removing files</a:t>
+            </a:r>
+          </a:p>
+          <a:p>
+            <a:pPr indent="-381000" marL="914400" rtl="0" lvl="1">
+              <a:lnSpc>
+                <a:spcPct val="115000"/>
+              </a:lnSpc>
+              <a:spcBef>
+                <a:spcPts val="0"/>
+              </a:spcBef>
               <a:buClr>
                 <a:schemeClr val="dk1"/>
               </a:buClr>
-              <a:buSzPct val="166666"/>
-              <a:buFont typeface="Arial"/>
-              <a:buChar char="•"/>
-            </a:pPr>
-            <a:r>
-              <a:rPr lang="en"/>
-              <a:t>Apply a patch</a:t>
+              <a:buSzPct val="109090"/>
+              <a:buFont typeface="Courier New"/>
+              <a:buChar char="o"/>
+            </a:pPr>
+            <a:r>
+              <a:rPr lang="en" sz="2200">
+                <a:solidFill>
+                  <a:srgbClr val="595959"/>
+                </a:solidFill>
+              </a:rPr>
+              <a:t>Deleting a file</a:t>
+            </a:r>
+          </a:p>
+          <a:p>
+            <a:r>
+              <a:t/>
+            </a:r>
+          </a:p>
+          <a:p>
+            <a:r>
+              <a:t/>
             </a:r>
           </a:p>
         </p:txBody>
       </p:sp>
       <p:sp>
         <p:nvSpPr>
-          <p:cNvPr name="Shape 90" id="90"/>
+          <p:cNvPr name="Shape 92" id="92"/>
           <p:cNvSpPr/>
           <p:nvPr/>
         </p:nvSpPr>
@@ -7492,6 +12277,183 @@
           </a:ln>
         </p:spPr>
       </p:sp>
+      <p:sp>
+        <p:nvSpPr>
+          <p:cNvPr name="Shape 93" id="93"/>
+          <p:cNvSpPr txBox="1"/>
+          <p:nvPr/>
+        </p:nvSpPr>
+        <p:spPr>
+          <a:xfrm>
+            <a:off y="3576900" x="-10200"/>
+            <a:ext cy="472499" cx="9126000"/>
+          </a:xfrm>
+          <a:prstGeom prst="rect">
+            <a:avLst/>
+          </a:prstGeom>
+          <a:solidFill>
+            <a:srgbClr val="000000"/>
+          </a:solidFill>
+        </p:spPr>
+        <p:txBody>
+          <a:bodyPr bIns="91425" tIns="91425" lIns="91425" anchor="t" anchorCtr="0" rIns="91425">
+            <a:spAutoFit/>
+          </a:bodyPr>
+          <a:lstStyle/>
+          <a:p>
+            <a:pPr rtl="0" lvl="0">
+              <a:buNone/>
+            </a:pPr>
+            <a:r>
+              <a:rPr lang="en" sz="2400" b="1">
+                <a:solidFill>
+                  <a:srgbClr val="FFFFFF"/>
+                </a:solidFill>
+                <a:latin typeface="Consolas"/>
+                <a:ea typeface="Consolas"/>
+                <a:cs typeface="Consolas"/>
+                <a:sym typeface="Consolas"/>
+              </a:rPr>
+              <a:t>$ git rm --cache helloworld.txt</a:t>
+            </a:r>
+          </a:p>
+          <a:p>
+            <a:r>
+              <a:t/>
+            </a:r>
+          </a:p>
+          <a:p>
+            <a:r>
+              <a:t/>
+            </a:r>
+          </a:p>
+          <a:p>
+            <a:r>
+              <a:t/>
+            </a:r>
+          </a:p>
+          <a:p>
+            <a:r>
+              <a:t/>
+            </a:r>
+          </a:p>
+        </p:txBody>
+      </p:sp>
+      <p:sp>
+        <p:nvSpPr>
+          <p:cNvPr name="Shape 94" id="94"/>
+          <p:cNvSpPr txBox="1"/>
+          <p:nvPr/>
+        </p:nvSpPr>
+        <p:spPr>
+          <a:xfrm>
+            <a:off y="2568900" x="9000"/>
+            <a:ext cy="472499" cx="9126000"/>
+          </a:xfrm>
+          <a:prstGeom prst="rect">
+            <a:avLst/>
+          </a:prstGeom>
+          <a:solidFill>
+            <a:srgbClr val="000000"/>
+          </a:solidFill>
+        </p:spPr>
+        <p:txBody>
+          <a:bodyPr bIns="91425" tIns="91425" lIns="91425" anchor="t" anchorCtr="0" rIns="91425">
+            <a:spAutoFit/>
+          </a:bodyPr>
+          <a:lstStyle/>
+          <a:p>
+            <a:pPr rtl="0" lvl="0">
+              <a:buNone/>
+            </a:pPr>
+            <a:r>
+              <a:rPr lang="en" sz="2400" b="1">
+                <a:solidFill>
+                  <a:srgbClr val="FFFFFF"/>
+                </a:solidFill>
+                <a:latin typeface="Consolas"/>
+                <a:ea typeface="Consolas"/>
+                <a:cs typeface="Consolas"/>
+                <a:sym typeface="Consolas"/>
+              </a:rPr>
+              <a:t>$ git rm helloworld.txt</a:t>
+            </a:r>
+          </a:p>
+          <a:p>
+            <a:r>
+              <a:t/>
+            </a:r>
+          </a:p>
+          <a:p>
+            <a:r>
+              <a:t/>
+            </a:r>
+          </a:p>
+          <a:p>
+            <a:r>
+              <a:t/>
+            </a:r>
+          </a:p>
+          <a:p>
+            <a:r>
+              <a:t/>
+            </a:r>
+          </a:p>
+        </p:txBody>
+      </p:sp>
+      <p:sp>
+        <p:nvSpPr>
+          <p:cNvPr name="Shape 95" id="95"/>
+          <p:cNvSpPr txBox="1"/>
+          <p:nvPr>
+            <p:ph type="body" idx="2"/>
+          </p:nvPr>
+        </p:nvSpPr>
+        <p:spPr>
+          <a:xfrm>
+            <a:off y="3091200" x="438000"/>
+            <a:ext cy="485699" cx="8229600"/>
+          </a:xfrm>
+          <a:prstGeom prst="rect">
+            <a:avLst/>
+          </a:prstGeom>
+        </p:spPr>
+        <p:txBody>
+          <a:bodyPr bIns="91425" tIns="91425" lIns="91425" anchor="t" anchorCtr="0" rIns="91425">
+            <a:spAutoFit/>
+          </a:bodyPr>
+          <a:lstStyle/>
+          <a:p>
+            <a:pPr indent="-381000" marL="914400" rtl="0" lvl="1">
+              <a:lnSpc>
+                <a:spcPct val="115000"/>
+              </a:lnSpc>
+              <a:spcBef>
+                <a:spcPts val="0"/>
+              </a:spcBef>
+              <a:buClr>
+                <a:schemeClr val="dk1"/>
+              </a:buClr>
+              <a:buSzPct val="109090"/>
+              <a:buFont typeface="Courier New"/>
+              <a:buChar char="o"/>
+            </a:pPr>
+            <a:r>
+              <a:rPr lang="en" sz="2200">
+                <a:solidFill>
+                  <a:srgbClr val="595959"/>
+                </a:solidFill>
+              </a:rPr>
+              <a:t>Untracking a file (removing a file from git)</a:t>
+            </a:r>
+          </a:p>
+          <a:p>
+            <a:r>
+              <a:t/>
+            </a:r>
+          </a:p>
+        </p:txBody>
+      </p:sp>
     </p:spTree>
   </p:cSld>
   <p:clrMapOvr>
@@ -7508,7 +12470,7 @@
   <p:cSld>
     <p:spTree>
       <p:nvGrpSpPr>
-        <p:cNvPr name="Shape 94" id="94"/>
+        <p:cNvPr name="Shape 99" id="99"/>
         <p:cNvGrpSpPr/>
         <p:nvPr/>
       </p:nvGrpSpPr>
@@ -7522,7 +12484,7 @@
       </p:grpSpPr>
       <p:sp>
         <p:nvSpPr>
-          <p:cNvPr name="Shape 95" id="95"/>
+          <p:cNvPr name="Shape 100" id="100"/>
           <p:cNvSpPr txBox="1"/>
           <p:nvPr>
             <p:ph type="title"/>
@@ -7547,15 +12509,19 @@
               <a:buNone/>
             </a:pPr>
             <a:r>
-              <a:rPr lang="en"/>
-              <a:t>Merging</a:t>
+              <a:rPr lang="en" sz="4600" b="0">
+                <a:solidFill>
+                  <a:srgbClr val="FFFFFF"/>
+                </a:solidFill>
+              </a:rPr>
+              <a:t>The Git Log and Reverting  </a:t>
             </a:r>
           </a:p>
         </p:txBody>
       </p:sp>
       <p:sp>
         <p:nvSpPr>
-          <p:cNvPr name="Shape 96" id="96"/>
+          <p:cNvPr name="Shape 101" id="101"/>
           <p:cNvSpPr txBox="1"/>
           <p:nvPr>
             <p:ph type="body" idx="1"/>
@@ -7576,24 +12542,87 @@
           </a:bodyPr>
           <a:lstStyle/>
           <a:p>
-            <a:pPr indent="-419100" marL="457200" lvl="0">
+            <a:pPr indent="-419100" marL="457200" rtl="0" lvl="0">
+              <a:lnSpc>
+                <a:spcPct val="115000"/>
+              </a:lnSpc>
+              <a:spcBef>
+                <a:spcPts val="0"/>
+              </a:spcBef>
               <a:buClr>
                 <a:schemeClr val="dk1"/>
               </a:buClr>
-              <a:buSzPct val="166666"/>
+              <a:buSzPct val="227272"/>
               <a:buFont typeface="Arial"/>
               <a:buChar char="•"/>
             </a:pPr>
             <a:r>
-              <a:rPr lang="en"/>
-              <a:t>Merging branches</a:t>
+              <a:rPr lang="en" sz="2200">
+                <a:solidFill>
+                  <a:srgbClr val="595959"/>
+                </a:solidFill>
+              </a:rPr>
+              <a:t>What is the git log?</a:t>
+            </a:r>
+          </a:p>
+          <a:p>
+            <a:pPr indent="-419100" marL="457200" rtl="0" lvl="0">
+              <a:lnSpc>
+                <a:spcPct val="115000"/>
+              </a:lnSpc>
+              <a:spcBef>
+                <a:spcPts val="0"/>
+              </a:spcBef>
+              <a:buClr>
+                <a:schemeClr val="dk1"/>
+              </a:buClr>
+              <a:buSzPct val="227272"/>
+              <a:buFont typeface="Arial"/>
+              <a:buChar char="•"/>
+            </a:pPr>
+            <a:r>
+              <a:rPr lang="en" sz="2200">
+                <a:solidFill>
+                  <a:srgbClr val="595959"/>
+                </a:solidFill>
+              </a:rPr>
+              <a:t>Comprehending the git log</a:t>
+            </a:r>
+          </a:p>
+          <a:p>
+            <a:pPr indent="-419100" marL="457200" rtl="0" lvl="0">
+              <a:lnSpc>
+                <a:spcPct val="115000"/>
+              </a:lnSpc>
+              <a:spcBef>
+                <a:spcPts val="0"/>
+              </a:spcBef>
+              <a:buClr>
+                <a:schemeClr val="dk1"/>
+              </a:buClr>
+              <a:buSzPct val="227272"/>
+              <a:buFont typeface="Arial"/>
+              <a:buChar char="•"/>
+            </a:pPr>
+            <a:r>
+              <a:rPr lang="en" sz="2200">
+                <a:solidFill>
+                  <a:srgbClr val="595959"/>
+                </a:solidFill>
+              </a:rPr>
+              <a:t>What can we do with the git log knowledge?</a:t>
+            </a:r>
+          </a:p>
+          <a:p>
+            <a:r>
+              <a:t/>
             </a:r>
           </a:p>
         </p:txBody>
       </p:sp>
       <p:sp>
         <p:nvSpPr>
-          <p:cNvPr name="Shape 97" id="97"/>
+          <p:cNvPr name="Shape 102" id="102"/>
           <p:cNvSpPr/>
           <p:nvPr/>
         </p:nvSpPr>
@@ -7615,6 +12644,143 @@
             <a:noFill/>
           </a:ln>
         </p:spPr>
+      </p:sp>
+      <p:sp>
+        <p:nvSpPr>
+          <p:cNvPr name="Shape 103" id="103"/>
+          <p:cNvSpPr txBox="1"/>
+          <p:nvPr/>
+        </p:nvSpPr>
+        <p:spPr>
+          <a:xfrm>
+            <a:off y="3375300" x="0"/>
+            <a:ext cy="2133000" cx="9126000"/>
+          </a:xfrm>
+          <a:prstGeom prst="rect">
+            <a:avLst/>
+          </a:prstGeom>
+          <a:solidFill>
+            <a:srgbClr val="000000"/>
+          </a:solidFill>
+        </p:spPr>
+        <p:txBody>
+          <a:bodyPr bIns="91425" tIns="91425" lIns="91425" anchor="t" anchorCtr="0" rIns="91425">
+            <a:spAutoFit/>
+          </a:bodyPr>
+          <a:lstStyle/>
+          <a:p>
+            <a:pPr rtl="0" lvl="0">
+              <a:buNone/>
+            </a:pPr>
+            <a:r>
+              <a:rPr lang="en" sz="2400" b="1">
+                <a:solidFill>
+                  <a:srgbClr val="FFFFFF"/>
+                </a:solidFill>
+                <a:latin typeface="Consolas"/>
+                <a:ea typeface="Consolas"/>
+                <a:cs typeface="Consolas"/>
+                <a:sym typeface="Consolas"/>
+              </a:rPr>
+              <a:t>$ git log</a:t>
+            </a:r>
+          </a:p>
+          <a:p>
+            <a:pPr rtl="0" lvl="0">
+              <a:buNone/>
+            </a:pPr>
+            <a:r>
+              <a:rPr lang="en" sz="2400" b="1">
+                <a:solidFill>
+                  <a:srgbClr val="FFFFFF"/>
+                </a:solidFill>
+                <a:latin typeface="Consolas"/>
+                <a:ea typeface="Consolas"/>
+                <a:cs typeface="Consolas"/>
+                <a:sym typeface="Consolas"/>
+              </a:rPr>
+              <a:t>  	1 commit 6b53e5d04a13085f5924e99cd736bb086c7dde87</a:t>
+            </a:r>
+          </a:p>
+          <a:p>
+            <a:pPr rtl="0" lvl="0">
+              <a:buNone/>
+            </a:pPr>
+            <a:r>
+              <a:rPr lang="en" sz="2400" b="1">
+                <a:solidFill>
+                  <a:srgbClr val="FFFFFF"/>
+                </a:solidFill>
+                <a:latin typeface="Consolas"/>
+                <a:ea typeface="Consolas"/>
+                <a:cs typeface="Consolas"/>
+                <a:sym typeface="Consolas"/>
+              </a:rPr>
+              <a:t>  	2 Author: Vid &lt;vid@uoregon.edu&gt;</a:t>
+            </a:r>
+          </a:p>
+          <a:p>
+            <a:pPr rtl="0" lvl="0">
+              <a:buNone/>
+            </a:pPr>
+            <a:r>
+              <a:rPr lang="en" sz="2400" b="1">
+                <a:solidFill>
+                  <a:srgbClr val="FFFFFF"/>
+                </a:solidFill>
+                <a:latin typeface="Consolas"/>
+                <a:ea typeface="Consolas"/>
+                <a:cs typeface="Consolas"/>
+                <a:sym typeface="Consolas"/>
+              </a:rPr>
+              <a:t>  	3 Date:   Fri Oct 19 23:20:11 2012 -0700</a:t>
+            </a:r>
+          </a:p>
+          <a:p>
+            <a:pPr rtl="0" lvl="0">
+              <a:buNone/>
+            </a:pPr>
+            <a:r>
+              <a:rPr lang="en" sz="2400" b="1">
+                <a:solidFill>
+                  <a:srgbClr val="FFFFFF"/>
+                </a:solidFill>
+                <a:latin typeface="Consolas"/>
+                <a:ea typeface="Consolas"/>
+                <a:cs typeface="Consolas"/>
+                <a:sym typeface="Consolas"/>
+              </a:rPr>
+              <a:t>  	4</a:t>
+            </a:r>
+          </a:p>
+          <a:p>
+            <a:pPr rtl="0" lvl="0">
+              <a:buNone/>
+            </a:pPr>
+            <a:r>
+              <a:rPr lang="en" sz="2400" b="1">
+                <a:solidFill>
+                  <a:srgbClr val="FFFFFF"/>
+                </a:solidFill>
+                <a:latin typeface="Consolas"/>
+                <a:ea typeface="Consolas"/>
+                <a:cs typeface="Consolas"/>
+                <a:sym typeface="Consolas"/>
+              </a:rPr>
+              <a:t>  	5 	initial commit</a:t>
+            </a:r>
+          </a:p>
+          <a:p>
+            <a:r>
+              <a:t/>
+            </a:r>
+          </a:p>
+          <a:p>
+            <a:r>
+              <a:t/>
+            </a:r>
+          </a:p>
+        </p:txBody>
       </p:sp>
     </p:spTree>
   </p:cSld>
@@ -7905,283 +13071,6 @@
 </file>
 
 <file path=ppt/theme/theme2.xml><?xml version="1.0" encoding="utf-8"?>
-<a:theme xmlns:a="http://schemas.openxmlformats.org/drawingml/2006/main" xmlns:r="http://schemas.openxmlformats.org/officeDocument/2006/relationships">
-  <a:themeElements>
-    <a:clrScheme name="Default">
-      <a:dk1>
-        <a:srgbClr val="000000"/>
-      </a:dk1>
-      <a:lt1>
-        <a:srgbClr val="FFFFFF"/>
-      </a:lt1>
-      <a:dk2>
-        <a:srgbClr val="158158"/>
-      </a:dk2>
-      <a:lt2>
-        <a:srgbClr val="F3F3F3"/>
-      </a:lt2>
-      <a:accent1>
-        <a:srgbClr val="058DC7"/>
-      </a:accent1>
-      <a:accent2>
-        <a:srgbClr val="50B432"/>
-      </a:accent2>
-      <a:accent3>
-        <a:srgbClr val="ED561B"/>
-      </a:accent3>
-      <a:accent4>
-        <a:srgbClr val="EDEF00"/>
-      </a:accent4>
-      <a:accent5>
-        <a:srgbClr val="24CBE5"/>
-      </a:accent5>
-      <a:accent6>
-        <a:srgbClr val="64E572"/>
-      </a:accent6>
-      <a:hlink>
-        <a:srgbClr val="2200CC"/>
-      </a:hlink>
-      <a:folHlink>
-        <a:srgbClr val="551A8B"/>
-      </a:folHlink>
-    </a:clrScheme>
-    <a:fontScheme name="Office">
-      <a:majorFont>
-        <a:latin typeface="Arial"/>
-        <a:ea typeface=""/>
-        <a:cs typeface=""/>
-        <a:font script="Jpan" typeface="ＭＳ Ｐゴシック"/>
-        <a:font script="Hang" typeface="맑은 고딕"/>
-        <a:font script="Hans" typeface="宋体"/>
-        <a:font script="Hant" typeface="新細明體"/>
-        <a:font script="Arab" typeface="Times New Roman"/>
-        <a:font script="Hebr" typeface="Times New Roman"/>
-        <a:font script="Thai" typeface="Angsana New"/>
-        <a:font script="Ethi" typeface="Nyala"/>
-        <a:font script="Beng" typeface="Vrinda"/>
-        <a:font script="Gujr" typeface="Shruti"/>
-        <a:font script="Khmr" typeface="MoolBoran"/>
-        <a:font script="Knda" typeface="Tunga"/>
-        <a:font script="Guru" typeface="Raavi"/>
-        <a:font script="Cans" typeface="Euphemia"/>
-        <a:font script="Cher" typeface="Plantagenet Cherokee"/>
-        <a:font script="Yiii" typeface="Microsoft Yi Baiti"/>
-        <a:font script="Tibt" typeface="Microsoft Himalaya"/>
-        <a:font script="Thaa" typeface="MV Boli"/>
-        <a:font script="Deva" typeface="Mangal"/>
-        <a:font script="Telu" typeface="Gautami"/>
-        <a:font script="Taml" typeface="Latha"/>
-        <a:font script="Syrc" typeface="Estrangelo Edessa"/>
-        <a:font script="Orya" typeface="Kalinga"/>
-        <a:font script="Mlym" typeface="Kartika"/>
-        <a:font script="Laoo" typeface="DokChampa"/>
-        <a:font script="Sinh" typeface="Iskoola Pota"/>
-        <a:font script="Mong" typeface="Mongolian Baiti"/>
-        <a:font script="Viet" typeface="Times New Roman"/>
-        <a:font script="Uigh" typeface="Microsoft Uighur"/>
-      </a:majorFont>
-      <a:minorFont>
-        <a:latin typeface="Arial"/>
-        <a:ea typeface=""/>
-        <a:cs typeface=""/>
-        <a:font script="Jpan" typeface="ＭＳ Ｐゴシック"/>
-        <a:font script="Hang" typeface="맑은 고딕"/>
-        <a:font script="Hans" typeface="宋体"/>
-        <a:font script="Hant" typeface="新細明體"/>
-        <a:font script="Arab" typeface="Arial"/>
-        <a:font script="Hebr" typeface="Arial"/>
-        <a:font script="Thai" typeface="Cordia New"/>
-        <a:font script="Ethi" typeface="Nyala"/>
-        <a:font script="Beng" typeface="Vrinda"/>
-        <a:font script="Gujr" typeface="Shruti"/>
-        <a:font script="Khmr" typeface="DaunPenh"/>
-        <a:font script="Knda" typeface="Tunga"/>
-        <a:font script="Guru" typeface="Raavi"/>
-        <a:font script="Cans" typeface="Euphemia"/>
-        <a:font script="Cher" typeface="Plantagenet Cherokee"/>
-        <a:font script="Yiii" typeface="Microsoft Yi Baiti"/>
-        <a:font script="Tibt" typeface="Microsoft Himalaya"/>
-        <a:font script="Thaa" typeface="MV Boli"/>
-        <a:font script="Deva" typeface="Mangal"/>
-        <a:font script="Telu" typeface="Gautami"/>
-        <a:font script="Taml" typeface="Latha"/>
-        <a:font script="Syrc" typeface="Estrangelo Edessa"/>
-        <a:font script="Orya" typeface="Kalinga"/>
-        <a:font script="Mlym" typeface="Kartika"/>
-        <a:font script="Laoo" typeface="DokChampa"/>
-        <a:font script="Sinh" typeface="Iskoola Pota"/>
-        <a:font script="Mong" typeface="Mongolian Baiti"/>
-        <a:font script="Viet" typeface="Arial"/>
-        <a:font script="Uigh" typeface="Microsoft Uighur"/>
-      </a:minorFont>
-    </a:fontScheme>
-    <a:fmtScheme name="Office">
-      <a:fillStyleLst>
-        <a:solidFill>
-          <a:schemeClr val="phClr"/>
-        </a:solidFill>
-        <a:gradFill rotWithShape="1">
-          <a:gsLst>
-            <a:gs pos="0">
-              <a:schemeClr val="phClr">
-                <a:tint val="50000"/>
-                <a:satMod val="300000"/>
-              </a:schemeClr>
-            </a:gs>
-            <a:gs pos="35000">
-              <a:schemeClr val="phClr">
-                <a:tint val="37000"/>
-                <a:satMod val="300000"/>
-              </a:schemeClr>
-            </a:gs>
-            <a:gs pos="100000">
-              <a:schemeClr val="phClr">
-                <a:tint val="15000"/>
-                <a:satMod val="350000"/>
-              </a:schemeClr>
-            </a:gs>
-          </a:gsLst>
-          <a:lin scaled="1" ang="16200000"/>
-        </a:gradFill>
-        <a:gradFill rotWithShape="1">
-          <a:gsLst>
-            <a:gs pos="0">
-              <a:schemeClr val="phClr">
-                <a:tint val="100000"/>
-                <a:shade val="100000"/>
-                <a:satMod val="130000"/>
-              </a:schemeClr>
-            </a:gs>
-            <a:gs pos="100000">
-              <a:schemeClr val="phClr">
-                <a:tint val="50000"/>
-                <a:shade val="100000"/>
-                <a:satMod val="350000"/>
-              </a:schemeClr>
-            </a:gs>
-          </a:gsLst>
-          <a:lin scaled="0" ang="16200000"/>
-        </a:gradFill>
-      </a:fillStyleLst>
-      <a:lnStyleLst>
-        <a:ln w="9525" cap="flat" cmpd="sng" algn="ctr">
-          <a:solidFill>
-            <a:schemeClr val="phClr">
-              <a:shade val="95000"/>
-              <a:satMod val="105000"/>
-            </a:schemeClr>
-          </a:solidFill>
-          <a:prstDash val="solid"/>
-        </a:ln>
-        <a:ln w="25400" cap="flat" cmpd="sng" algn="ctr">
-          <a:solidFill>
-            <a:schemeClr val="phClr"/>
-          </a:solidFill>
-          <a:prstDash val="solid"/>
-        </a:ln>
-        <a:ln w="38100" cap="flat" cmpd="sng" algn="ctr">
-          <a:solidFill>
-            <a:schemeClr val="phClr"/>
-          </a:solidFill>
-          <a:prstDash val="solid"/>
-        </a:ln>
-      </a:lnStyleLst>
-      <a:effectStyleLst>
-        <a:effectStyle>
-          <a:effectLst>
-            <a:outerShdw rotWithShape="0" dir="5400000" dist="20000" blurRad="40000">
-              <a:srgbClr val="000000">
-                <a:alpha val="38000"/>
-              </a:srgbClr>
-            </a:outerShdw>
-          </a:effectLst>
-        </a:effectStyle>
-        <a:effectStyle>
-          <a:effectLst>
-            <a:outerShdw rotWithShape="0" dir="5400000" dist="23000" blurRad="40000">
-              <a:srgbClr val="000000">
-                <a:alpha val="35000"/>
-              </a:srgbClr>
-            </a:outerShdw>
-          </a:effectLst>
-        </a:effectStyle>
-        <a:effectStyle>
-          <a:effectLst>
-            <a:outerShdw rotWithShape="0" dir="5400000" dist="23000" blurRad="40000">
-              <a:srgbClr val="000000">
-                <a:alpha val="35000"/>
-              </a:srgbClr>
-            </a:outerShdw>
-          </a:effectLst>
-          <a:scene3d>
-            <a:camera prst="orthographicFront">
-              <a:rot rev="0" lat="0" lon="0"/>
-            </a:camera>
-            <a:lightRig rig="threePt" dir="t">
-              <a:rot rev="1200000" lat="0" lon="0"/>
-            </a:lightRig>
-          </a:scene3d>
-          <a:sp3d>
-            <a:bevelT w="63500" h="25400"/>
-          </a:sp3d>
-        </a:effectStyle>
-      </a:effectStyleLst>
-      <a:bgFillStyleLst>
-        <a:solidFill>
-          <a:schemeClr val="phClr"/>
-        </a:solidFill>
-        <a:gradFill rotWithShape="1">
-          <a:gsLst>
-            <a:gs pos="0">
-              <a:schemeClr val="phClr">
-                <a:tint val="40000"/>
-                <a:satMod val="350000"/>
-              </a:schemeClr>
-            </a:gs>
-            <a:gs pos="40000">
-              <a:schemeClr val="phClr">
-                <a:tint val="45000"/>
-                <a:shade val="99000"/>
-                <a:satMod val="350000"/>
-              </a:schemeClr>
-            </a:gs>
-            <a:gs pos="100000">
-              <a:schemeClr val="phClr">
-                <a:shade val="20000"/>
-                <a:satMod val="255000"/>
-              </a:schemeClr>
-            </a:gs>
-          </a:gsLst>
-          <a:path path="circle">
-            <a:fillToRect b="180000" l="50000" t="-80000" r="50000"/>
-          </a:path>
-        </a:gradFill>
-        <a:gradFill rotWithShape="1">
-          <a:gsLst>
-            <a:gs pos="0">
-              <a:schemeClr val="phClr">
-                <a:tint val="80000"/>
-                <a:satMod val="300000"/>
-              </a:schemeClr>
-            </a:gs>
-            <a:gs pos="100000">
-              <a:schemeClr val="phClr">
-                <a:shade val="30000"/>
-                <a:satMod val="200000"/>
-              </a:schemeClr>
-            </a:gs>
-          </a:gsLst>
-          <a:path path="circle">
-            <a:fillToRect b="50000" l="50000" t="50000" r="50000"/>
-          </a:path>
-        </a:gradFill>
-      </a:bgFillStyleLst>
-    </a:fmtScheme>
-  </a:themeElements>
-</a:theme>
-</file>
-
-<file path=ppt/theme/theme3.xml><?xml version="1.0" encoding="utf-8"?>
 <a:theme xmlns:a="http://schemas.openxmlformats.org/drawingml/2006/main" xmlns:r="http://schemas.openxmlformats.org/officeDocument/2006/relationships" name="Office Theme">
   <a:themeElements>
     <a:clrScheme name="Office">
@@ -8497,4 +13386,281 @@
   </a:objectDefaults>
   <a:extraClrSchemeLst/>
 </a:theme>
+</file>
+
+<file path=ppt/theme/theme3.xml><?xml version="1.0" encoding="utf-8"?>
+<a:theme xmlns:a="http://schemas.openxmlformats.org/drawingml/2006/main" xmlns:r="http://schemas.openxmlformats.org/officeDocument/2006/relationships">
+  <a:themeElements>
+    <a:clrScheme name="Default">
+      <a:dk1>
+        <a:srgbClr val="000000"/>
+      </a:dk1>
+      <a:lt1>
+        <a:srgbClr val="FFFFFF"/>
+      </a:lt1>
+      <a:dk2>
+        <a:srgbClr val="158158"/>
+      </a:dk2>
+      <a:lt2>
+        <a:srgbClr val="F3F3F3"/>
+      </a:lt2>
+      <a:accent1>
+        <a:srgbClr val="058DC7"/>
+      </a:accent1>
+      <a:accent2>
+        <a:srgbClr val="50B432"/>
+      </a:accent2>
+      <a:accent3>
+        <a:srgbClr val="ED561B"/>
+      </a:accent3>
+      <a:accent4>
+        <a:srgbClr val="EDEF00"/>
+      </a:accent4>
+      <a:accent5>
+        <a:srgbClr val="24CBE5"/>
+      </a:accent5>
+      <a:accent6>
+        <a:srgbClr val="64E572"/>
+      </a:accent6>
+      <a:hlink>
+        <a:srgbClr val="2200CC"/>
+      </a:hlink>
+      <a:folHlink>
+        <a:srgbClr val="551A8B"/>
+      </a:folHlink>
+    </a:clrScheme>
+    <a:fontScheme name="Office">
+      <a:majorFont>
+        <a:latin typeface="Arial"/>
+        <a:ea typeface=""/>
+        <a:cs typeface=""/>
+        <a:font script="Jpan" typeface="ＭＳ Ｐゴシック"/>
+        <a:font script="Hang" typeface="맑은 고딕"/>
+        <a:font script="Hans" typeface="宋体"/>
+        <a:font script="Hant" typeface="新細明體"/>
+        <a:font script="Arab" typeface="Times New Roman"/>
+        <a:font script="Hebr" typeface="Times New Roman"/>
+        <a:font script="Thai" typeface="Angsana New"/>
+        <a:font script="Ethi" typeface="Nyala"/>
+        <a:font script="Beng" typeface="Vrinda"/>
+        <a:font script="Gujr" typeface="Shruti"/>
+        <a:font script="Khmr" typeface="MoolBoran"/>
+        <a:font script="Knda" typeface="Tunga"/>
+        <a:font script="Guru" typeface="Raavi"/>
+        <a:font script="Cans" typeface="Euphemia"/>
+        <a:font script="Cher" typeface="Plantagenet Cherokee"/>
+        <a:font script="Yiii" typeface="Microsoft Yi Baiti"/>
+        <a:font script="Tibt" typeface="Microsoft Himalaya"/>
+        <a:font script="Thaa" typeface="MV Boli"/>
+        <a:font script="Deva" typeface="Mangal"/>
+        <a:font script="Telu" typeface="Gautami"/>
+        <a:font script="Taml" typeface="Latha"/>
+        <a:font script="Syrc" typeface="Estrangelo Edessa"/>
+        <a:font script="Orya" typeface="Kalinga"/>
+        <a:font script="Mlym" typeface="Kartika"/>
+        <a:font script="Laoo" typeface="DokChampa"/>
+        <a:font script="Sinh" typeface="Iskoola Pota"/>
+        <a:font script="Mong" typeface="Mongolian Baiti"/>
+        <a:font script="Viet" typeface="Times New Roman"/>
+        <a:font script="Uigh" typeface="Microsoft Uighur"/>
+      </a:majorFont>
+      <a:minorFont>
+        <a:latin typeface="Arial"/>
+        <a:ea typeface=""/>
+        <a:cs typeface=""/>
+        <a:font script="Jpan" typeface="ＭＳ Ｐゴシック"/>
+        <a:font script="Hang" typeface="맑은 고딕"/>
+        <a:font script="Hans" typeface="宋体"/>
+        <a:font script="Hant" typeface="新細明體"/>
+        <a:font script="Arab" typeface="Arial"/>
+        <a:font script="Hebr" typeface="Arial"/>
+        <a:font script="Thai" typeface="Cordia New"/>
+        <a:font script="Ethi" typeface="Nyala"/>
+        <a:font script="Beng" typeface="Vrinda"/>
+        <a:font script="Gujr" typeface="Shruti"/>
+        <a:font script="Khmr" typeface="DaunPenh"/>
+        <a:font script="Knda" typeface="Tunga"/>
+        <a:font script="Guru" typeface="Raavi"/>
+        <a:font script="Cans" typeface="Euphemia"/>
+        <a:font script="Cher" typeface="Plantagenet Cherokee"/>
+        <a:font script="Yiii" typeface="Microsoft Yi Baiti"/>
+        <a:font script="Tibt" typeface="Microsoft Himalaya"/>
+        <a:font script="Thaa" typeface="MV Boli"/>
+        <a:font script="Deva" typeface="Mangal"/>
+        <a:font script="Telu" typeface="Gautami"/>
+        <a:font script="Taml" typeface="Latha"/>
+        <a:font script="Syrc" typeface="Estrangelo Edessa"/>
+        <a:font script="Orya" typeface="Kalinga"/>
+        <a:font script="Mlym" typeface="Kartika"/>
+        <a:font script="Laoo" typeface="DokChampa"/>
+        <a:font script="Sinh" typeface="Iskoola Pota"/>
+        <a:font script="Mong" typeface="Mongolian Baiti"/>
+        <a:font script="Viet" typeface="Arial"/>
+        <a:font script="Uigh" typeface="Microsoft Uighur"/>
+      </a:minorFont>
+    </a:fontScheme>
+    <a:fmtScheme name="Office">
+      <a:fillStyleLst>
+        <a:solidFill>
+          <a:schemeClr val="phClr"/>
+        </a:solidFill>
+        <a:gradFill rotWithShape="1">
+          <a:gsLst>
+            <a:gs pos="0">
+              <a:schemeClr val="phClr">
+                <a:tint val="50000"/>
+                <a:satMod val="300000"/>
+              </a:schemeClr>
+            </a:gs>
+            <a:gs pos="35000">
+              <a:schemeClr val="phClr">
+                <a:tint val="37000"/>
+                <a:satMod val="300000"/>
+              </a:schemeClr>
+            </a:gs>
+            <a:gs pos="100000">
+              <a:schemeClr val="phClr">
+                <a:tint val="15000"/>
+                <a:satMod val="350000"/>
+              </a:schemeClr>
+            </a:gs>
+          </a:gsLst>
+          <a:lin scaled="1" ang="16200000"/>
+        </a:gradFill>
+        <a:gradFill rotWithShape="1">
+          <a:gsLst>
+            <a:gs pos="0">
+              <a:schemeClr val="phClr">
+                <a:tint val="100000"/>
+                <a:shade val="100000"/>
+                <a:satMod val="130000"/>
+              </a:schemeClr>
+            </a:gs>
+            <a:gs pos="100000">
+              <a:schemeClr val="phClr">
+                <a:tint val="50000"/>
+                <a:shade val="100000"/>
+                <a:satMod val="350000"/>
+              </a:schemeClr>
+            </a:gs>
+          </a:gsLst>
+          <a:lin scaled="0" ang="16200000"/>
+        </a:gradFill>
+      </a:fillStyleLst>
+      <a:lnStyleLst>
+        <a:ln w="9525" cap="flat" cmpd="sng" algn="ctr">
+          <a:solidFill>
+            <a:schemeClr val="phClr">
+              <a:shade val="95000"/>
+              <a:satMod val="105000"/>
+            </a:schemeClr>
+          </a:solidFill>
+          <a:prstDash val="solid"/>
+        </a:ln>
+        <a:ln w="25400" cap="flat" cmpd="sng" algn="ctr">
+          <a:solidFill>
+            <a:schemeClr val="phClr"/>
+          </a:solidFill>
+          <a:prstDash val="solid"/>
+        </a:ln>
+        <a:ln w="38100" cap="flat" cmpd="sng" algn="ctr">
+          <a:solidFill>
+            <a:schemeClr val="phClr"/>
+          </a:solidFill>
+          <a:prstDash val="solid"/>
+        </a:ln>
+      </a:lnStyleLst>
+      <a:effectStyleLst>
+        <a:effectStyle>
+          <a:effectLst>
+            <a:outerShdw rotWithShape="0" dir="5400000" dist="20000" blurRad="40000">
+              <a:srgbClr val="000000">
+                <a:alpha val="38000"/>
+              </a:srgbClr>
+            </a:outerShdw>
+          </a:effectLst>
+        </a:effectStyle>
+        <a:effectStyle>
+          <a:effectLst>
+            <a:outerShdw rotWithShape="0" dir="5400000" dist="23000" blurRad="40000">
+              <a:srgbClr val="000000">
+                <a:alpha val="35000"/>
+              </a:srgbClr>
+            </a:outerShdw>
+          </a:effectLst>
+        </a:effectStyle>
+        <a:effectStyle>
+          <a:effectLst>
+            <a:outerShdw rotWithShape="0" dir="5400000" dist="23000" blurRad="40000">
+              <a:srgbClr val="000000">
+                <a:alpha val="35000"/>
+              </a:srgbClr>
+            </a:outerShdw>
+          </a:effectLst>
+          <a:scene3d>
+            <a:camera prst="orthographicFront">
+              <a:rot rev="0" lat="0" lon="0"/>
+            </a:camera>
+            <a:lightRig rig="threePt" dir="t">
+              <a:rot rev="1200000" lat="0" lon="0"/>
+            </a:lightRig>
+          </a:scene3d>
+          <a:sp3d>
+            <a:bevelT w="63500" h="25400"/>
+          </a:sp3d>
+        </a:effectStyle>
+      </a:effectStyleLst>
+      <a:bgFillStyleLst>
+        <a:solidFill>
+          <a:schemeClr val="phClr"/>
+        </a:solidFill>
+        <a:gradFill rotWithShape="1">
+          <a:gsLst>
+            <a:gs pos="0">
+              <a:schemeClr val="phClr">
+                <a:tint val="40000"/>
+                <a:satMod val="350000"/>
+              </a:schemeClr>
+            </a:gs>
+            <a:gs pos="40000">
+              <a:schemeClr val="phClr">
+                <a:tint val="45000"/>
+                <a:shade val="99000"/>
+                <a:satMod val="350000"/>
+              </a:schemeClr>
+            </a:gs>
+            <a:gs pos="100000">
+              <a:schemeClr val="phClr">
+                <a:shade val="20000"/>
+                <a:satMod val="255000"/>
+              </a:schemeClr>
+            </a:gs>
+          </a:gsLst>
+          <a:path path="circle">
+            <a:fillToRect b="180000" l="50000" t="-80000" r="50000"/>
+          </a:path>
+        </a:gradFill>
+        <a:gradFill rotWithShape="1">
+          <a:gsLst>
+            <a:gs pos="0">
+              <a:schemeClr val="phClr">
+                <a:tint val="80000"/>
+                <a:satMod val="300000"/>
+              </a:schemeClr>
+            </a:gs>
+            <a:gs pos="100000">
+              <a:schemeClr val="phClr">
+                <a:shade val="30000"/>
+                <a:satMod val="200000"/>
+              </a:schemeClr>
+            </a:gs>
+          </a:gsLst>
+          <a:path path="circle">
+            <a:fillToRect b="50000" l="50000" t="50000" r="50000"/>
+          </a:path>
+        </a:gradFill>
+      </a:bgFillStyleLst>
+    </a:fmtScheme>
+  </a:themeElements>
+</a:theme>
 </file>